--- a/Documentação/HLD -LLD (1).pptx
+++ b/Documentação/HLD -LLD (1).pptx
@@ -117,9 +117,462 @@
 <file path=ppt/revisionInfo.xml><?xml version="1.0" encoding="utf-8"?>
 <p1510:revInfo xmlns:a="http://schemas.openxmlformats.org/drawingml/2006/main" xmlns:r="http://schemas.openxmlformats.org/officeDocument/2006/relationships" xmlns:p1510="http://schemas.microsoft.com/office/powerpoint/2015/10/main">
   <p1510:revLst>
-    <p1510:client id="{45A0D7EB-6946-4EF5-A9E3-7A3D929C0A90}" v="28" dt="2020-10-14T23:44:23.354"/>
+    <p1510:client id="{C68BBA65-789D-40CD-80F4-FF1C821B8B29}" v="166" dt="2020-10-18T01:10:42.251"/>
   </p1510:revLst>
 </p1510:revInfo>
+</file>
+
+<file path=ppt/changesInfos/changesInfo1.xml><?xml version="1.0" encoding="utf-8"?>
+<pc:chgInfo xmlns:a="http://schemas.openxmlformats.org/drawingml/2006/main" xmlns:r="http://schemas.openxmlformats.org/officeDocument/2006/relationships" xmlns:ac="http://schemas.microsoft.com/office/drawing/2013/main/command" xmlns:pc="http://schemas.microsoft.com/office/powerpoint/2013/main/command">
+  <pc:docChgLst>
+    <pc:chgData name="Bruna Brito" userId="b6e662cc8815d3ee" providerId="LiveId" clId="{C68BBA65-789D-40CD-80F4-FF1C821B8B29}"/>
+    <pc:docChg chg="custSel modSld">
+      <pc:chgData name="Bruna Brito" userId="b6e662cc8815d3ee" providerId="LiveId" clId="{C68BBA65-789D-40CD-80F4-FF1C821B8B29}" dt="2020-10-18T01:10:42.250" v="400" actId="196"/>
+      <pc:docMkLst>
+        <pc:docMk/>
+      </pc:docMkLst>
+      <pc:sldChg chg="addSp delSp modSp mod">
+        <pc:chgData name="Bruna Brito" userId="b6e662cc8815d3ee" providerId="LiveId" clId="{C68BBA65-789D-40CD-80F4-FF1C821B8B29}" dt="2020-10-18T01:10:42.250" v="400" actId="196"/>
+        <pc:sldMkLst>
+          <pc:docMk/>
+          <pc:sldMk cId="1658985439" sldId="276"/>
+        </pc:sldMkLst>
+        <pc:spChg chg="del mod">
+          <ac:chgData name="Bruna Brito" userId="b6e662cc8815d3ee" providerId="LiveId" clId="{C68BBA65-789D-40CD-80F4-FF1C821B8B29}" dt="2020-10-17T23:57:08.001" v="5" actId="478"/>
+          <ac:spMkLst>
+            <pc:docMk/>
+            <pc:sldMk cId="1658985439" sldId="276"/>
+            <ac:spMk id="2" creationId="{D220B039-318A-4E54-9488-D70BF67A266E}"/>
+          </ac:spMkLst>
+        </pc:spChg>
+        <pc:spChg chg="del mod">
+          <ac:chgData name="Bruna Brito" userId="b6e662cc8815d3ee" providerId="LiveId" clId="{C68BBA65-789D-40CD-80F4-FF1C821B8B29}" dt="2020-10-17T23:57:11.412" v="6" actId="478"/>
+          <ac:spMkLst>
+            <pc:docMk/>
+            <pc:sldMk cId="1658985439" sldId="276"/>
+            <ac:spMk id="6" creationId="{E176E388-3458-4E06-9605-CD959CC11A80}"/>
+          </ac:spMkLst>
+        </pc:spChg>
+        <pc:spChg chg="del">
+          <ac:chgData name="Bruna Brito" userId="b6e662cc8815d3ee" providerId="LiveId" clId="{C68BBA65-789D-40CD-80F4-FF1C821B8B29}" dt="2020-10-17T23:15:19.694" v="0" actId="478"/>
+          <ac:spMkLst>
+            <pc:docMk/>
+            <pc:sldMk cId="1658985439" sldId="276"/>
+            <ac:spMk id="7" creationId="{24F142A6-B7BD-4F67-AE74-439A51ABC898}"/>
+          </ac:spMkLst>
+        </pc:spChg>
+        <pc:spChg chg="del mod">
+          <ac:chgData name="Bruna Brito" userId="b6e662cc8815d3ee" providerId="LiveId" clId="{C68BBA65-789D-40CD-80F4-FF1C821B8B29}" dt="2020-10-18T00:18:01.637" v="166" actId="478"/>
+          <ac:spMkLst>
+            <pc:docMk/>
+            <pc:sldMk cId="1658985439" sldId="276"/>
+            <ac:spMk id="8" creationId="{6F0422D2-881B-4B3E-8E66-AB38A8DD9BA5}"/>
+          </ac:spMkLst>
+        </pc:spChg>
+        <pc:spChg chg="del mod topLvl">
+          <ac:chgData name="Bruna Brito" userId="b6e662cc8815d3ee" providerId="LiveId" clId="{C68BBA65-789D-40CD-80F4-FF1C821B8B29}" dt="2020-10-18T00:18:07.540" v="170" actId="478"/>
+          <ac:spMkLst>
+            <pc:docMk/>
+            <pc:sldMk cId="1658985439" sldId="276"/>
+            <ac:spMk id="11" creationId="{D65A861D-8AA3-4D24-9640-2DCB4AE1FDD2}"/>
+          </ac:spMkLst>
+        </pc:spChg>
+        <pc:spChg chg="del">
+          <ac:chgData name="Bruna Brito" userId="b6e662cc8815d3ee" providerId="LiveId" clId="{C68BBA65-789D-40CD-80F4-FF1C821B8B29}" dt="2020-10-17T23:15:23.376" v="2" actId="478"/>
+          <ac:spMkLst>
+            <pc:docMk/>
+            <pc:sldMk cId="1658985439" sldId="276"/>
+            <ac:spMk id="13" creationId="{D47AE940-0C8E-487C-BA8F-8B4A9BD01630}"/>
+          </ac:spMkLst>
+        </pc:spChg>
+        <pc:spChg chg="add mod">
+          <ac:chgData name="Bruna Brito" userId="b6e662cc8815d3ee" providerId="LiveId" clId="{C68BBA65-789D-40CD-80F4-FF1C821B8B29}" dt="2020-10-18T00:19:13.068" v="177" actId="207"/>
+          <ac:spMkLst>
+            <pc:docMk/>
+            <pc:sldMk cId="1658985439" sldId="276"/>
+            <ac:spMk id="15" creationId="{7B98BE30-595E-45F6-A810-6BE3CEE7E383}"/>
+          </ac:spMkLst>
+        </pc:spChg>
+        <pc:spChg chg="add del">
+          <ac:chgData name="Bruna Brito" userId="b6e662cc8815d3ee" providerId="LiveId" clId="{C68BBA65-789D-40CD-80F4-FF1C821B8B29}" dt="2020-10-18T00:04:43.829" v="33" actId="478"/>
+          <ac:spMkLst>
+            <pc:docMk/>
+            <pc:sldMk cId="1658985439" sldId="276"/>
+            <ac:spMk id="17" creationId="{0D3F9B4C-7A44-4DA8-A659-F67AF335BCC0}"/>
+          </ac:spMkLst>
+        </pc:spChg>
+        <pc:spChg chg="add mod">
+          <ac:chgData name="Bruna Brito" userId="b6e662cc8815d3ee" providerId="LiveId" clId="{C68BBA65-789D-40CD-80F4-FF1C821B8B29}" dt="2020-10-18T00:19:33.004" v="181" actId="208"/>
+          <ac:spMkLst>
+            <pc:docMk/>
+            <pc:sldMk cId="1658985439" sldId="276"/>
+            <ac:spMk id="18" creationId="{4D04321C-942D-4A18-8CF6-6ADDF654EE25}"/>
+          </ac:spMkLst>
+        </pc:spChg>
+        <pc:spChg chg="add mod">
+          <ac:chgData name="Bruna Brito" userId="b6e662cc8815d3ee" providerId="LiveId" clId="{C68BBA65-789D-40CD-80F4-FF1C821B8B29}" dt="2020-10-18T01:01:01.716" v="296" actId="1076"/>
+          <ac:spMkLst>
+            <pc:docMk/>
+            <pc:sldMk cId="1658985439" sldId="276"/>
+            <ac:spMk id="20" creationId="{D9FB7365-5F0B-4BF5-96A9-4BFF16DE1402}"/>
+          </ac:spMkLst>
+        </pc:spChg>
+        <pc:spChg chg="add mod">
+          <ac:chgData name="Bruna Brito" userId="b6e662cc8815d3ee" providerId="LiveId" clId="{C68BBA65-789D-40CD-80F4-FF1C821B8B29}" dt="2020-10-18T00:04:30.185" v="30" actId="164"/>
+          <ac:spMkLst>
+            <pc:docMk/>
+            <pc:sldMk cId="1658985439" sldId="276"/>
+            <ac:spMk id="30" creationId="{4C401C90-9A10-440B-A041-8DEAED65FC27}"/>
+          </ac:spMkLst>
+        </pc:spChg>
+        <pc:spChg chg="del">
+          <ac:chgData name="Bruna Brito" userId="b6e662cc8815d3ee" providerId="LiveId" clId="{C68BBA65-789D-40CD-80F4-FF1C821B8B29}" dt="2020-10-17T23:15:21.476" v="1" actId="478"/>
+          <ac:spMkLst>
+            <pc:docMk/>
+            <pc:sldMk cId="1658985439" sldId="276"/>
+            <ac:spMk id="31" creationId="{D6E62E8C-5C05-44BB-A1FA-FA3D46A87322}"/>
+          </ac:spMkLst>
+        </pc:spChg>
+        <pc:spChg chg="add mod">
+          <ac:chgData name="Bruna Brito" userId="b6e662cc8815d3ee" providerId="LiveId" clId="{C68BBA65-789D-40CD-80F4-FF1C821B8B29}" dt="2020-10-18T00:19:35.514" v="182" actId="208"/>
+          <ac:spMkLst>
+            <pc:docMk/>
+            <pc:sldMk cId="1658985439" sldId="276"/>
+            <ac:spMk id="34" creationId="{EC2B7667-EA4E-43FB-B957-EBC995F2A45B}"/>
+          </ac:spMkLst>
+        </pc:spChg>
+        <pc:spChg chg="add mod">
+          <ac:chgData name="Bruna Brito" userId="b6e662cc8815d3ee" providerId="LiveId" clId="{C68BBA65-789D-40CD-80F4-FF1C821B8B29}" dt="2020-10-18T00:19:38.182" v="183" actId="208"/>
+          <ac:spMkLst>
+            <pc:docMk/>
+            <pc:sldMk cId="1658985439" sldId="276"/>
+            <ac:spMk id="35" creationId="{D365E60D-5B67-46EB-81A6-E80B3923DAA7}"/>
+          </ac:spMkLst>
+        </pc:spChg>
+        <pc:spChg chg="add mod">
+          <ac:chgData name="Bruna Brito" userId="b6e662cc8815d3ee" providerId="LiveId" clId="{C68BBA65-789D-40CD-80F4-FF1C821B8B29}" dt="2020-10-18T01:00:58.955" v="295" actId="1076"/>
+          <ac:spMkLst>
+            <pc:docMk/>
+            <pc:sldMk cId="1658985439" sldId="276"/>
+            <ac:spMk id="42" creationId="{D97AC4B0-007C-4592-96AC-89A98EE787D0}"/>
+          </ac:spMkLst>
+        </pc:spChg>
+        <pc:spChg chg="add mod">
+          <ac:chgData name="Bruna Brito" userId="b6e662cc8815d3ee" providerId="LiveId" clId="{C68BBA65-789D-40CD-80F4-FF1C821B8B29}" dt="2020-10-18T01:00:53.843" v="293" actId="1076"/>
+          <ac:spMkLst>
+            <pc:docMk/>
+            <pc:sldMk cId="1658985439" sldId="276"/>
+            <ac:spMk id="45" creationId="{FB36886E-2A85-475A-A34E-D037C709F97A}"/>
+          </ac:spMkLst>
+        </pc:spChg>
+        <pc:spChg chg="add mod">
+          <ac:chgData name="Bruna Brito" userId="b6e662cc8815d3ee" providerId="LiveId" clId="{C68BBA65-789D-40CD-80F4-FF1C821B8B29}" dt="2020-10-18T01:05:25.404" v="337" actId="1076"/>
+          <ac:spMkLst>
+            <pc:docMk/>
+            <pc:sldMk cId="1658985439" sldId="276"/>
+            <ac:spMk id="48" creationId="{497504A1-A694-4115-BE63-27531F1A739B}"/>
+          </ac:spMkLst>
+        </pc:spChg>
+        <pc:spChg chg="add del">
+          <ac:chgData name="Bruna Brito" userId="b6e662cc8815d3ee" providerId="LiveId" clId="{C68BBA65-789D-40CD-80F4-FF1C821B8B29}" dt="2020-10-18T00:25:02.692" v="194" actId="478"/>
+          <ac:spMkLst>
+            <pc:docMk/>
+            <pc:sldMk cId="1658985439" sldId="276"/>
+            <ac:spMk id="54" creationId="{4066ECD9-0826-4BDD-980F-80A4F81BC38F}"/>
+          </ac:spMkLst>
+        </pc:spChg>
+        <pc:spChg chg="add mod">
+          <ac:chgData name="Bruna Brito" userId="b6e662cc8815d3ee" providerId="LiveId" clId="{C68BBA65-789D-40CD-80F4-FF1C821B8B29}" dt="2020-10-18T01:05:29.815" v="338" actId="1076"/>
+          <ac:spMkLst>
+            <pc:docMk/>
+            <pc:sldMk cId="1658985439" sldId="276"/>
+            <ac:spMk id="66" creationId="{550211D3-E2BF-4CAF-90D8-BA7A06EA1E24}"/>
+          </ac:spMkLst>
+        </pc:spChg>
+        <pc:spChg chg="add mod">
+          <ac:chgData name="Bruna Brito" userId="b6e662cc8815d3ee" providerId="LiveId" clId="{C68BBA65-789D-40CD-80F4-FF1C821B8B29}" dt="2020-10-18T01:07:04.022" v="381" actId="1076"/>
+          <ac:spMkLst>
+            <pc:docMk/>
+            <pc:sldMk cId="1658985439" sldId="276"/>
+            <ac:spMk id="70" creationId="{12B07DF9-F3D0-43C5-82D2-249B412D7BB8}"/>
+          </ac:spMkLst>
+        </pc:spChg>
+        <pc:grpChg chg="add del mod">
+          <ac:chgData name="Bruna Brito" userId="b6e662cc8815d3ee" providerId="LiveId" clId="{C68BBA65-789D-40CD-80F4-FF1C821B8B29}" dt="2020-10-17T23:57:16.203" v="10" actId="478"/>
+          <ac:grpSpMkLst>
+            <pc:docMk/>
+            <pc:sldMk cId="1658985439" sldId="276"/>
+            <ac:grpSpMk id="9" creationId="{548C3202-43D4-4918-8E1C-CDE73389CFF2}"/>
+          </ac:grpSpMkLst>
+        </pc:grpChg>
+        <pc:grpChg chg="add del mod">
+          <ac:chgData name="Bruna Brito" userId="b6e662cc8815d3ee" providerId="LiveId" clId="{C68BBA65-789D-40CD-80F4-FF1C821B8B29}" dt="2020-10-18T00:18:07.540" v="170" actId="478"/>
+          <ac:grpSpMkLst>
+            <pc:docMk/>
+            <pc:sldMk cId="1658985439" sldId="276"/>
+            <ac:grpSpMk id="10" creationId="{2204867F-8C5B-4F12-81F9-B3EF9BC43245}"/>
+          </ac:grpSpMkLst>
+        </pc:grpChg>
+        <pc:grpChg chg="add mod">
+          <ac:chgData name="Bruna Brito" userId="b6e662cc8815d3ee" providerId="LiveId" clId="{C68BBA65-789D-40CD-80F4-FF1C821B8B29}" dt="2020-10-18T00:06:31.749" v="56" actId="164"/>
+          <ac:grpSpMkLst>
+            <pc:docMk/>
+            <pc:sldMk cId="1658985439" sldId="276"/>
+            <ac:grpSpMk id="16" creationId="{F99AA876-74A4-4E2D-A396-75AF1FC8EF1D}"/>
+          </ac:grpSpMkLst>
+        </pc:grpChg>
+        <pc:grpChg chg="add del mod">
+          <ac:chgData name="Bruna Brito" userId="b6e662cc8815d3ee" providerId="LiveId" clId="{C68BBA65-789D-40CD-80F4-FF1C821B8B29}" dt="2020-10-18T00:32:12.120" v="211" actId="478"/>
+          <ac:grpSpMkLst>
+            <pc:docMk/>
+            <pc:sldMk cId="1658985439" sldId="276"/>
+            <ac:grpSpMk id="19" creationId="{5BDF6565-8235-4589-BB40-7F5C65CE6028}"/>
+          </ac:grpSpMkLst>
+        </pc:grpChg>
+        <pc:grpChg chg="del">
+          <ac:chgData name="Bruna Brito" userId="b6e662cc8815d3ee" providerId="LiveId" clId="{C68BBA65-789D-40CD-80F4-FF1C821B8B29}" dt="2020-10-18T00:18:30.346" v="173" actId="478"/>
+          <ac:grpSpMkLst>
+            <pc:docMk/>
+            <pc:sldMk cId="1658985439" sldId="276"/>
+            <ac:grpSpMk id="39" creationId="{A6F5261B-E820-43D5-A0D8-FB525A7066A4}"/>
+          </ac:grpSpMkLst>
+        </pc:grpChg>
+        <pc:grpChg chg="del">
+          <ac:chgData name="Bruna Brito" userId="b6e662cc8815d3ee" providerId="LiveId" clId="{C68BBA65-789D-40CD-80F4-FF1C821B8B29}" dt="2020-10-18T00:18:28.820" v="172" actId="478"/>
+          <ac:grpSpMkLst>
+            <pc:docMk/>
+            <pc:sldMk cId="1658985439" sldId="276"/>
+            <ac:grpSpMk id="41" creationId="{F96582A3-FCF5-4CAF-9469-F4C7E4326514}"/>
+          </ac:grpSpMkLst>
+        </pc:grpChg>
+        <pc:picChg chg="add del mod">
+          <ac:chgData name="Bruna Brito" userId="b6e662cc8815d3ee" providerId="LiveId" clId="{C68BBA65-789D-40CD-80F4-FF1C821B8B29}" dt="2020-10-18T00:36:03.074" v="219" actId="478"/>
+          <ac:picMkLst>
+            <pc:docMk/>
+            <pc:sldMk cId="1658985439" sldId="276"/>
+            <ac:picMk id="3" creationId="{3B16A436-06E9-4C21-920E-EDF9F1D85E39}"/>
+          </ac:picMkLst>
+        </pc:picChg>
+        <pc:picChg chg="del mod">
+          <ac:chgData name="Bruna Brito" userId="b6e662cc8815d3ee" providerId="LiveId" clId="{C68BBA65-789D-40CD-80F4-FF1C821B8B29}" dt="2020-10-17T23:57:16.203" v="10" actId="478"/>
+          <ac:picMkLst>
+            <pc:docMk/>
+            <pc:sldMk cId="1658985439" sldId="276"/>
+            <ac:picMk id="5" creationId="{868F123E-5BDA-4E42-963C-DFB316C64DDD}"/>
+          </ac:picMkLst>
+        </pc:picChg>
+        <pc:picChg chg="add del mod">
+          <ac:chgData name="Bruna Brito" userId="b6e662cc8815d3ee" providerId="LiveId" clId="{C68BBA65-789D-40CD-80F4-FF1C821B8B29}" dt="2020-10-18T00:13:02.495" v="107" actId="478"/>
+          <ac:picMkLst>
+            <pc:docMk/>
+            <pc:sldMk cId="1658985439" sldId="276"/>
+            <ac:picMk id="22" creationId="{2A229A36-EBDC-4770-8AA0-348DA96CF2CF}"/>
+          </ac:picMkLst>
+        </pc:picChg>
+        <pc:picChg chg="add del mod">
+          <ac:chgData name="Bruna Brito" userId="b6e662cc8815d3ee" providerId="LiveId" clId="{C68BBA65-789D-40CD-80F4-FF1C821B8B29}" dt="2020-10-18T00:00:26.525" v="13" actId="478"/>
+          <ac:picMkLst>
+            <pc:docMk/>
+            <pc:sldMk cId="1658985439" sldId="276"/>
+            <ac:picMk id="26" creationId="{5CBF4649-D634-4142-960D-515CE9FC44E2}"/>
+          </ac:picMkLst>
+        </pc:picChg>
+        <pc:picChg chg="add del mod">
+          <ac:chgData name="Bruna Brito" userId="b6e662cc8815d3ee" providerId="LiveId" clId="{C68BBA65-789D-40CD-80F4-FF1C821B8B29}" dt="2020-10-18T00:28:48.727" v="203" actId="478"/>
+          <ac:picMkLst>
+            <pc:docMk/>
+            <pc:sldMk cId="1658985439" sldId="276"/>
+            <ac:picMk id="32" creationId="{E6CDE20F-7B88-4D48-9E0E-59F63F8B9DD0}"/>
+          </ac:picMkLst>
+        </pc:picChg>
+        <pc:picChg chg="add del mod">
+          <ac:chgData name="Bruna Brito" userId="b6e662cc8815d3ee" providerId="LiveId" clId="{C68BBA65-789D-40CD-80F4-FF1C821B8B29}" dt="2020-10-18T00:12:55.537" v="105" actId="478"/>
+          <ac:picMkLst>
+            <pc:docMk/>
+            <pc:sldMk cId="1658985439" sldId="276"/>
+            <ac:picMk id="37" creationId="{FC804821-5C3F-41DF-A552-EDA4F448999E}"/>
+          </ac:picMkLst>
+        </pc:picChg>
+        <pc:picChg chg="add del mod">
+          <ac:chgData name="Bruna Brito" userId="b6e662cc8815d3ee" providerId="LiveId" clId="{C68BBA65-789D-40CD-80F4-FF1C821B8B29}" dt="2020-10-18T00:41:21.340" v="233" actId="478"/>
+          <ac:picMkLst>
+            <pc:docMk/>
+            <pc:sldMk cId="1658985439" sldId="276"/>
+            <ac:picMk id="44" creationId="{01110121-2276-4129-A2EC-EB4EF68E1F3B}"/>
+          </ac:picMkLst>
+        </pc:picChg>
+        <pc:picChg chg="add mod">
+          <ac:chgData name="Bruna Brito" userId="b6e662cc8815d3ee" providerId="LiveId" clId="{C68BBA65-789D-40CD-80F4-FF1C821B8B29}" dt="2020-10-18T01:05:05.107" v="330" actId="1076"/>
+          <ac:picMkLst>
+            <pc:docMk/>
+            <pc:sldMk cId="1658985439" sldId="276"/>
+            <ac:picMk id="47" creationId="{3A6F6BDA-1F94-4195-9CA6-840CE9D35EF6}"/>
+          </ac:picMkLst>
+        </pc:picChg>
+        <pc:picChg chg="add del mod topLvl">
+          <ac:chgData name="Bruna Brito" userId="b6e662cc8815d3ee" providerId="LiveId" clId="{C68BBA65-789D-40CD-80F4-FF1C821B8B29}" dt="2020-10-18T01:05:48.644" v="339" actId="478"/>
+          <ac:picMkLst>
+            <pc:docMk/>
+            <pc:sldMk cId="1658985439" sldId="276"/>
+            <ac:picMk id="49" creationId="{A0764176-A338-4B3B-9173-DC9A95519D0C}"/>
+          </ac:picMkLst>
+        </pc:picChg>
+        <pc:picChg chg="add mod">
+          <ac:chgData name="Bruna Brito" userId="b6e662cc8815d3ee" providerId="LiveId" clId="{C68BBA65-789D-40CD-80F4-FF1C821B8B29}" dt="2020-10-18T00:25:45.876" v="197" actId="1076"/>
+          <ac:picMkLst>
+            <pc:docMk/>
+            <pc:sldMk cId="1658985439" sldId="276"/>
+            <ac:picMk id="51" creationId="{8CE6FA19-B757-4DE0-BBF8-13BB0C1C5580}"/>
+          </ac:picMkLst>
+        </pc:picChg>
+        <pc:picChg chg="add del mod">
+          <ac:chgData name="Bruna Brito" userId="b6e662cc8815d3ee" providerId="LiveId" clId="{C68BBA65-789D-40CD-80F4-FF1C821B8B29}" dt="2020-10-18T00:41:22.324" v="234" actId="478"/>
+          <ac:picMkLst>
+            <pc:docMk/>
+            <pc:sldMk cId="1658985439" sldId="276"/>
+            <ac:picMk id="52" creationId="{1F23E39C-30CC-4D40-89D0-4666AFE4C523}"/>
+          </ac:picMkLst>
+        </pc:picChg>
+        <pc:picChg chg="add mod">
+          <ac:chgData name="Bruna Brito" userId="b6e662cc8815d3ee" providerId="LiveId" clId="{C68BBA65-789D-40CD-80F4-FF1C821B8B29}" dt="2020-10-18T01:00:48.089" v="292" actId="1076"/>
+          <ac:picMkLst>
+            <pc:docMk/>
+            <pc:sldMk cId="1658985439" sldId="276"/>
+            <ac:picMk id="53" creationId="{9C330314-D855-4C77-85ED-8F2B415588D3}"/>
+          </ac:picMkLst>
+        </pc:picChg>
+        <pc:picChg chg="add mod">
+          <ac:chgData name="Bruna Brito" userId="b6e662cc8815d3ee" providerId="LiveId" clId="{C68BBA65-789D-40CD-80F4-FF1C821B8B29}" dt="2020-10-18T01:05:16.650" v="335" actId="1076"/>
+          <ac:picMkLst>
+            <pc:docMk/>
+            <pc:sldMk cId="1658985439" sldId="276"/>
+            <ac:picMk id="60" creationId="{1BE3725E-85A2-421A-8A66-BBB3199ED8F8}"/>
+          </ac:picMkLst>
+        </pc:picChg>
+        <pc:picChg chg="add del mod">
+          <ac:chgData name="Bruna Brito" userId="b6e662cc8815d3ee" providerId="LiveId" clId="{C68BBA65-789D-40CD-80F4-FF1C821B8B29}" dt="2020-10-18T01:00:29.534" v="285" actId="478"/>
+          <ac:picMkLst>
+            <pc:docMk/>
+            <pc:sldMk cId="1658985439" sldId="276"/>
+            <ac:picMk id="64" creationId="{F652A6B0-7DFF-4357-8F52-7DBCCD581589}"/>
+          </ac:picMkLst>
+        </pc:picChg>
+        <pc:picChg chg="add mod">
+          <ac:chgData name="Bruna Brito" userId="b6e662cc8815d3ee" providerId="LiveId" clId="{C68BBA65-789D-40CD-80F4-FF1C821B8B29}" dt="2020-10-18T01:08:03.929" v="397" actId="1076"/>
+          <ac:picMkLst>
+            <pc:docMk/>
+            <pc:sldMk cId="1658985439" sldId="276"/>
+            <ac:picMk id="65" creationId="{EC1CF7CA-4F58-4E64-85D3-96D56F41EFB6}"/>
+          </ac:picMkLst>
+        </pc:picChg>
+        <pc:picChg chg="add mod">
+          <ac:chgData name="Bruna Brito" userId="b6e662cc8815d3ee" providerId="LiveId" clId="{C68BBA65-789D-40CD-80F4-FF1C821B8B29}" dt="2020-10-18T01:04:47.814" v="321" actId="1076"/>
+          <ac:picMkLst>
+            <pc:docMk/>
+            <pc:sldMk cId="1658985439" sldId="276"/>
+            <ac:picMk id="67" creationId="{68687558-91C4-40B3-9351-19EAEDD7ACD9}"/>
+          </ac:picMkLst>
+        </pc:picChg>
+        <pc:picChg chg="add mod">
+          <ac:chgData name="Bruna Brito" userId="b6e662cc8815d3ee" providerId="LiveId" clId="{C68BBA65-789D-40CD-80F4-FF1C821B8B29}" dt="2020-10-18T01:04:56.829" v="326" actId="1076"/>
+          <ac:picMkLst>
+            <pc:docMk/>
+            <pc:sldMk cId="1658985439" sldId="276"/>
+            <ac:picMk id="68" creationId="{03FBF62A-BEC8-437F-8111-4B74C730E00C}"/>
+          </ac:picMkLst>
+        </pc:picChg>
+        <pc:picChg chg="add mod">
+          <ac:chgData name="Bruna Brito" userId="b6e662cc8815d3ee" providerId="LiveId" clId="{C68BBA65-789D-40CD-80F4-FF1C821B8B29}" dt="2020-10-18T01:05:13.637" v="334" actId="1076"/>
+          <ac:picMkLst>
+            <pc:docMk/>
+            <pc:sldMk cId="1658985439" sldId="276"/>
+            <ac:picMk id="69" creationId="{99D51498-E61B-4EBF-9B4C-EE327D6FC694}"/>
+          </ac:picMkLst>
+        </pc:picChg>
+        <pc:picChg chg="add mod">
+          <ac:chgData name="Bruna Brito" userId="b6e662cc8815d3ee" providerId="LiveId" clId="{C68BBA65-789D-40CD-80F4-FF1C821B8B29}" dt="2020-10-18T01:07:17.116" v="385" actId="1076"/>
+          <ac:picMkLst>
+            <pc:docMk/>
+            <pc:sldMk cId="1658985439" sldId="276"/>
+            <ac:picMk id="71" creationId="{C5F1F4C9-F7E6-4348-83AA-C0948A6544DF}"/>
+          </ac:picMkLst>
+        </pc:picChg>
+        <pc:picChg chg="add mod">
+          <ac:chgData name="Bruna Brito" userId="b6e662cc8815d3ee" providerId="LiveId" clId="{C68BBA65-789D-40CD-80F4-FF1C821B8B29}" dt="2020-10-18T01:07:29.263" v="391" actId="1076"/>
+          <ac:picMkLst>
+            <pc:docMk/>
+            <pc:sldMk cId="1658985439" sldId="276"/>
+            <ac:picMk id="72" creationId="{8965B761-E376-486D-A280-3D6DF1912228}"/>
+          </ac:picMkLst>
+        </pc:picChg>
+        <pc:picChg chg="del mod">
+          <ac:chgData name="Bruna Brito" userId="b6e662cc8815d3ee" providerId="LiveId" clId="{C68BBA65-789D-40CD-80F4-FF1C821B8B29}" dt="2020-10-17T23:57:15.164" v="9" actId="478"/>
+          <ac:picMkLst>
+            <pc:docMk/>
+            <pc:sldMk cId="1658985439" sldId="276"/>
+            <ac:picMk id="1026" creationId="{67A75433-F638-453F-8335-ADDDB9D635C5}"/>
+          </ac:picMkLst>
+        </pc:picChg>
+        <pc:picChg chg="del mod">
+          <ac:chgData name="Bruna Brito" userId="b6e662cc8815d3ee" providerId="LiveId" clId="{C68BBA65-789D-40CD-80F4-FF1C821B8B29}" dt="2020-10-18T00:18:06.058" v="169" actId="478"/>
+          <ac:picMkLst>
+            <pc:docMk/>
+            <pc:sldMk cId="1658985439" sldId="276"/>
+            <ac:picMk id="1028" creationId="{76C4BD72-809B-450C-AA4F-6A6BF4124C6E}"/>
+          </ac:picMkLst>
+        </pc:picChg>
+        <pc:picChg chg="add mod">
+          <ac:chgData name="Bruna Brito" userId="b6e662cc8815d3ee" providerId="LiveId" clId="{C68BBA65-789D-40CD-80F4-FF1C821B8B29}" dt="2020-10-18T01:00:55.811" v="294" actId="1076"/>
+          <ac:picMkLst>
+            <pc:docMk/>
+            <pc:sldMk cId="1658985439" sldId="276"/>
+            <ac:picMk id="1030" creationId="{A7E50AC5-41CB-470D-A61B-F4D724B7CEFB}"/>
+          </ac:picMkLst>
+        </pc:picChg>
+        <pc:picChg chg="add del mod">
+          <ac:chgData name="Bruna Brito" userId="b6e662cc8815d3ee" providerId="LiveId" clId="{C68BBA65-789D-40CD-80F4-FF1C821B8B29}" dt="2020-10-18T00:46:49.898" v="242" actId="478"/>
+          <ac:picMkLst>
+            <pc:docMk/>
+            <pc:sldMk cId="1658985439" sldId="276"/>
+            <ac:picMk id="1032" creationId="{0E33C938-E625-42E7-BA8F-BE5DF1EB4BFB}"/>
+          </ac:picMkLst>
+        </pc:picChg>
+        <pc:picChg chg="add mod">
+          <ac:chgData name="Bruna Brito" userId="b6e662cc8815d3ee" providerId="LiveId" clId="{C68BBA65-789D-40CD-80F4-FF1C821B8B29}" dt="2020-10-18T01:04:59.623" v="327" actId="1076"/>
+          <ac:picMkLst>
+            <pc:docMk/>
+            <pc:sldMk cId="1658985439" sldId="276"/>
+            <ac:picMk id="1034" creationId="{57A5218C-B54D-46F5-93CF-6C5517559332}"/>
+          </ac:picMkLst>
+        </pc:picChg>
+        <pc:picChg chg="add mod">
+          <ac:chgData name="Bruna Brito" userId="b6e662cc8815d3ee" providerId="LiveId" clId="{C68BBA65-789D-40CD-80F4-FF1C821B8B29}" dt="2020-10-18T01:00:37.656" v="288" actId="1076"/>
+          <ac:picMkLst>
+            <pc:docMk/>
+            <pc:sldMk cId="1658985439" sldId="276"/>
+            <ac:picMk id="1036" creationId="{D3AFC1A8-D7C3-40C0-A3D7-7735780DF616}"/>
+          </ac:picMkLst>
+        </pc:picChg>
+        <pc:picChg chg="add mod">
+          <ac:chgData name="Bruna Brito" userId="b6e662cc8815d3ee" providerId="LiveId" clId="{C68BBA65-789D-40CD-80F4-FF1C821B8B29}" dt="2020-10-18T01:07:27.754" v="390" actId="1076"/>
+          <ac:picMkLst>
+            <pc:docMk/>
+            <pc:sldMk cId="1658985439" sldId="276"/>
+            <ac:picMk id="1038" creationId="{1B3C37D0-C42F-4B3E-8CAA-E3D4EBE23641}"/>
+          </ac:picMkLst>
+        </pc:picChg>
+        <pc:picChg chg="add mod">
+          <ac:chgData name="Bruna Brito" userId="b6e662cc8815d3ee" providerId="LiveId" clId="{C68BBA65-789D-40CD-80F4-FF1C821B8B29}" dt="2020-10-18T01:10:42.250" v="400" actId="196"/>
+          <ac:picMkLst>
+            <pc:docMk/>
+            <pc:sldMk cId="1658985439" sldId="276"/>
+            <ac:picMk id="1040" creationId="{7BE25E9D-D6D0-48BA-9979-518273F8187B}"/>
+          </ac:picMkLst>
+        </pc:picChg>
+      </pc:sldChg>
+    </pc:docChg>
+  </pc:docChgLst>
+</pc:chgInfo>
 </file>
 
 <file path=ppt/slideLayouts/slideLayout1.xml><?xml version="1.0" encoding="utf-8"?>
@@ -269,7 +722,7 @@
           <a:p>
             <a:fld id="{EB60841A-4D04-44D0-9551-1643E2F32A38}" type="datetimeFigureOut">
               <a:rPr lang="pt-BR" smtClean="0"/>
-              <a:t>16/10/2020</a:t>
+              <a:t>17/10/2020</a:t>
             </a:fld>
             <a:endParaRPr lang="pt-BR"/>
           </a:p>
@@ -467,7 +920,7 @@
           <a:p>
             <a:fld id="{EB60841A-4D04-44D0-9551-1643E2F32A38}" type="datetimeFigureOut">
               <a:rPr lang="pt-BR" smtClean="0"/>
-              <a:t>16/10/2020</a:t>
+              <a:t>17/10/2020</a:t>
             </a:fld>
             <a:endParaRPr lang="pt-BR"/>
           </a:p>
@@ -675,7 +1128,7 @@
           <a:p>
             <a:fld id="{EB60841A-4D04-44D0-9551-1643E2F32A38}" type="datetimeFigureOut">
               <a:rPr lang="pt-BR" smtClean="0"/>
-              <a:t>16/10/2020</a:t>
+              <a:t>17/10/2020</a:t>
             </a:fld>
             <a:endParaRPr lang="pt-BR"/>
           </a:p>
@@ -895,7 +1348,7 @@
           <a:p>
             <a:fld id="{F7EC64ED-7566-42AD-8F25-50CCDA65E5AC}" type="datetimeFigureOut">
               <a:rPr lang="pt-BR" smtClean="0"/>
-              <a:t>16/10/2020</a:t>
+              <a:t>17/10/2020</a:t>
             </a:fld>
             <a:endParaRPr lang="pt-BR"/>
           </a:p>
@@ -1093,7 +1546,7 @@
           <a:p>
             <a:fld id="{EB60841A-4D04-44D0-9551-1643E2F32A38}" type="datetimeFigureOut">
               <a:rPr lang="pt-BR" smtClean="0"/>
-              <a:t>16/10/2020</a:t>
+              <a:t>17/10/2020</a:t>
             </a:fld>
             <a:endParaRPr lang="pt-BR"/>
           </a:p>
@@ -1368,7 +1821,7 @@
           <a:p>
             <a:fld id="{EB60841A-4D04-44D0-9551-1643E2F32A38}" type="datetimeFigureOut">
               <a:rPr lang="pt-BR" smtClean="0"/>
-              <a:t>16/10/2020</a:t>
+              <a:t>17/10/2020</a:t>
             </a:fld>
             <a:endParaRPr lang="pt-BR"/>
           </a:p>
@@ -1633,7 +2086,7 @@
           <a:p>
             <a:fld id="{EB60841A-4D04-44D0-9551-1643E2F32A38}" type="datetimeFigureOut">
               <a:rPr lang="pt-BR" smtClean="0"/>
-              <a:t>16/10/2020</a:t>
+              <a:t>17/10/2020</a:t>
             </a:fld>
             <a:endParaRPr lang="pt-BR"/>
           </a:p>
@@ -2045,7 +2498,7 @@
           <a:p>
             <a:fld id="{EB60841A-4D04-44D0-9551-1643E2F32A38}" type="datetimeFigureOut">
               <a:rPr lang="pt-BR" smtClean="0"/>
-              <a:t>16/10/2020</a:t>
+              <a:t>17/10/2020</a:t>
             </a:fld>
             <a:endParaRPr lang="pt-BR"/>
           </a:p>
@@ -2186,7 +2639,7 @@
           <a:p>
             <a:fld id="{EB60841A-4D04-44D0-9551-1643E2F32A38}" type="datetimeFigureOut">
               <a:rPr lang="pt-BR" smtClean="0"/>
-              <a:t>16/10/2020</a:t>
+              <a:t>17/10/2020</a:t>
             </a:fld>
             <a:endParaRPr lang="pt-BR"/>
           </a:p>
@@ -2299,7 +2752,7 @@
           <a:p>
             <a:fld id="{EB60841A-4D04-44D0-9551-1643E2F32A38}" type="datetimeFigureOut">
               <a:rPr lang="pt-BR" smtClean="0"/>
-              <a:t>16/10/2020</a:t>
+              <a:t>17/10/2020</a:t>
             </a:fld>
             <a:endParaRPr lang="pt-BR"/>
           </a:p>
@@ -2610,7 +3063,7 @@
           <a:p>
             <a:fld id="{EB60841A-4D04-44D0-9551-1643E2F32A38}" type="datetimeFigureOut">
               <a:rPr lang="pt-BR" smtClean="0"/>
-              <a:t>16/10/2020</a:t>
+              <a:t>17/10/2020</a:t>
             </a:fld>
             <a:endParaRPr lang="pt-BR"/>
           </a:p>
@@ -2898,7 +3351,7 @@
           <a:p>
             <a:fld id="{EB60841A-4D04-44D0-9551-1643E2F32A38}" type="datetimeFigureOut">
               <a:rPr lang="pt-BR" smtClean="0"/>
-              <a:t>16/10/2020</a:t>
+              <a:t>17/10/2020</a:t>
             </a:fld>
             <a:endParaRPr lang="pt-BR"/>
           </a:p>
@@ -3139,7 +3592,7 @@
           <a:p>
             <a:fld id="{EB60841A-4D04-44D0-9551-1643E2F32A38}" type="datetimeFigureOut">
               <a:rPr lang="pt-BR" smtClean="0"/>
-              <a:t>16/10/2020</a:t>
+              <a:t>17/10/2020</a:t>
             </a:fld>
             <a:endParaRPr lang="pt-BR"/>
           </a:p>
@@ -3707,7 +4160,7 @@
           <a:p>
             <a:fld id="{F7EC64ED-7566-42AD-8F25-50CCDA65E5AC}" type="datetimeFigureOut">
               <a:rPr lang="pt-BR" smtClean="0"/>
-              <a:t>16/10/2020</a:t>
+              <a:t>17/10/2020</a:t>
             </a:fld>
             <a:endParaRPr lang="pt-BR"/>
           </a:p>
@@ -4151,935 +4604,934 @@
       </p:sp>
       <p:sp>
         <p:nvSpPr>
-          <p:cNvPr id="7" name="Seta: para a Direita 6">
-            <a:extLst>
-              <a:ext uri="{FF2B5EF4-FFF2-40B4-BE49-F238E27FC236}">
-                <a16:creationId xmlns:a16="http://schemas.microsoft.com/office/drawing/2014/main" id="{24F142A6-B7BD-4F67-AE74-439A51ABC898}"/>
-              </a:ext>
-            </a:extLst>
-          </p:cNvPr>
-          <p:cNvSpPr/>
+          <p:cNvPr id="20" name="CaixaDeTexto 19">
+            <a:extLst>
+              <a:ext uri="{FF2B5EF4-FFF2-40B4-BE49-F238E27FC236}">
+                <a16:creationId xmlns:a16="http://schemas.microsoft.com/office/drawing/2014/main" id="{D9FB7365-5F0B-4BF5-96A9-4BFF16DE1402}"/>
+              </a:ext>
+            </a:extLst>
+          </p:cNvPr>
+          <p:cNvSpPr txBox="1"/>
           <p:nvPr/>
         </p:nvSpPr>
         <p:spPr>
           <a:xfrm>
-            <a:off x="4406707" y="1749901"/>
-            <a:ext cx="3390510" cy="241176"/>
-          </a:xfrm>
-          <a:prstGeom prst="rightArrow">
+            <a:off x="310595" y="3907793"/>
+            <a:ext cx="1104661" cy="369332"/>
+          </a:xfrm>
+          <a:prstGeom prst="rect">
             <a:avLst/>
           </a:prstGeom>
-          <a:solidFill>
-            <a:schemeClr val="tx1"/>
-          </a:solidFill>
-          <a:ln>
-            <a:solidFill>
-              <a:schemeClr val="tx1"/>
-            </a:solidFill>
-          </a:ln>
-        </p:spPr>
-        <p:style>
-          <a:lnRef idx="2">
-            <a:schemeClr val="accent1">
-              <a:shade val="50000"/>
-            </a:schemeClr>
-          </a:lnRef>
-          <a:fillRef idx="1">
-            <a:schemeClr val="accent1"/>
-          </a:fillRef>
-          <a:effectRef idx="0">
-            <a:schemeClr val="accent1"/>
-          </a:effectRef>
-          <a:fontRef idx="minor">
-            <a:schemeClr val="lt1"/>
-          </a:fontRef>
-        </p:style>
-        <p:txBody>
-          <a:bodyPr rtlCol="0" anchor="ctr"/>
+          <a:noFill/>
+        </p:spPr>
+        <p:txBody>
+          <a:bodyPr wrap="none" rtlCol="0">
+            <a:spAutoFit/>
+          </a:bodyPr>
           <a:lstStyle/>
           <a:p>
-            <a:pPr algn="ctr"/>
-            <a:endParaRPr lang="pt-BR" dirty="0"/>
-          </a:p>
-        </p:txBody>
-      </p:sp>
-      <p:grpSp>
-        <p:nvGrpSpPr>
-          <p:cNvPr id="9" name="Agrupar 8">
-            <a:extLst>
-              <a:ext uri="{FF2B5EF4-FFF2-40B4-BE49-F238E27FC236}">
-                <a16:creationId xmlns:a16="http://schemas.microsoft.com/office/drawing/2014/main" id="{548C3202-43D4-4918-8E1C-CDE73389CFF2}"/>
-              </a:ext>
-            </a:extLst>
-          </p:cNvPr>
-          <p:cNvGrpSpPr/>
+            <a:r>
+              <a:rPr lang="pt-BR" dirty="0"/>
+              <a:t>Container</a:t>
+            </a:r>
+          </a:p>
+        </p:txBody>
+      </p:sp>
+      <p:sp>
+        <p:nvSpPr>
+          <p:cNvPr id="42" name="CaixaDeTexto 41">
+            <a:extLst>
+              <a:ext uri="{FF2B5EF4-FFF2-40B4-BE49-F238E27FC236}">
+                <a16:creationId xmlns:a16="http://schemas.microsoft.com/office/drawing/2014/main" id="{D97AC4B0-007C-4592-96AC-89A98EE787D0}"/>
+              </a:ext>
+            </a:extLst>
+          </p:cNvPr>
+          <p:cNvSpPr txBox="1"/>
           <p:nvPr/>
-        </p:nvGrpSpPr>
-        <p:grpSpPr>
-          <a:xfrm>
-            <a:off x="650326" y="696807"/>
-            <a:ext cx="3565939" cy="2347364"/>
-            <a:chOff x="131418" y="607871"/>
-            <a:chExt cx="3565939" cy="2347364"/>
-          </a:xfrm>
-        </p:grpSpPr>
-        <p:pic>
-          <p:nvPicPr>
-            <p:cNvPr id="1026" name="Picture 2">
-              <a:extLst>
-                <a:ext uri="{FF2B5EF4-FFF2-40B4-BE49-F238E27FC236}">
-                  <a16:creationId xmlns:a16="http://schemas.microsoft.com/office/drawing/2014/main" id="{67A75433-F638-453F-8335-ADDDB9D635C5}"/>
-                </a:ext>
-              </a:extLst>
-            </p:cNvPr>
-            <p:cNvPicPr>
-              <a:picLocks noChangeAspect="1" noChangeArrowheads="1"/>
-            </p:cNvPicPr>
-            <p:nvPr/>
-          </p:nvPicPr>
-          <p:blipFill>
-            <a:blip r:embed="rId2">
-              <a:extLst>
-                <a:ext uri="{28A0092B-C50C-407E-A947-70E740481C1C}">
-                  <a14:useLocalDpi xmlns:a14="http://schemas.microsoft.com/office/drawing/2010/main" val="0"/>
-                </a:ext>
-              </a:extLst>
-            </a:blip>
-            <a:srcRect/>
-            <a:stretch>
-              <a:fillRect/>
-            </a:stretch>
-          </p:blipFill>
-          <p:spPr bwMode="auto">
-            <a:xfrm>
-              <a:off x="131418" y="1404868"/>
-              <a:ext cx="1629884" cy="1047783"/>
-            </a:xfrm>
-            <a:prstGeom prst="rect">
-              <a:avLst/>
-            </a:prstGeom>
-            <a:noFill/>
-            <a:extLst>
-              <a:ext uri="{909E8E84-426E-40DD-AFC4-6F175D3DCCD1}">
-                <a14:hiddenFill xmlns:a14="http://schemas.microsoft.com/office/drawing/2010/main">
-                  <a:solidFill>
-                    <a:srgbClr val="FFFFFF"/>
-                  </a:solidFill>
-                </a14:hiddenFill>
-              </a:ext>
-            </a:extLst>
-          </p:spPr>
-        </p:pic>
-        <p:pic>
-          <p:nvPicPr>
-            <p:cNvPr id="5" name="Picture 4">
-              <a:extLst>
-                <a:ext uri="{FF2B5EF4-FFF2-40B4-BE49-F238E27FC236}">
-                  <a16:creationId xmlns:a16="http://schemas.microsoft.com/office/drawing/2014/main" id="{868F123E-5BDA-4E42-963C-DFB316C64DDD}"/>
-                </a:ext>
-              </a:extLst>
-            </p:cNvPr>
-            <p:cNvPicPr>
-              <a:picLocks noChangeAspect="1" noChangeArrowheads="1"/>
-            </p:cNvPicPr>
-            <p:nvPr/>
-          </p:nvPicPr>
-          <p:blipFill>
-            <a:blip r:embed="rId3">
-              <a:extLst>
-                <a:ext uri="{28A0092B-C50C-407E-A947-70E740481C1C}">
-                  <a14:useLocalDpi xmlns:a14="http://schemas.microsoft.com/office/drawing/2010/main" val="0"/>
-                </a:ext>
-              </a:extLst>
-            </a:blip>
-            <a:srcRect/>
-            <a:stretch>
-              <a:fillRect/>
-            </a:stretch>
-          </p:blipFill>
-          <p:spPr bwMode="auto">
-            <a:xfrm>
-              <a:off x="525677" y="739997"/>
-              <a:ext cx="1149526" cy="664871"/>
-            </a:xfrm>
-            <a:prstGeom prst="rect">
-              <a:avLst/>
-            </a:prstGeom>
-            <a:noFill/>
-            <a:extLst>
-              <a:ext uri="{909E8E84-426E-40DD-AFC4-6F175D3DCCD1}">
-                <a14:hiddenFill xmlns:a14="http://schemas.microsoft.com/office/drawing/2010/main">
-                  <a:solidFill>
-                    <a:srgbClr val="FFFFFF"/>
-                  </a:solidFill>
-                </a14:hiddenFill>
-              </a:ext>
-            </a:extLst>
-          </p:spPr>
-        </p:pic>
-        <p:sp>
-          <p:nvSpPr>
-            <p:cNvPr id="2" name="Retângulo: Cantos Arredondados 1">
-              <a:extLst>
-                <a:ext uri="{FF2B5EF4-FFF2-40B4-BE49-F238E27FC236}">
-                  <a16:creationId xmlns:a16="http://schemas.microsoft.com/office/drawing/2014/main" id="{D220B039-318A-4E54-9488-D70BF67A266E}"/>
-                </a:ext>
-              </a:extLst>
-            </p:cNvPr>
-            <p:cNvSpPr/>
-            <p:nvPr/>
-          </p:nvSpPr>
-          <p:spPr>
-            <a:xfrm>
-              <a:off x="172278" y="607871"/>
-              <a:ext cx="3525079" cy="2347364"/>
-            </a:xfrm>
-            <a:prstGeom prst="roundRect">
-              <a:avLst/>
-            </a:prstGeom>
-            <a:noFill/>
-            <a:ln w="57150">
-              <a:solidFill>
-                <a:schemeClr val="tx1"/>
-              </a:solidFill>
-            </a:ln>
-          </p:spPr>
-          <p:style>
-            <a:lnRef idx="2">
-              <a:schemeClr val="accent1">
-                <a:shade val="50000"/>
-              </a:schemeClr>
-            </a:lnRef>
-            <a:fillRef idx="1">
-              <a:schemeClr val="accent1"/>
-            </a:fillRef>
-            <a:effectRef idx="0">
-              <a:schemeClr val="accent1"/>
-            </a:effectRef>
-            <a:fontRef idx="minor">
-              <a:schemeClr val="lt1"/>
-            </a:fontRef>
-          </p:style>
-          <p:txBody>
-            <a:bodyPr rtlCol="0" anchor="ctr"/>
-            <a:lstStyle/>
-            <a:p>
-              <a:pPr algn="ctr"/>
-              <a:endParaRPr lang="pt-BR"/>
-            </a:p>
-          </p:txBody>
-        </p:sp>
-        <p:sp>
-          <p:nvSpPr>
-            <p:cNvPr id="6" name="CaixaDeTexto 5">
-              <a:extLst>
-                <a:ext uri="{FF2B5EF4-FFF2-40B4-BE49-F238E27FC236}">
-                  <a16:creationId xmlns:a16="http://schemas.microsoft.com/office/drawing/2014/main" id="{E176E388-3458-4E06-9605-CD959CC11A80}"/>
-                </a:ext>
-              </a:extLst>
-            </p:cNvPr>
-            <p:cNvSpPr txBox="1"/>
-            <p:nvPr/>
-          </p:nvSpPr>
-          <p:spPr>
-            <a:xfrm>
-              <a:off x="1820137" y="910617"/>
-              <a:ext cx="1709664" cy="1754326"/>
-            </a:xfrm>
-            <a:prstGeom prst="rect">
-              <a:avLst/>
-            </a:prstGeom>
-            <a:noFill/>
-          </p:spPr>
-          <p:txBody>
-            <a:bodyPr wrap="square" rtlCol="0">
-              <a:spAutoFit/>
-            </a:bodyPr>
-            <a:lstStyle/>
-            <a:p>
-              <a:pPr algn="ctr"/>
-              <a:r>
-                <a:rPr lang="pt-BR" dirty="0">
-                  <a:latin typeface="Arial" panose="020B0604020202020204" pitchFamily="34" charset="0"/>
-                  <a:cs typeface="Arial" panose="020B0604020202020204" pitchFamily="34" charset="0"/>
-                </a:rPr>
-                <a:t>Sensores instalados dentro do container para captar a temperatura</a:t>
-              </a:r>
-            </a:p>
-          </p:txBody>
-        </p:sp>
-      </p:grpSp>
-      <p:grpSp>
-        <p:nvGrpSpPr>
-          <p:cNvPr id="10" name="Agrupar 9">
-            <a:extLst>
-              <a:ext uri="{FF2B5EF4-FFF2-40B4-BE49-F238E27FC236}">
-                <a16:creationId xmlns:a16="http://schemas.microsoft.com/office/drawing/2014/main" id="{2204867F-8C5B-4F12-81F9-B3EF9BC43245}"/>
-              </a:ext>
-            </a:extLst>
-          </p:cNvPr>
-          <p:cNvGrpSpPr/>
-          <p:nvPr/>
-        </p:nvGrpSpPr>
-        <p:grpSpPr>
-          <a:xfrm>
-            <a:off x="7975737" y="696807"/>
-            <a:ext cx="3525079" cy="2347364"/>
-            <a:chOff x="8060799" y="704184"/>
-            <a:chExt cx="3525079" cy="2347364"/>
-          </a:xfrm>
-        </p:grpSpPr>
-        <p:pic>
-          <p:nvPicPr>
-            <p:cNvPr id="1028" name="Picture 4">
-              <a:extLst>
-                <a:ext uri="{FF2B5EF4-FFF2-40B4-BE49-F238E27FC236}">
-                  <a16:creationId xmlns:a16="http://schemas.microsoft.com/office/drawing/2014/main" id="{76C4BD72-809B-450C-AA4F-6A6BF4124C6E}"/>
-                </a:ext>
-              </a:extLst>
-            </p:cNvPr>
-            <p:cNvPicPr>
-              <a:picLocks noChangeAspect="1" noChangeArrowheads="1"/>
-            </p:cNvPicPr>
-            <p:nvPr/>
-          </p:nvPicPr>
-          <p:blipFill>
-            <a:blip r:embed="rId4">
-              <a:extLst>
-                <a:ext uri="{28A0092B-C50C-407E-A947-70E740481C1C}">
-                  <a14:useLocalDpi xmlns:a14="http://schemas.microsoft.com/office/drawing/2010/main" val="0"/>
-                </a:ext>
-              </a:extLst>
-            </a:blip>
-            <a:srcRect/>
-            <a:stretch>
-              <a:fillRect/>
-            </a:stretch>
-          </p:blipFill>
-          <p:spPr bwMode="auto">
-            <a:xfrm>
-              <a:off x="8279220" y="1226777"/>
-              <a:ext cx="1162789" cy="1162789"/>
-            </a:xfrm>
-            <a:prstGeom prst="rect">
-              <a:avLst/>
-            </a:prstGeom>
-            <a:noFill/>
-            <a:extLst>
-              <a:ext uri="{909E8E84-426E-40DD-AFC4-6F175D3DCCD1}">
-                <a14:hiddenFill xmlns:a14="http://schemas.microsoft.com/office/drawing/2010/main">
-                  <a:solidFill>
-                    <a:srgbClr val="FFFFFF"/>
-                  </a:solidFill>
-                </a14:hiddenFill>
-              </a:ext>
-            </a:extLst>
-          </p:spPr>
-        </p:pic>
-        <p:sp>
-          <p:nvSpPr>
-            <p:cNvPr id="8" name="Retângulo: Cantos Arredondados 7">
-              <a:extLst>
-                <a:ext uri="{FF2B5EF4-FFF2-40B4-BE49-F238E27FC236}">
-                  <a16:creationId xmlns:a16="http://schemas.microsoft.com/office/drawing/2014/main" id="{6F0422D2-881B-4B3E-8E66-AB38A8DD9BA5}"/>
-                </a:ext>
-              </a:extLst>
-            </p:cNvPr>
-            <p:cNvSpPr/>
-            <p:nvPr/>
-          </p:nvSpPr>
-          <p:spPr>
-            <a:xfrm>
-              <a:off x="8060799" y="704184"/>
-              <a:ext cx="3525079" cy="2347364"/>
-            </a:xfrm>
-            <a:prstGeom prst="roundRect">
-              <a:avLst/>
-            </a:prstGeom>
-            <a:noFill/>
-            <a:ln w="57150">
-              <a:solidFill>
-                <a:schemeClr val="tx1"/>
-              </a:solidFill>
-            </a:ln>
-          </p:spPr>
-          <p:style>
-            <a:lnRef idx="2">
-              <a:schemeClr val="accent1">
-                <a:shade val="50000"/>
-              </a:schemeClr>
-            </a:lnRef>
-            <a:fillRef idx="1">
-              <a:schemeClr val="accent1"/>
-            </a:fillRef>
-            <a:effectRef idx="0">
-              <a:schemeClr val="accent1"/>
-            </a:effectRef>
-            <a:fontRef idx="minor">
-              <a:schemeClr val="lt1"/>
-            </a:fontRef>
-          </p:style>
-          <p:txBody>
-            <a:bodyPr rtlCol="0" anchor="ctr"/>
-            <a:lstStyle/>
-            <a:p>
-              <a:pPr algn="ctr"/>
-              <a:endParaRPr lang="pt-BR"/>
-            </a:p>
-          </p:txBody>
-        </p:sp>
-        <p:sp>
-          <p:nvSpPr>
-            <p:cNvPr id="11" name="CaixaDeTexto 10">
-              <a:extLst>
-                <a:ext uri="{FF2B5EF4-FFF2-40B4-BE49-F238E27FC236}">
-                  <a16:creationId xmlns:a16="http://schemas.microsoft.com/office/drawing/2014/main" id="{D65A861D-8AA3-4D24-9640-2DCB4AE1FDD2}"/>
-                </a:ext>
-              </a:extLst>
-            </p:cNvPr>
-            <p:cNvSpPr txBox="1"/>
-            <p:nvPr/>
-          </p:nvSpPr>
-          <p:spPr>
-            <a:xfrm>
-              <a:off x="9605165" y="1050102"/>
-              <a:ext cx="1709664" cy="1477328"/>
-            </a:xfrm>
-            <a:prstGeom prst="rect">
-              <a:avLst/>
-            </a:prstGeom>
-            <a:noFill/>
-          </p:spPr>
-          <p:txBody>
-            <a:bodyPr wrap="square" rtlCol="0">
-              <a:spAutoFit/>
-            </a:bodyPr>
-            <a:lstStyle/>
-            <a:p>
-              <a:pPr algn="ctr"/>
-              <a:r>
-                <a:rPr lang="pt-BR" dirty="0">
-                  <a:latin typeface="Arial" panose="020B0604020202020204" pitchFamily="34" charset="0"/>
-                  <a:cs typeface="Arial" panose="020B0604020202020204" pitchFamily="34" charset="0"/>
-                </a:rPr>
-                <a:t>Os dados das capturas serão registrados no banco de dados</a:t>
-              </a:r>
-            </a:p>
-          </p:txBody>
-        </p:sp>
-      </p:grpSp>
-      <p:sp>
-        <p:nvSpPr>
-          <p:cNvPr id="13" name="Seta: para a Direita 12">
-            <a:extLst>
-              <a:ext uri="{FF2B5EF4-FFF2-40B4-BE49-F238E27FC236}">
-                <a16:creationId xmlns:a16="http://schemas.microsoft.com/office/drawing/2014/main" id="{D47AE940-0C8E-487C-BA8F-8B4A9BD01630}"/>
-              </a:ext>
-            </a:extLst>
-          </p:cNvPr>
-          <p:cNvSpPr/>
-          <p:nvPr/>
         </p:nvSpPr>
         <p:spPr>
-          <a:xfrm rot="5400000">
-            <a:off x="9242832" y="3529697"/>
-            <a:ext cx="990884" cy="288977"/>
-          </a:xfrm>
-          <a:prstGeom prst="rightArrow">
+          <a:xfrm>
+            <a:off x="2166979" y="3907793"/>
+            <a:ext cx="819455" cy="369332"/>
+          </a:xfrm>
+          <a:prstGeom prst="rect">
             <a:avLst/>
           </a:prstGeom>
-          <a:solidFill>
-            <a:schemeClr val="tx1"/>
-          </a:solidFill>
-          <a:ln>
-            <a:solidFill>
-              <a:schemeClr val="tx1"/>
-            </a:solidFill>
-          </a:ln>
-        </p:spPr>
-        <p:style>
-          <a:lnRef idx="2">
-            <a:schemeClr val="accent1">
-              <a:shade val="50000"/>
-            </a:schemeClr>
-          </a:lnRef>
-          <a:fillRef idx="1">
-            <a:schemeClr val="accent1"/>
-          </a:fillRef>
-          <a:effectRef idx="0">
-            <a:schemeClr val="accent1"/>
-          </a:effectRef>
-          <a:fontRef idx="minor">
-            <a:schemeClr val="lt1"/>
-          </a:fontRef>
-        </p:style>
-        <p:txBody>
-          <a:bodyPr rtlCol="0" anchor="ctr"/>
+          <a:noFill/>
+        </p:spPr>
+        <p:txBody>
+          <a:bodyPr wrap="none" rtlCol="0">
+            <a:spAutoFit/>
+          </a:bodyPr>
           <a:lstStyle/>
           <a:p>
-            <a:pPr algn="ctr"/>
-            <a:endParaRPr lang="pt-BR" dirty="0"/>
-          </a:p>
-        </p:txBody>
-      </p:sp>
-      <p:sp>
-        <p:nvSpPr>
-          <p:cNvPr id="31" name="Seta: para a Direita 30">
-            <a:extLst>
-              <a:ext uri="{FF2B5EF4-FFF2-40B4-BE49-F238E27FC236}">
-                <a16:creationId xmlns:a16="http://schemas.microsoft.com/office/drawing/2014/main" id="{D6E62E8C-5C05-44BB-A1FA-FA3D46A87322}"/>
-              </a:ext>
-            </a:extLst>
-          </p:cNvPr>
-          <p:cNvSpPr/>
+            <a:r>
+              <a:rPr lang="pt-BR" dirty="0"/>
+              <a:t>Sensor</a:t>
+            </a:r>
+          </a:p>
+        </p:txBody>
+      </p:sp>
+      <p:sp>
+        <p:nvSpPr>
+          <p:cNvPr id="45" name="CaixaDeTexto 44">
+            <a:extLst>
+              <a:ext uri="{FF2B5EF4-FFF2-40B4-BE49-F238E27FC236}">
+                <a16:creationId xmlns:a16="http://schemas.microsoft.com/office/drawing/2014/main" id="{FB36886E-2A85-475A-A34E-D037C709F97A}"/>
+              </a:ext>
+            </a:extLst>
+          </p:cNvPr>
+          <p:cNvSpPr txBox="1"/>
           <p:nvPr/>
         </p:nvSpPr>
         <p:spPr>
-          <a:xfrm rot="10800000">
-            <a:off x="4415672" y="5301941"/>
-            <a:ext cx="3390510" cy="241176"/>
-          </a:xfrm>
-          <a:prstGeom prst="rightArrow">
+          <a:xfrm>
+            <a:off x="3881334" y="3907793"/>
+            <a:ext cx="884473" cy="369332"/>
+          </a:xfrm>
+          <a:prstGeom prst="rect">
             <a:avLst/>
           </a:prstGeom>
-          <a:solidFill>
-            <a:schemeClr val="tx1"/>
-          </a:solidFill>
-          <a:ln>
-            <a:solidFill>
-              <a:schemeClr val="tx1"/>
-            </a:solidFill>
-          </a:ln>
-        </p:spPr>
-        <p:style>
-          <a:lnRef idx="2">
-            <a:schemeClr val="accent1">
-              <a:shade val="50000"/>
-            </a:schemeClr>
-          </a:lnRef>
-          <a:fillRef idx="1">
-            <a:schemeClr val="accent1"/>
-          </a:fillRef>
-          <a:effectRef idx="0">
-            <a:schemeClr val="accent1"/>
-          </a:effectRef>
-          <a:fontRef idx="minor">
-            <a:schemeClr val="lt1"/>
-          </a:fontRef>
-        </p:style>
-        <p:txBody>
-          <a:bodyPr rtlCol="0" anchor="ctr"/>
+          <a:noFill/>
+        </p:spPr>
+        <p:txBody>
+          <a:bodyPr wrap="none" rtlCol="0">
+            <a:spAutoFit/>
+          </a:bodyPr>
           <a:lstStyle/>
           <a:p>
+            <a:r>
+              <a:rPr lang="pt-BR" dirty="0"/>
+              <a:t>Satélite</a:t>
+            </a:r>
+          </a:p>
+        </p:txBody>
+      </p:sp>
+      <p:sp>
+        <p:nvSpPr>
+          <p:cNvPr id="48" name="CaixaDeTexto 47">
+            <a:extLst>
+              <a:ext uri="{FF2B5EF4-FFF2-40B4-BE49-F238E27FC236}">
+                <a16:creationId xmlns:a16="http://schemas.microsoft.com/office/drawing/2014/main" id="{497504A1-A694-4115-BE63-27531F1A739B}"/>
+              </a:ext>
+            </a:extLst>
+          </p:cNvPr>
+          <p:cNvSpPr txBox="1"/>
+          <p:nvPr/>
+        </p:nvSpPr>
+        <p:spPr>
+          <a:xfrm>
+            <a:off x="5327005" y="3798997"/>
+            <a:ext cx="1101998" cy="523220"/>
+          </a:xfrm>
+          <a:prstGeom prst="rect">
+            <a:avLst/>
+          </a:prstGeom>
+          <a:noFill/>
+        </p:spPr>
+        <p:txBody>
+          <a:bodyPr wrap="square" rtlCol="0">
+            <a:spAutoFit/>
+          </a:bodyPr>
+          <a:lstStyle/>
+          <a:p>
             <a:pPr algn="ctr"/>
-            <a:endParaRPr lang="pt-BR" dirty="0"/>
-          </a:p>
-        </p:txBody>
-      </p:sp>
-      <p:grpSp>
-        <p:nvGrpSpPr>
-          <p:cNvPr id="39" name="Agrupar 38">
-            <a:extLst>
-              <a:ext uri="{FF2B5EF4-FFF2-40B4-BE49-F238E27FC236}">
-                <a16:creationId xmlns:a16="http://schemas.microsoft.com/office/drawing/2014/main" id="{A6F5261B-E820-43D5-A0D8-FB525A7066A4}"/>
-              </a:ext>
-            </a:extLst>
-          </p:cNvPr>
-          <p:cNvGrpSpPr/>
+            <a:r>
+              <a:rPr lang="pt-BR" sz="1400" dirty="0"/>
+              <a:t>Acesso a Internet</a:t>
+            </a:r>
+          </a:p>
+        </p:txBody>
+      </p:sp>
+      <p:pic>
+        <p:nvPicPr>
+          <p:cNvPr id="47" name="Gráfico 46" descr="Nuvem">
+            <a:extLst>
+              <a:ext uri="{FF2B5EF4-FFF2-40B4-BE49-F238E27FC236}">
+                <a16:creationId xmlns:a16="http://schemas.microsoft.com/office/drawing/2014/main" id="{3A6F6BDA-1F94-4195-9CA6-840CE9D35EF6}"/>
+              </a:ext>
+            </a:extLst>
+          </p:cNvPr>
+          <p:cNvPicPr>
+            <a:picLocks noChangeAspect="1"/>
+          </p:cNvPicPr>
           <p:nvPr/>
-        </p:nvGrpSpPr>
-        <p:grpSpPr>
-          <a:xfrm>
-            <a:off x="691186" y="4315401"/>
-            <a:ext cx="3525079" cy="2347364"/>
-            <a:chOff x="691186" y="4315401"/>
-            <a:chExt cx="3525079" cy="2347364"/>
-          </a:xfrm>
-        </p:grpSpPr>
-        <p:sp>
-          <p:nvSpPr>
-            <p:cNvPr id="14" name="Retângulo: Cantos Arredondados 13">
-              <a:extLst>
-                <a:ext uri="{FF2B5EF4-FFF2-40B4-BE49-F238E27FC236}">
-                  <a16:creationId xmlns:a16="http://schemas.microsoft.com/office/drawing/2014/main" id="{276C7C84-CF16-4F78-B0C8-283AE96682AC}"/>
-                </a:ext>
-              </a:extLst>
-            </p:cNvPr>
-            <p:cNvSpPr/>
-            <p:nvPr/>
-          </p:nvSpPr>
-          <p:spPr>
-            <a:xfrm>
-              <a:off x="691186" y="4315401"/>
-              <a:ext cx="3525079" cy="2347364"/>
-            </a:xfrm>
-            <a:prstGeom prst="roundRect">
-              <a:avLst/>
-            </a:prstGeom>
-            <a:noFill/>
-            <a:ln w="57150">
-              <a:solidFill>
-                <a:schemeClr val="tx1"/>
-              </a:solidFill>
-            </a:ln>
-          </p:spPr>
-          <p:style>
-            <a:lnRef idx="2">
-              <a:schemeClr val="accent1">
-                <a:shade val="50000"/>
-              </a:schemeClr>
-            </a:lnRef>
-            <a:fillRef idx="1">
-              <a:schemeClr val="accent1"/>
-            </a:fillRef>
-            <a:effectRef idx="0">
-              <a:schemeClr val="accent1"/>
-            </a:effectRef>
-            <a:fontRef idx="minor">
-              <a:schemeClr val="lt1"/>
-            </a:fontRef>
-          </p:style>
-          <p:txBody>
-            <a:bodyPr rtlCol="0" anchor="ctr"/>
-            <a:lstStyle/>
-            <a:p>
-              <a:pPr algn="ctr"/>
-              <a:endParaRPr lang="pt-BR"/>
-            </a:p>
-          </p:txBody>
-        </p:sp>
-        <p:sp>
-          <p:nvSpPr>
-            <p:cNvPr id="28" name="CaixaDeTexto 27">
-              <a:extLst>
-                <a:ext uri="{FF2B5EF4-FFF2-40B4-BE49-F238E27FC236}">
-                  <a16:creationId xmlns:a16="http://schemas.microsoft.com/office/drawing/2014/main" id="{F68306BA-7625-483B-AA2B-E0CD4EED2824}"/>
-                </a:ext>
-              </a:extLst>
-            </p:cNvPr>
-            <p:cNvSpPr txBox="1"/>
-            <p:nvPr/>
-          </p:nvSpPr>
-          <p:spPr>
-            <a:xfrm>
-              <a:off x="1555846" y="4649157"/>
-              <a:ext cx="2600952" cy="1754326"/>
-            </a:xfrm>
-            <a:prstGeom prst="rect">
-              <a:avLst/>
-            </a:prstGeom>
-            <a:noFill/>
-          </p:spPr>
-          <p:txBody>
-            <a:bodyPr wrap="square" rtlCol="0">
-              <a:spAutoFit/>
-            </a:bodyPr>
-            <a:lstStyle/>
-            <a:p>
-              <a:pPr algn="ctr"/>
-              <a:r>
-                <a:rPr lang="pt-BR" dirty="0">
-                  <a:latin typeface="Arial" panose="020B0604020202020204" pitchFamily="34" charset="0"/>
-                  <a:cs typeface="Arial" panose="020B0604020202020204" pitchFamily="34" charset="0"/>
-                </a:rPr>
-                <a:t>O fiscal poderá tomar conclusões e medidas para diminuir o tempo de descarregamento e assim fazendo com que aumente os lucros</a:t>
-              </a:r>
-            </a:p>
-          </p:txBody>
-        </p:sp>
-        <p:pic>
-          <p:nvPicPr>
-            <p:cNvPr id="36" name="Gráfico 35" descr="Despertador">
-              <a:extLst>
-                <a:ext uri="{FF2B5EF4-FFF2-40B4-BE49-F238E27FC236}">
-                  <a16:creationId xmlns:a16="http://schemas.microsoft.com/office/drawing/2014/main" id="{EA4FD3F7-5723-475E-9648-C9BA292442A0}"/>
-                </a:ext>
-              </a:extLst>
-            </p:cNvPr>
-            <p:cNvPicPr>
-              <a:picLocks noChangeAspect="1"/>
-            </p:cNvPicPr>
-            <p:nvPr/>
-          </p:nvPicPr>
-          <p:blipFill>
-            <a:blip r:embed="rId5">
-              <a:extLst>
-                <a:ext uri="{28A0092B-C50C-407E-A947-70E740481C1C}">
-                  <a14:useLocalDpi xmlns:a14="http://schemas.microsoft.com/office/drawing/2010/main" val="0"/>
-                </a:ext>
-                <a:ext uri="{96DAC541-7B7A-43D3-8B79-37D633B846F1}">
-                  <asvg:svgBlip xmlns:asvg="http://schemas.microsoft.com/office/drawing/2016/SVG/main" r:embed="rId6"/>
-                </a:ext>
-              </a:extLst>
-            </a:blip>
-            <a:stretch>
-              <a:fillRect/>
-            </a:stretch>
-          </p:blipFill>
-          <p:spPr>
-            <a:xfrm>
-              <a:off x="715377" y="4508129"/>
-              <a:ext cx="914400" cy="914400"/>
-            </a:xfrm>
-            <a:prstGeom prst="rect">
-              <a:avLst/>
-            </a:prstGeom>
-          </p:spPr>
-        </p:pic>
-        <p:pic>
-          <p:nvPicPr>
-            <p:cNvPr id="38" name="Gráfico 37" descr="Moedas">
-              <a:extLst>
-                <a:ext uri="{FF2B5EF4-FFF2-40B4-BE49-F238E27FC236}">
-                  <a16:creationId xmlns:a16="http://schemas.microsoft.com/office/drawing/2014/main" id="{7AF9A4DE-CA44-43F9-8946-00DDA91041FD}"/>
-                </a:ext>
-              </a:extLst>
-            </p:cNvPr>
-            <p:cNvPicPr>
-              <a:picLocks noChangeAspect="1"/>
-            </p:cNvPicPr>
-            <p:nvPr/>
-          </p:nvPicPr>
-          <p:blipFill>
-            <a:blip r:embed="rId7">
-              <a:extLst>
-                <a:ext uri="{28A0092B-C50C-407E-A947-70E740481C1C}">
-                  <a14:useLocalDpi xmlns:a14="http://schemas.microsoft.com/office/drawing/2010/main" val="0"/>
-                </a:ext>
-                <a:ext uri="{96DAC541-7B7A-43D3-8B79-37D633B846F1}">
-                  <asvg:svgBlip xmlns:asvg="http://schemas.microsoft.com/office/drawing/2016/SVG/main" r:embed="rId8"/>
-                </a:ext>
-              </a:extLst>
-            </a:blip>
-            <a:stretch>
-              <a:fillRect/>
-            </a:stretch>
-          </p:blipFill>
-          <p:spPr>
-            <a:xfrm>
-              <a:off x="715377" y="5478847"/>
-              <a:ext cx="914400" cy="914400"/>
-            </a:xfrm>
-            <a:prstGeom prst="rect">
-              <a:avLst/>
-            </a:prstGeom>
-          </p:spPr>
-        </p:pic>
-      </p:grpSp>
-      <p:grpSp>
-        <p:nvGrpSpPr>
-          <p:cNvPr id="41" name="Agrupar 40">
-            <a:extLst>
-              <a:ext uri="{FF2B5EF4-FFF2-40B4-BE49-F238E27FC236}">
-                <a16:creationId xmlns:a16="http://schemas.microsoft.com/office/drawing/2014/main" id="{F96582A3-FCF5-4CAF-9469-F4C7E4326514}"/>
-              </a:ext>
-            </a:extLst>
-          </p:cNvPr>
-          <p:cNvGrpSpPr/>
+        </p:nvPicPr>
+        <p:blipFill>
+          <a:blip r:embed="rId2">
+            <a:extLst>
+              <a:ext uri="{28A0092B-C50C-407E-A947-70E740481C1C}">
+                <a14:useLocalDpi xmlns:a14="http://schemas.microsoft.com/office/drawing/2010/main" val="0"/>
+              </a:ext>
+              <a:ext uri="{96DAC541-7B7A-43D3-8B79-37D633B846F1}">
+                <asvg:svgBlip xmlns:asvg="http://schemas.microsoft.com/office/drawing/2016/SVG/main" r:embed="rId3"/>
+              </a:ext>
+            </a:extLst>
+          </a:blip>
+          <a:stretch>
+            <a:fillRect/>
+          </a:stretch>
+        </p:blipFill>
+        <p:spPr>
+          <a:xfrm>
+            <a:off x="6894641" y="2508314"/>
+            <a:ext cx="1497549" cy="1497549"/>
+          </a:xfrm>
+          <a:prstGeom prst="rect">
+            <a:avLst/>
+          </a:prstGeom>
+        </p:spPr>
+      </p:pic>
+      <p:pic>
+        <p:nvPicPr>
+          <p:cNvPr id="51" name="Picture 2">
+            <a:extLst>
+              <a:ext uri="{FF2B5EF4-FFF2-40B4-BE49-F238E27FC236}">
+                <a16:creationId xmlns:a16="http://schemas.microsoft.com/office/drawing/2014/main" id="{8CE6FA19-B757-4DE0-BBF8-13BB0C1C5580}"/>
+              </a:ext>
+            </a:extLst>
+          </p:cNvPr>
+          <p:cNvPicPr>
+            <a:picLocks noChangeAspect="1" noChangeArrowheads="1"/>
+          </p:cNvPicPr>
           <p:nvPr/>
-        </p:nvGrpSpPr>
-        <p:grpSpPr>
-          <a:xfrm>
-            <a:off x="7975736" y="4315401"/>
-            <a:ext cx="3525079" cy="2567606"/>
-            <a:chOff x="7975736" y="4315401"/>
-            <a:chExt cx="3525079" cy="2567606"/>
-          </a:xfrm>
-        </p:grpSpPr>
-        <p:grpSp>
-          <p:nvGrpSpPr>
-            <p:cNvPr id="27" name="Agrupar 26">
-              <a:extLst>
-                <a:ext uri="{FF2B5EF4-FFF2-40B4-BE49-F238E27FC236}">
-                  <a16:creationId xmlns:a16="http://schemas.microsoft.com/office/drawing/2014/main" id="{1078B5BD-B30E-482A-A753-0A6CD96691A1}"/>
-                </a:ext>
-              </a:extLst>
-            </p:cNvPr>
-            <p:cNvGrpSpPr/>
-            <p:nvPr/>
-          </p:nvGrpSpPr>
-          <p:grpSpPr>
-            <a:xfrm>
-              <a:off x="7975736" y="4315401"/>
-              <a:ext cx="3525079" cy="2347364"/>
-              <a:chOff x="7975736" y="4315401"/>
-              <a:chExt cx="3525079" cy="2347364"/>
-            </a:xfrm>
-          </p:grpSpPr>
-          <p:sp>
-            <p:nvSpPr>
-              <p:cNvPr id="12" name="Retângulo: Cantos Arredondados 11">
-                <a:extLst>
-                  <a:ext uri="{FF2B5EF4-FFF2-40B4-BE49-F238E27FC236}">
-                    <a16:creationId xmlns:a16="http://schemas.microsoft.com/office/drawing/2014/main" id="{52DCB3EC-F158-48B9-8F55-F9DF11937795}"/>
-                  </a:ext>
-                </a:extLst>
-              </p:cNvPr>
-              <p:cNvSpPr/>
-              <p:nvPr/>
-            </p:nvSpPr>
-            <p:spPr>
-              <a:xfrm>
-                <a:off x="7975736" y="4315401"/>
-                <a:ext cx="3525079" cy="2347364"/>
-              </a:xfrm>
-              <a:prstGeom prst="roundRect">
-                <a:avLst/>
-              </a:prstGeom>
-              <a:noFill/>
-              <a:ln w="57150">
+        </p:nvPicPr>
+        <p:blipFill>
+          <a:blip r:embed="rId4">
+            <a:extLst>
+              <a:ext uri="{28A0092B-C50C-407E-A947-70E740481C1C}">
+                <a14:useLocalDpi xmlns:a14="http://schemas.microsoft.com/office/drawing/2010/main" val="0"/>
+              </a:ext>
+            </a:extLst>
+          </a:blip>
+          <a:srcRect/>
+          <a:stretch>
+            <a:fillRect/>
+          </a:stretch>
+        </p:blipFill>
+        <p:spPr bwMode="auto">
+          <a:xfrm>
+            <a:off x="10066484" y="890578"/>
+            <a:ext cx="1497550" cy="1466831"/>
+          </a:xfrm>
+          <a:prstGeom prst="rect">
+            <a:avLst/>
+          </a:prstGeom>
+          <a:noFill/>
+          <a:extLst>
+            <a:ext uri="{909E8E84-426E-40DD-AFC4-6F175D3DCCD1}">
+              <a14:hiddenFill xmlns:a14="http://schemas.microsoft.com/office/drawing/2010/main">
                 <a:solidFill>
-                  <a:schemeClr val="tx1"/>
+                  <a:srgbClr val="FFFFFF"/>
                 </a:solidFill>
-              </a:ln>
-            </p:spPr>
-            <p:style>
-              <a:lnRef idx="2">
-                <a:schemeClr val="accent1">
-                  <a:shade val="50000"/>
-                </a:schemeClr>
-              </a:lnRef>
-              <a:fillRef idx="1">
-                <a:schemeClr val="accent1"/>
-              </a:fillRef>
-              <a:effectRef idx="0">
-                <a:schemeClr val="accent1"/>
-              </a:effectRef>
-              <a:fontRef idx="minor">
-                <a:schemeClr val="lt1"/>
-              </a:fontRef>
-            </p:style>
-            <p:txBody>
-              <a:bodyPr rtlCol="0" anchor="ctr"/>
-              <a:lstStyle/>
-              <a:p>
-                <a:pPr algn="ctr"/>
-                <a:endParaRPr lang="pt-BR"/>
-              </a:p>
-            </p:txBody>
-          </p:sp>
-          <p:pic>
-            <p:nvPicPr>
-              <p:cNvPr id="23" name="Gráfico 22" descr="Gráfico de barras com tendência descendente">
-                <a:extLst>
-                  <a:ext uri="{FF2B5EF4-FFF2-40B4-BE49-F238E27FC236}">
-                    <a16:creationId xmlns:a16="http://schemas.microsoft.com/office/drawing/2014/main" id="{EB51A6B2-4419-4D1A-A534-37549DAD1DEC}"/>
-                  </a:ext>
-                </a:extLst>
-              </p:cNvPr>
-              <p:cNvPicPr>
-                <a:picLocks noChangeAspect="1"/>
-              </p:cNvPicPr>
-              <p:nvPr/>
-            </p:nvPicPr>
-            <p:blipFill>
-              <a:blip r:embed="rId9">
-                <a:extLst>
-                  <a:ext uri="{28A0092B-C50C-407E-A947-70E740481C1C}">
-                    <a14:useLocalDpi xmlns:a14="http://schemas.microsoft.com/office/drawing/2010/main" val="0"/>
-                  </a:ext>
-                  <a:ext uri="{96DAC541-7B7A-43D3-8B79-37D633B846F1}">
-                    <asvg:svgBlip xmlns:asvg="http://schemas.microsoft.com/office/drawing/2016/SVG/main" r:embed="rId10"/>
-                  </a:ext>
-                </a:extLst>
-              </a:blip>
-              <a:stretch>
-                <a:fillRect/>
-              </a:stretch>
-            </p:blipFill>
-            <p:spPr>
-              <a:xfrm>
-                <a:off x="8234609" y="4574683"/>
-                <a:ext cx="914400" cy="914400"/>
-              </a:xfrm>
-              <a:prstGeom prst="rect">
-                <a:avLst/>
-              </a:prstGeom>
-            </p:spPr>
-          </p:pic>
-          <p:pic>
-            <p:nvPicPr>
-              <p:cNvPr id="25" name="Gráfico 24" descr="Gráfico de barras com tendência ascendente">
-                <a:extLst>
-                  <a:ext uri="{FF2B5EF4-FFF2-40B4-BE49-F238E27FC236}">
-                    <a16:creationId xmlns:a16="http://schemas.microsoft.com/office/drawing/2014/main" id="{7094A80D-9413-4B78-9B78-782B6E478DBF}"/>
-                  </a:ext>
-                </a:extLst>
-              </p:cNvPr>
-              <p:cNvPicPr>
-                <a:picLocks noChangeAspect="1"/>
-              </p:cNvPicPr>
-              <p:nvPr/>
-            </p:nvPicPr>
-            <p:blipFill>
-              <a:blip r:embed="rId11">
-                <a:extLst>
-                  <a:ext uri="{28A0092B-C50C-407E-A947-70E740481C1C}">
-                    <a14:useLocalDpi xmlns:a14="http://schemas.microsoft.com/office/drawing/2010/main" val="0"/>
-                  </a:ext>
-                  <a:ext uri="{96DAC541-7B7A-43D3-8B79-37D633B846F1}">
-                    <asvg:svgBlip xmlns:asvg="http://schemas.microsoft.com/office/drawing/2016/SVG/main" r:embed="rId12"/>
-                  </a:ext>
-                </a:extLst>
-              </a:blip>
-              <a:stretch>
-                <a:fillRect/>
-              </a:stretch>
-            </p:blipFill>
-            <p:spPr>
-              <a:xfrm>
-                <a:off x="8234609" y="5489083"/>
-                <a:ext cx="914400" cy="914400"/>
-              </a:xfrm>
-              <a:prstGeom prst="rect">
-                <a:avLst/>
-              </a:prstGeom>
-            </p:spPr>
-          </p:pic>
-        </p:grpSp>
-        <p:sp>
-          <p:nvSpPr>
-            <p:cNvPr id="40" name="CaixaDeTexto 39">
-              <a:extLst>
-                <a:ext uri="{FF2B5EF4-FFF2-40B4-BE49-F238E27FC236}">
-                  <a16:creationId xmlns:a16="http://schemas.microsoft.com/office/drawing/2014/main" id="{ADB0B038-3691-44F7-AEA8-CA7523E219B5}"/>
-                </a:ext>
-              </a:extLst>
-            </p:cNvPr>
-            <p:cNvSpPr txBox="1"/>
-            <p:nvPr/>
-          </p:nvSpPr>
-          <p:spPr>
-            <a:xfrm>
-              <a:off x="9545114" y="4574683"/>
-              <a:ext cx="1684653" cy="2308324"/>
-            </a:xfrm>
-            <a:prstGeom prst="rect">
-              <a:avLst/>
-            </a:prstGeom>
-            <a:noFill/>
-          </p:spPr>
-          <p:txBody>
-            <a:bodyPr wrap="square" rtlCol="0">
-              <a:spAutoFit/>
-            </a:bodyPr>
-            <a:lstStyle/>
-            <a:p>
-              <a:pPr algn="ctr"/>
-              <a:r>
-                <a:rPr lang="pt-BR" dirty="0">
-                  <a:latin typeface="Arial" panose="020B0604020202020204" pitchFamily="34" charset="0"/>
-                  <a:cs typeface="Arial" panose="020B0604020202020204" pitchFamily="34" charset="0"/>
-                </a:rPr>
-                <a:t>Esses registros serão graficamente visualizados pelo cliente e fiscal</a:t>
-              </a:r>
-            </a:p>
-            <a:p>
-              <a:endParaRPr lang="pt-BR" dirty="0"/>
-            </a:p>
-          </p:txBody>
-        </p:sp>
-      </p:grpSp>
+              </a14:hiddenFill>
+            </a:ext>
+          </a:extLst>
+        </p:spPr>
+      </p:pic>
+      <p:pic>
+        <p:nvPicPr>
+          <p:cNvPr id="53" name="Picture 4">
+            <a:extLst>
+              <a:ext uri="{FF2B5EF4-FFF2-40B4-BE49-F238E27FC236}">
+                <a16:creationId xmlns:a16="http://schemas.microsoft.com/office/drawing/2014/main" id="{9C330314-D855-4C77-85ED-8F2B415588D3}"/>
+              </a:ext>
+            </a:extLst>
+          </p:cNvPr>
+          <p:cNvPicPr>
+            <a:picLocks noChangeAspect="1" noChangeArrowheads="1"/>
+          </p:cNvPicPr>
+          <p:nvPr/>
+        </p:nvPicPr>
+        <p:blipFill>
+          <a:blip r:embed="rId5">
+            <a:extLst>
+              <a:ext uri="{28A0092B-C50C-407E-A947-70E740481C1C}">
+                <a14:useLocalDpi xmlns:a14="http://schemas.microsoft.com/office/drawing/2010/main" val="0"/>
+              </a:ext>
+            </a:extLst>
+          </a:blip>
+          <a:srcRect/>
+          <a:stretch>
+            <a:fillRect/>
+          </a:stretch>
+        </p:blipFill>
+        <p:spPr bwMode="auto">
+          <a:xfrm>
+            <a:off x="3658691" y="2819027"/>
+            <a:ext cx="1202677" cy="1129044"/>
+          </a:xfrm>
+          <a:prstGeom prst="rect">
+            <a:avLst/>
+          </a:prstGeom>
+          <a:noFill/>
+          <a:extLst>
+            <a:ext uri="{909E8E84-426E-40DD-AFC4-6F175D3DCCD1}">
+              <a14:hiddenFill xmlns:a14="http://schemas.microsoft.com/office/drawing/2010/main">
+                <a:solidFill>
+                  <a:srgbClr val="FFFFFF"/>
+                </a:solidFill>
+              </a14:hiddenFill>
+            </a:ext>
+          </a:extLst>
+        </p:spPr>
+      </p:pic>
+      <p:pic>
+        <p:nvPicPr>
+          <p:cNvPr id="1030" name="Picture 6">
+            <a:extLst>
+              <a:ext uri="{FF2B5EF4-FFF2-40B4-BE49-F238E27FC236}">
+                <a16:creationId xmlns:a16="http://schemas.microsoft.com/office/drawing/2014/main" id="{A7E50AC5-41CB-470D-A61B-F4D724B7CEFB}"/>
+              </a:ext>
+            </a:extLst>
+          </p:cNvPr>
+          <p:cNvPicPr>
+            <a:picLocks noChangeAspect="1" noChangeArrowheads="1"/>
+          </p:cNvPicPr>
+          <p:nvPr/>
+        </p:nvPicPr>
+        <p:blipFill>
+          <a:blip r:embed="rId6">
+            <a:extLst>
+              <a:ext uri="{28A0092B-C50C-407E-A947-70E740481C1C}">
+                <a14:useLocalDpi xmlns:a14="http://schemas.microsoft.com/office/drawing/2010/main" val="0"/>
+              </a:ext>
+            </a:extLst>
+          </a:blip>
+          <a:srcRect/>
+          <a:stretch>
+            <a:fillRect/>
+          </a:stretch>
+        </p:blipFill>
+        <p:spPr bwMode="auto">
+          <a:xfrm>
+            <a:off x="2025708" y="2761380"/>
+            <a:ext cx="1101999" cy="991418"/>
+          </a:xfrm>
+          <a:prstGeom prst="rect">
+            <a:avLst/>
+          </a:prstGeom>
+          <a:noFill/>
+          <a:extLst>
+            <a:ext uri="{909E8E84-426E-40DD-AFC4-6F175D3DCCD1}">
+              <a14:hiddenFill xmlns:a14="http://schemas.microsoft.com/office/drawing/2010/main">
+                <a:solidFill>
+                  <a:srgbClr val="FFFFFF"/>
+                </a:solidFill>
+              </a14:hiddenFill>
+            </a:ext>
+          </a:extLst>
+        </p:spPr>
+      </p:pic>
+      <p:pic>
+        <p:nvPicPr>
+          <p:cNvPr id="1034" name="Picture 10">
+            <a:extLst>
+              <a:ext uri="{FF2B5EF4-FFF2-40B4-BE49-F238E27FC236}">
+                <a16:creationId xmlns:a16="http://schemas.microsoft.com/office/drawing/2014/main" id="{57A5218C-B54D-46F5-93CF-6C5517559332}"/>
+              </a:ext>
+            </a:extLst>
+          </p:cNvPr>
+          <p:cNvPicPr>
+            <a:picLocks noChangeAspect="1" noChangeArrowheads="1"/>
+          </p:cNvPicPr>
+          <p:nvPr/>
+        </p:nvPicPr>
+        <p:blipFill>
+          <a:blip r:embed="rId7">
+            <a:extLst>
+              <a:ext uri="{28A0092B-C50C-407E-A947-70E740481C1C}">
+                <a14:useLocalDpi xmlns:a14="http://schemas.microsoft.com/office/drawing/2010/main" val="0"/>
+              </a:ext>
+            </a:extLst>
+          </a:blip>
+          <a:srcRect/>
+          <a:stretch>
+            <a:fillRect/>
+          </a:stretch>
+        </p:blipFill>
+        <p:spPr bwMode="auto">
+          <a:xfrm>
+            <a:off x="5557670" y="3288331"/>
+            <a:ext cx="644746" cy="455259"/>
+          </a:xfrm>
+          <a:prstGeom prst="rect">
+            <a:avLst/>
+          </a:prstGeom>
+          <a:noFill/>
+          <a:extLst>
+            <a:ext uri="{909E8E84-426E-40DD-AFC4-6F175D3DCCD1}">
+              <a14:hiddenFill xmlns:a14="http://schemas.microsoft.com/office/drawing/2010/main">
+                <a:solidFill>
+                  <a:srgbClr val="FFFFFF"/>
+                </a:solidFill>
+              </a14:hiddenFill>
+            </a:ext>
+          </a:extLst>
+        </p:spPr>
+      </p:pic>
+      <p:pic>
+        <p:nvPicPr>
+          <p:cNvPr id="60" name="Picture 10">
+            <a:extLst>
+              <a:ext uri="{FF2B5EF4-FFF2-40B4-BE49-F238E27FC236}">
+                <a16:creationId xmlns:a16="http://schemas.microsoft.com/office/drawing/2014/main" id="{1BE3725E-85A2-421A-8A66-BBB3199ED8F8}"/>
+              </a:ext>
+            </a:extLst>
+          </p:cNvPr>
+          <p:cNvPicPr>
+            <a:picLocks noChangeAspect="1" noChangeArrowheads="1"/>
+          </p:cNvPicPr>
+          <p:nvPr/>
+        </p:nvPicPr>
+        <p:blipFill>
+          <a:blip r:embed="rId7">
+            <a:extLst>
+              <a:ext uri="{28A0092B-C50C-407E-A947-70E740481C1C}">
+                <a14:useLocalDpi xmlns:a14="http://schemas.microsoft.com/office/drawing/2010/main" val="0"/>
+              </a:ext>
+            </a:extLst>
+          </a:blip>
+          <a:srcRect/>
+          <a:stretch>
+            <a:fillRect/>
+          </a:stretch>
+        </p:blipFill>
+        <p:spPr bwMode="auto">
+          <a:xfrm>
+            <a:off x="9006590" y="3268861"/>
+            <a:ext cx="661816" cy="467313"/>
+          </a:xfrm>
+          <a:prstGeom prst="rect">
+            <a:avLst/>
+          </a:prstGeom>
+          <a:noFill/>
+          <a:extLst>
+            <a:ext uri="{909E8E84-426E-40DD-AFC4-6F175D3DCCD1}">
+              <a14:hiddenFill xmlns:a14="http://schemas.microsoft.com/office/drawing/2010/main">
+                <a:solidFill>
+                  <a:srgbClr val="FFFFFF"/>
+                </a:solidFill>
+              </a14:hiddenFill>
+            </a:ext>
+          </a:extLst>
+        </p:spPr>
+      </p:pic>
+      <p:pic>
+        <p:nvPicPr>
+          <p:cNvPr id="1036" name="Picture 12">
+            <a:extLst>
+              <a:ext uri="{FF2B5EF4-FFF2-40B4-BE49-F238E27FC236}">
+                <a16:creationId xmlns:a16="http://schemas.microsoft.com/office/drawing/2014/main" id="{D3AFC1A8-D7C3-40C0-A3D7-7735780DF616}"/>
+              </a:ext>
+            </a:extLst>
+          </p:cNvPr>
+          <p:cNvPicPr>
+            <a:picLocks noChangeAspect="1" noChangeArrowheads="1"/>
+          </p:cNvPicPr>
+          <p:nvPr/>
+        </p:nvPicPr>
+        <p:blipFill>
+          <a:blip r:embed="rId8">
+            <a:extLst>
+              <a:ext uri="{28A0092B-C50C-407E-A947-70E740481C1C}">
+                <a14:useLocalDpi xmlns:a14="http://schemas.microsoft.com/office/drawing/2010/main" val="0"/>
+              </a:ext>
+            </a:extLst>
+          </a:blip>
+          <a:srcRect/>
+          <a:stretch>
+            <a:fillRect/>
+          </a:stretch>
+        </p:blipFill>
+        <p:spPr bwMode="auto">
+          <a:xfrm>
+            <a:off x="313258" y="2819027"/>
+            <a:ext cx="1101999" cy="1039386"/>
+          </a:xfrm>
+          <a:prstGeom prst="rect">
+            <a:avLst/>
+          </a:prstGeom>
+          <a:noFill/>
+          <a:extLst>
+            <a:ext uri="{909E8E84-426E-40DD-AFC4-6F175D3DCCD1}">
+              <a14:hiddenFill xmlns:a14="http://schemas.microsoft.com/office/drawing/2010/main">
+                <a:solidFill>
+                  <a:srgbClr val="FFFFFF"/>
+                </a:solidFill>
+              </a14:hiddenFill>
+            </a:ext>
+          </a:extLst>
+        </p:spPr>
+      </p:pic>
+      <p:pic>
+        <p:nvPicPr>
+          <p:cNvPr id="1038" name="Picture 14">
+            <a:extLst>
+              <a:ext uri="{FF2B5EF4-FFF2-40B4-BE49-F238E27FC236}">
+                <a16:creationId xmlns:a16="http://schemas.microsoft.com/office/drawing/2014/main" id="{1B3C37D0-C42F-4B3E-8CAA-E3D4EBE23641}"/>
+              </a:ext>
+            </a:extLst>
+          </p:cNvPr>
+          <p:cNvPicPr>
+            <a:picLocks noChangeAspect="1" noChangeArrowheads="1"/>
+          </p:cNvPicPr>
+          <p:nvPr/>
+        </p:nvPicPr>
+        <p:blipFill>
+          <a:blip r:embed="rId9">
+            <a:extLst>
+              <a:ext uri="{28A0092B-C50C-407E-A947-70E740481C1C}">
+                <a14:useLocalDpi xmlns:a14="http://schemas.microsoft.com/office/drawing/2010/main" val="0"/>
+              </a:ext>
+            </a:extLst>
+          </a:blip>
+          <a:srcRect/>
+          <a:stretch>
+            <a:fillRect/>
+          </a:stretch>
+        </p:blipFill>
+        <p:spPr bwMode="auto">
+          <a:xfrm>
+            <a:off x="9959826" y="4892342"/>
+            <a:ext cx="1972986" cy="1424496"/>
+          </a:xfrm>
+          <a:prstGeom prst="rect">
+            <a:avLst/>
+          </a:prstGeom>
+          <a:noFill/>
+          <a:extLst>
+            <a:ext uri="{909E8E84-426E-40DD-AFC4-6F175D3DCCD1}">
+              <a14:hiddenFill xmlns:a14="http://schemas.microsoft.com/office/drawing/2010/main">
+                <a:solidFill>
+                  <a:srgbClr val="FFFFFF"/>
+                </a:solidFill>
+              </a14:hiddenFill>
+            </a:ext>
+          </a:extLst>
+        </p:spPr>
+      </p:pic>
+      <p:pic>
+        <p:nvPicPr>
+          <p:cNvPr id="1040" name="Picture 16">
+            <a:extLst>
+              <a:ext uri="{FF2B5EF4-FFF2-40B4-BE49-F238E27FC236}">
+                <a16:creationId xmlns:a16="http://schemas.microsoft.com/office/drawing/2014/main" id="{7BE25E9D-D6D0-48BA-9979-518273F8187B}"/>
+              </a:ext>
+            </a:extLst>
+          </p:cNvPr>
+          <p:cNvPicPr>
+            <a:picLocks noChangeAspect="1" noChangeArrowheads="1"/>
+          </p:cNvPicPr>
+          <p:nvPr/>
+        </p:nvPicPr>
+        <p:blipFill>
+          <a:blip r:embed="rId10">
+            <a:extLst>
+              <a:ext uri="{28A0092B-C50C-407E-A947-70E740481C1C}">
+                <a14:useLocalDpi xmlns:a14="http://schemas.microsoft.com/office/drawing/2010/main" val="0"/>
+              </a:ext>
+            </a:extLst>
+          </a:blip>
+          <a:srcRect/>
+          <a:stretch>
+            <a:fillRect/>
+          </a:stretch>
+        </p:blipFill>
+        <p:spPr bwMode="auto">
+          <a:xfrm flipH="1">
+            <a:off x="1357769" y="3333575"/>
+            <a:ext cx="809210" cy="204016"/>
+          </a:xfrm>
+          <a:prstGeom prst="rect">
+            <a:avLst/>
+          </a:prstGeom>
+          <a:noFill/>
+          <a:extLst>
+            <a:ext uri="{909E8E84-426E-40DD-AFC4-6F175D3DCCD1}">
+              <a14:hiddenFill xmlns:a14="http://schemas.microsoft.com/office/drawing/2010/main">
+                <a:solidFill>
+                  <a:srgbClr val="FFFFFF"/>
+                </a:solidFill>
+              </a14:hiddenFill>
+            </a:ext>
+          </a:extLst>
+        </p:spPr>
+      </p:pic>
+      <p:pic>
+        <p:nvPicPr>
+          <p:cNvPr id="65" name="Picture 16">
+            <a:extLst>
+              <a:ext uri="{FF2B5EF4-FFF2-40B4-BE49-F238E27FC236}">
+                <a16:creationId xmlns:a16="http://schemas.microsoft.com/office/drawing/2014/main" id="{EC1CF7CA-4F58-4E64-85D3-96D56F41EFB6}"/>
+              </a:ext>
+            </a:extLst>
+          </p:cNvPr>
+          <p:cNvPicPr>
+            <a:picLocks noChangeAspect="1" noChangeArrowheads="1"/>
+          </p:cNvPicPr>
+          <p:nvPr/>
+        </p:nvPicPr>
+        <p:blipFill>
+          <a:blip r:embed="rId10">
+            <a:extLst>
+              <a:ext uri="{28A0092B-C50C-407E-A947-70E740481C1C}">
+                <a14:useLocalDpi xmlns:a14="http://schemas.microsoft.com/office/drawing/2010/main" val="0"/>
+              </a:ext>
+            </a:extLst>
+          </a:blip>
+          <a:srcRect/>
+          <a:stretch>
+            <a:fillRect/>
+          </a:stretch>
+        </p:blipFill>
+        <p:spPr bwMode="auto">
+          <a:xfrm>
+            <a:off x="3005982" y="3343177"/>
+            <a:ext cx="809210" cy="204016"/>
+          </a:xfrm>
+          <a:prstGeom prst="rect">
+            <a:avLst/>
+          </a:prstGeom>
+          <a:noFill/>
+          <a:extLst>
+            <a:ext uri="{909E8E84-426E-40DD-AFC4-6F175D3DCCD1}">
+              <a14:hiddenFill xmlns:a14="http://schemas.microsoft.com/office/drawing/2010/main">
+                <a:solidFill>
+                  <a:srgbClr val="FFFFFF"/>
+                </a:solidFill>
+              </a14:hiddenFill>
+            </a:ext>
+          </a:extLst>
+        </p:spPr>
+      </p:pic>
+      <p:sp>
+        <p:nvSpPr>
+          <p:cNvPr id="66" name="CaixaDeTexto 65">
+            <a:extLst>
+              <a:ext uri="{FF2B5EF4-FFF2-40B4-BE49-F238E27FC236}">
+                <a16:creationId xmlns:a16="http://schemas.microsoft.com/office/drawing/2014/main" id="{550211D3-E2BF-4CAF-90D8-BA7A06EA1E24}"/>
+              </a:ext>
+            </a:extLst>
+          </p:cNvPr>
+          <p:cNvSpPr txBox="1"/>
+          <p:nvPr/>
+        </p:nvSpPr>
+        <p:spPr>
+          <a:xfrm>
+            <a:off x="8857828" y="3753905"/>
+            <a:ext cx="1101998" cy="523220"/>
+          </a:xfrm>
+          <a:prstGeom prst="rect">
+            <a:avLst/>
+          </a:prstGeom>
+          <a:noFill/>
+        </p:spPr>
+        <p:txBody>
+          <a:bodyPr wrap="square" rtlCol="0">
+            <a:spAutoFit/>
+          </a:bodyPr>
+          <a:lstStyle/>
+          <a:p>
+            <a:pPr algn="ctr"/>
+            <a:r>
+              <a:rPr lang="pt-BR" sz="1400" dirty="0"/>
+              <a:t>Acesso a Internet</a:t>
+            </a:r>
+          </a:p>
+        </p:txBody>
+      </p:sp>
+      <p:pic>
+        <p:nvPicPr>
+          <p:cNvPr id="67" name="Picture 16">
+            <a:extLst>
+              <a:ext uri="{FF2B5EF4-FFF2-40B4-BE49-F238E27FC236}">
+                <a16:creationId xmlns:a16="http://schemas.microsoft.com/office/drawing/2014/main" id="{68687558-91C4-40B3-9351-19EAEDD7ACD9}"/>
+              </a:ext>
+            </a:extLst>
+          </p:cNvPr>
+          <p:cNvPicPr>
+            <a:picLocks noChangeAspect="1" noChangeArrowheads="1"/>
+          </p:cNvPicPr>
+          <p:nvPr/>
+        </p:nvPicPr>
+        <p:blipFill>
+          <a:blip r:embed="rId10">
+            <a:extLst>
+              <a:ext uri="{28A0092B-C50C-407E-A947-70E740481C1C}">
+                <a14:useLocalDpi xmlns:a14="http://schemas.microsoft.com/office/drawing/2010/main" val="0"/>
+              </a:ext>
+            </a:extLst>
+          </a:blip>
+          <a:srcRect/>
+          <a:stretch>
+            <a:fillRect/>
+          </a:stretch>
+        </p:blipFill>
+        <p:spPr bwMode="auto">
+          <a:xfrm>
+            <a:off x="4821652" y="3348780"/>
+            <a:ext cx="809210" cy="204016"/>
+          </a:xfrm>
+          <a:prstGeom prst="rect">
+            <a:avLst/>
+          </a:prstGeom>
+          <a:noFill/>
+          <a:extLst>
+            <a:ext uri="{909E8E84-426E-40DD-AFC4-6F175D3DCCD1}">
+              <a14:hiddenFill xmlns:a14="http://schemas.microsoft.com/office/drawing/2010/main">
+                <a:solidFill>
+                  <a:srgbClr val="FFFFFF"/>
+                </a:solidFill>
+              </a14:hiddenFill>
+            </a:ext>
+          </a:extLst>
+        </p:spPr>
+      </p:pic>
+      <p:pic>
+        <p:nvPicPr>
+          <p:cNvPr id="68" name="Picture 16">
+            <a:extLst>
+              <a:ext uri="{FF2B5EF4-FFF2-40B4-BE49-F238E27FC236}">
+                <a16:creationId xmlns:a16="http://schemas.microsoft.com/office/drawing/2014/main" id="{03FBF62A-BEC8-437F-8111-4B74C730E00C}"/>
+              </a:ext>
+            </a:extLst>
+          </p:cNvPr>
+          <p:cNvPicPr>
+            <a:picLocks noChangeAspect="1" noChangeArrowheads="1"/>
+          </p:cNvPicPr>
+          <p:nvPr/>
+        </p:nvPicPr>
+        <p:blipFill>
+          <a:blip r:embed="rId10">
+            <a:extLst>
+              <a:ext uri="{28A0092B-C50C-407E-A947-70E740481C1C}">
+                <a14:useLocalDpi xmlns:a14="http://schemas.microsoft.com/office/drawing/2010/main" val="0"/>
+              </a:ext>
+            </a:extLst>
+          </a:blip>
+          <a:srcRect/>
+          <a:stretch>
+            <a:fillRect/>
+          </a:stretch>
+        </p:blipFill>
+        <p:spPr bwMode="auto">
+          <a:xfrm>
+            <a:off x="6164107" y="3383549"/>
+            <a:ext cx="809210" cy="204016"/>
+          </a:xfrm>
+          <a:prstGeom prst="rect">
+            <a:avLst/>
+          </a:prstGeom>
+          <a:noFill/>
+          <a:extLst>
+            <a:ext uri="{909E8E84-426E-40DD-AFC4-6F175D3DCCD1}">
+              <a14:hiddenFill xmlns:a14="http://schemas.microsoft.com/office/drawing/2010/main">
+                <a:solidFill>
+                  <a:srgbClr val="FFFFFF"/>
+                </a:solidFill>
+              </a14:hiddenFill>
+            </a:ext>
+          </a:extLst>
+        </p:spPr>
+      </p:pic>
+      <p:pic>
+        <p:nvPicPr>
+          <p:cNvPr id="69" name="Picture 16">
+            <a:extLst>
+              <a:ext uri="{FF2B5EF4-FFF2-40B4-BE49-F238E27FC236}">
+                <a16:creationId xmlns:a16="http://schemas.microsoft.com/office/drawing/2014/main" id="{99D51498-E61B-4EBF-9B4C-EE327D6FC694}"/>
+              </a:ext>
+            </a:extLst>
+          </p:cNvPr>
+          <p:cNvPicPr>
+            <a:picLocks noChangeAspect="1" noChangeArrowheads="1"/>
+          </p:cNvPicPr>
+          <p:nvPr/>
+        </p:nvPicPr>
+        <p:blipFill>
+          <a:blip r:embed="rId10">
+            <a:extLst>
+              <a:ext uri="{28A0092B-C50C-407E-A947-70E740481C1C}">
+                <a14:useLocalDpi xmlns:a14="http://schemas.microsoft.com/office/drawing/2010/main" val="0"/>
+              </a:ext>
+            </a:extLst>
+          </a:blip>
+          <a:srcRect/>
+          <a:stretch>
+            <a:fillRect/>
+          </a:stretch>
+        </p:blipFill>
+        <p:spPr bwMode="auto">
+          <a:xfrm>
+            <a:off x="8235689" y="3233389"/>
+            <a:ext cx="809210" cy="204016"/>
+          </a:xfrm>
+          <a:prstGeom prst="rect">
+            <a:avLst/>
+          </a:prstGeom>
+          <a:noFill/>
+          <a:extLst>
+            <a:ext uri="{909E8E84-426E-40DD-AFC4-6F175D3DCCD1}">
+              <a14:hiddenFill xmlns:a14="http://schemas.microsoft.com/office/drawing/2010/main">
+                <a:solidFill>
+                  <a:srgbClr val="FFFFFF"/>
+                </a:solidFill>
+              </a14:hiddenFill>
+            </a:ext>
+          </a:extLst>
+        </p:spPr>
+      </p:pic>
+      <p:sp>
+        <p:nvSpPr>
+          <p:cNvPr id="70" name="CaixaDeTexto 69">
+            <a:extLst>
+              <a:ext uri="{FF2B5EF4-FFF2-40B4-BE49-F238E27FC236}">
+                <a16:creationId xmlns:a16="http://schemas.microsoft.com/office/drawing/2014/main" id="{12B07DF9-F3D0-43C5-82D2-249B412D7BB8}"/>
+              </a:ext>
+            </a:extLst>
+          </p:cNvPr>
+          <p:cNvSpPr txBox="1"/>
+          <p:nvPr/>
+        </p:nvSpPr>
+        <p:spPr>
+          <a:xfrm>
+            <a:off x="6916244" y="3798997"/>
+            <a:ext cx="1454342" cy="830997"/>
+          </a:xfrm>
+          <a:prstGeom prst="rect">
+            <a:avLst/>
+          </a:prstGeom>
+          <a:noFill/>
+        </p:spPr>
+        <p:txBody>
+          <a:bodyPr wrap="square" rtlCol="0">
+            <a:spAutoFit/>
+          </a:bodyPr>
+          <a:lstStyle/>
+          <a:p>
+            <a:pPr algn="ctr"/>
+            <a:r>
+              <a:rPr lang="pt-BR" sz="1600" dirty="0"/>
+              <a:t>Nuvem / Cloud</a:t>
+            </a:r>
+          </a:p>
+          <a:p>
+            <a:pPr marL="285750" indent="-285750" algn="ctr">
+              <a:buFont typeface="Arial" panose="020B0604020202020204" pitchFamily="34" charset="0"/>
+              <a:buChar char="•"/>
+            </a:pPr>
+            <a:r>
+              <a:rPr lang="pt-BR" sz="1600" dirty="0"/>
+              <a:t>Sistema</a:t>
+            </a:r>
+          </a:p>
+          <a:p>
+            <a:pPr marL="285750" indent="-285750" algn="ctr">
+              <a:buFont typeface="Arial" panose="020B0604020202020204" pitchFamily="34" charset="0"/>
+              <a:buChar char="•"/>
+            </a:pPr>
+            <a:r>
+              <a:rPr lang="pt-BR" sz="1600" dirty="0"/>
+              <a:t>Servidor</a:t>
+            </a:r>
+          </a:p>
+        </p:txBody>
+      </p:sp>
+      <p:pic>
+        <p:nvPicPr>
+          <p:cNvPr id="71" name="Picture 16">
+            <a:extLst>
+              <a:ext uri="{FF2B5EF4-FFF2-40B4-BE49-F238E27FC236}">
+                <a16:creationId xmlns:a16="http://schemas.microsoft.com/office/drawing/2014/main" id="{C5F1F4C9-F7E6-4348-83AA-C0948A6544DF}"/>
+              </a:ext>
+            </a:extLst>
+          </p:cNvPr>
+          <p:cNvPicPr>
+            <a:picLocks noChangeAspect="1" noChangeArrowheads="1"/>
+          </p:cNvPicPr>
+          <p:nvPr/>
+        </p:nvPicPr>
+        <p:blipFill>
+          <a:blip r:embed="rId10">
+            <a:extLst>
+              <a:ext uri="{28A0092B-C50C-407E-A947-70E740481C1C}">
+                <a14:useLocalDpi xmlns:a14="http://schemas.microsoft.com/office/drawing/2010/main" val="0"/>
+              </a:ext>
+            </a:extLst>
+          </a:blip>
+          <a:srcRect/>
+          <a:stretch>
+            <a:fillRect/>
+          </a:stretch>
+        </p:blipFill>
+        <p:spPr bwMode="auto">
+          <a:xfrm rot="17810903">
+            <a:off x="9281477" y="2595027"/>
+            <a:ext cx="809210" cy="204016"/>
+          </a:xfrm>
+          <a:prstGeom prst="rect">
+            <a:avLst/>
+          </a:prstGeom>
+          <a:noFill/>
+          <a:extLst>
+            <a:ext uri="{909E8E84-426E-40DD-AFC4-6F175D3DCCD1}">
+              <a14:hiddenFill xmlns:a14="http://schemas.microsoft.com/office/drawing/2010/main">
+                <a:solidFill>
+                  <a:srgbClr val="FFFFFF"/>
+                </a:solidFill>
+              </a14:hiddenFill>
+            </a:ext>
+          </a:extLst>
+        </p:spPr>
+      </p:pic>
+      <p:pic>
+        <p:nvPicPr>
+          <p:cNvPr id="72" name="Picture 16">
+            <a:extLst>
+              <a:ext uri="{FF2B5EF4-FFF2-40B4-BE49-F238E27FC236}">
+                <a16:creationId xmlns:a16="http://schemas.microsoft.com/office/drawing/2014/main" id="{8965B761-E376-486D-A280-3D6DF1912228}"/>
+              </a:ext>
+            </a:extLst>
+          </p:cNvPr>
+          <p:cNvPicPr>
+            <a:picLocks noChangeAspect="1" noChangeArrowheads="1"/>
+          </p:cNvPicPr>
+          <p:nvPr/>
+        </p:nvPicPr>
+        <p:blipFill>
+          <a:blip r:embed="rId10">
+            <a:extLst>
+              <a:ext uri="{28A0092B-C50C-407E-A947-70E740481C1C}">
+                <a14:useLocalDpi xmlns:a14="http://schemas.microsoft.com/office/drawing/2010/main" val="0"/>
+              </a:ext>
+            </a:extLst>
+          </a:blip>
+          <a:srcRect/>
+          <a:stretch>
+            <a:fillRect/>
+          </a:stretch>
+        </p:blipFill>
+        <p:spPr bwMode="auto">
+          <a:xfrm rot="2562939">
+            <a:off x="9555221" y="4440918"/>
+            <a:ext cx="809210" cy="204016"/>
+          </a:xfrm>
+          <a:prstGeom prst="rect">
+            <a:avLst/>
+          </a:prstGeom>
+          <a:noFill/>
+          <a:extLst>
+            <a:ext uri="{909E8E84-426E-40DD-AFC4-6F175D3DCCD1}">
+              <a14:hiddenFill xmlns:a14="http://schemas.microsoft.com/office/drawing/2010/main">
+                <a:solidFill>
+                  <a:srgbClr val="FFFFFF"/>
+                </a:solidFill>
+              </a14:hiddenFill>
+            </a:ext>
+          </a:extLst>
+        </p:spPr>
+      </p:pic>
     </p:spTree>
     <p:extLst>
       <p:ext uri="{BB962C8B-B14F-4D97-AF65-F5344CB8AC3E}">
@@ -7693,6 +8145,21 @@
 </file>
 
 <file path=customXml/item1.xml><?xml version="1.0" encoding="utf-8"?>
+<p:properties xmlns:p="http://schemas.microsoft.com/office/2006/metadata/properties" xmlns:xsi="http://www.w3.org/2001/XMLSchema-instance" xmlns:pc="http://schemas.microsoft.com/office/infopath/2007/PartnerControls">
+  <documentManagement/>
+</p:properties>
+</file>
+
+<file path=customXml/item2.xml><?xml version="1.0" encoding="utf-8"?>
+<?mso-contentType ?>
+<FormTemplates xmlns="http://schemas.microsoft.com/sharepoint/v3/contenttype/forms">
+  <Display>DocumentLibraryForm</Display>
+  <Edit>DocumentLibraryForm</Edit>
+  <New>DocumentLibraryForm</New>
+</FormTemplates>
+</file>
+
+<file path=customXml/item3.xml><?xml version="1.0" encoding="utf-8"?>
 <ct:contentTypeSchema xmlns:ct="http://schemas.microsoft.com/office/2006/metadata/contentType" xmlns:ma="http://schemas.microsoft.com/office/2006/metadata/properties/metaAttributes" ct:_="" ma:_="" ma:contentTypeName="Document" ma:contentTypeID="0x0101009A5FC0246A07B443A05063C8EB2AC7D8" ma:contentTypeVersion="4" ma:contentTypeDescription="Create a new document." ma:contentTypeScope="" ma:versionID="420c53bd1eddcc29702e3bd566eef293">
   <xsd:schema xmlns:xsd="http://www.w3.org/2001/XMLSchema" xmlns:xs="http://www.w3.org/2001/XMLSchema" xmlns:p="http://schemas.microsoft.com/office/2006/metadata/properties" xmlns:ns3="8061e086-846d-4709-83ef-f95cce98977c" targetNamespace="http://schemas.microsoft.com/office/2006/metadata/properties" ma:root="true" ma:fieldsID="c54485a539c6ae15085b338092698602" ns3:_="">
     <xsd:import namespace="8061e086-846d-4709-83ef-f95cce98977c"/>
@@ -7838,22 +8305,31 @@
 </ct:contentTypeSchema>
 </file>
 
-<file path=customXml/item2.xml><?xml version="1.0" encoding="utf-8"?>
-<?mso-contentType ?>
-<FormTemplates xmlns="http://schemas.microsoft.com/sharepoint/v3/contenttype/forms">
-  <Display>DocumentLibraryForm</Display>
-  <Edit>DocumentLibraryForm</Edit>
-  <New>DocumentLibraryForm</New>
-</FormTemplates>
+<file path=customXml/itemProps1.xml><?xml version="1.0" encoding="utf-8"?>
+<ds:datastoreItem xmlns:ds="http://schemas.openxmlformats.org/officeDocument/2006/customXml" ds:itemID="{D97326FD-46D3-494E-BEE2-FFEB626F114D}">
+  <ds:schemaRefs>
+    <ds:schemaRef ds:uri="http://schemas.microsoft.com/office/2006/documentManagement/types"/>
+    <ds:schemaRef ds:uri="http://purl.org/dc/elements/1.1/"/>
+    <ds:schemaRef ds:uri="http://schemas.openxmlformats.org/package/2006/metadata/core-properties"/>
+    <ds:schemaRef ds:uri="http://purl.org/dc/dcmitype/"/>
+    <ds:schemaRef ds:uri="http://schemas.microsoft.com/office/infopath/2007/PartnerControls"/>
+    <ds:schemaRef ds:uri="8061e086-846d-4709-83ef-f95cce98977c"/>
+    <ds:schemaRef ds:uri="http://schemas.microsoft.com/office/2006/metadata/properties"/>
+    <ds:schemaRef ds:uri="http://www.w3.org/XML/1998/namespace"/>
+    <ds:schemaRef ds:uri="http://purl.org/dc/terms/"/>
+  </ds:schemaRefs>
+</ds:datastoreItem>
 </file>
 
-<file path=customXml/item3.xml><?xml version="1.0" encoding="utf-8"?>
-<p:properties xmlns:p="http://schemas.microsoft.com/office/2006/metadata/properties" xmlns:xsi="http://www.w3.org/2001/XMLSchema-instance" xmlns:pc="http://schemas.microsoft.com/office/infopath/2007/PartnerControls">
-  <documentManagement/>
-</p:properties>
+<file path=customXml/itemProps2.xml><?xml version="1.0" encoding="utf-8"?>
+<ds:datastoreItem xmlns:ds="http://schemas.openxmlformats.org/officeDocument/2006/customXml" ds:itemID="{C8904B04-CE3B-480B-B581-8F4B320FC628}">
+  <ds:schemaRefs>
+    <ds:schemaRef ds:uri="http://schemas.microsoft.com/sharepoint/v3/contenttype/forms"/>
+  </ds:schemaRefs>
+</ds:datastoreItem>
 </file>
 
-<file path=customXml/itemProps1.xml><?xml version="1.0" encoding="utf-8"?>
+<file path=customXml/itemProps3.xml><?xml version="1.0" encoding="utf-8"?>
 <ds:datastoreItem xmlns:ds="http://schemas.openxmlformats.org/officeDocument/2006/customXml" ds:itemID="{4391E346-D1DC-4EE5-A343-4BFCAD5F0129}">
   <ds:schemaRefs>
     <ds:schemaRef ds:uri="http://schemas.microsoft.com/office/2006/metadata/contentType"/>
@@ -7869,28 +8345,4 @@
     <ds:schemaRef ds:uri="http://schemas.microsoft.com/internal/obd"/>
   </ds:schemaRefs>
 </ds:datastoreItem>
-</file>
-
-<file path=customXml/itemProps2.xml><?xml version="1.0" encoding="utf-8"?>
-<ds:datastoreItem xmlns:ds="http://schemas.openxmlformats.org/officeDocument/2006/customXml" ds:itemID="{C8904B04-CE3B-480B-B581-8F4B320FC628}">
-  <ds:schemaRefs>
-    <ds:schemaRef ds:uri="http://schemas.microsoft.com/sharepoint/v3/contenttype/forms"/>
-  </ds:schemaRefs>
-</ds:datastoreItem>
-</file>
-
-<file path=customXml/itemProps3.xml><?xml version="1.0" encoding="utf-8"?>
-<ds:datastoreItem xmlns:ds="http://schemas.openxmlformats.org/officeDocument/2006/customXml" ds:itemID="{D97326FD-46D3-494E-BEE2-FFEB626F114D}">
-  <ds:schemaRefs>
-    <ds:schemaRef ds:uri="http://schemas.microsoft.com/office/2006/documentManagement/types"/>
-    <ds:schemaRef ds:uri="http://purl.org/dc/elements/1.1/"/>
-    <ds:schemaRef ds:uri="http://schemas.openxmlformats.org/package/2006/metadata/core-properties"/>
-    <ds:schemaRef ds:uri="http://purl.org/dc/dcmitype/"/>
-    <ds:schemaRef ds:uri="http://schemas.microsoft.com/office/infopath/2007/PartnerControls"/>
-    <ds:schemaRef ds:uri="8061e086-846d-4709-83ef-f95cce98977c"/>
-    <ds:schemaRef ds:uri="http://schemas.microsoft.com/office/2006/metadata/properties"/>
-    <ds:schemaRef ds:uri="http://www.w3.org/XML/1998/namespace"/>
-    <ds:schemaRef ds:uri="http://purl.org/dc/terms/"/>
-  </ds:schemaRefs>
-</ds:datastoreItem>
 </file>
--- a/Documentação/HLD -LLD (1).pptx
+++ b/Documentação/HLD -LLD (1).pptx
@@ -117,13 +117,477 @@
 <file path=ppt/revisionInfo.xml><?xml version="1.0" encoding="utf-8"?>
 <p1510:revInfo xmlns:a="http://schemas.openxmlformats.org/drawingml/2006/main" xmlns:r="http://schemas.openxmlformats.org/officeDocument/2006/relationships" xmlns:p1510="http://schemas.microsoft.com/office/powerpoint/2015/10/main">
   <p1510:revLst>
-    <p1510:client id="{C68BBA65-789D-40CD-80F4-FF1C821B8B29}" v="166" dt="2020-10-18T01:10:42.251"/>
+    <p1510:client id="{6D595190-088A-4964-8626-DDED55805BB4}" v="191" dt="2020-10-21T19:06:49.639"/>
   </p1510:revLst>
 </p1510:revInfo>
 </file>
 
 <file path=ppt/changesInfos/changesInfo1.xml><?xml version="1.0" encoding="utf-8"?>
 <pc:chgInfo xmlns:a="http://schemas.openxmlformats.org/drawingml/2006/main" xmlns:r="http://schemas.openxmlformats.org/officeDocument/2006/relationships" xmlns:ac="http://schemas.microsoft.com/office/drawing/2013/main/command" xmlns:pc="http://schemas.microsoft.com/office/powerpoint/2013/main/command">
+  <pc:docChgLst>
+    <pc:chgData name="Nicholas Forte" userId="831f5f1da6d5c7f7" providerId="LiveId" clId="{6D595190-088A-4964-8626-DDED55805BB4}"/>
+    <pc:docChg chg="undo redo custSel modSld">
+      <pc:chgData name="Nicholas Forte" userId="831f5f1da6d5c7f7" providerId="LiveId" clId="{6D595190-088A-4964-8626-DDED55805BB4}" dt="2020-10-21T19:06:49.638" v="499" actId="1076"/>
+      <pc:docMkLst>
+        <pc:docMk/>
+      </pc:docMkLst>
+      <pc:sldChg chg="addSp delSp modSp mod">
+        <pc:chgData name="Nicholas Forte" userId="831f5f1da6d5c7f7" providerId="LiveId" clId="{6D595190-088A-4964-8626-DDED55805BB4}" dt="2020-10-21T19:06:49.638" v="499" actId="1076"/>
+        <pc:sldMkLst>
+          <pc:docMk/>
+          <pc:sldMk cId="1062914862" sldId="278"/>
+        </pc:sldMkLst>
+        <pc:spChg chg="mod">
+          <ac:chgData name="Nicholas Forte" userId="831f5f1da6d5c7f7" providerId="LiveId" clId="{6D595190-088A-4964-8626-DDED55805BB4}" dt="2020-10-21T18:45:04.741" v="235" actId="1076"/>
+          <ac:spMkLst>
+            <pc:docMk/>
+            <pc:sldMk cId="1062914862" sldId="278"/>
+            <ac:spMk id="4" creationId="{4F62CB9B-5FD9-46C6-8048-4F0F64C8F073}"/>
+          </ac:spMkLst>
+        </pc:spChg>
+        <pc:spChg chg="mod">
+          <ac:chgData name="Nicholas Forte" userId="831f5f1da6d5c7f7" providerId="LiveId" clId="{6D595190-088A-4964-8626-DDED55805BB4}" dt="2020-10-21T18:54:26.290" v="336" actId="1076"/>
+          <ac:spMkLst>
+            <pc:docMk/>
+            <pc:sldMk cId="1062914862" sldId="278"/>
+            <ac:spMk id="5" creationId="{482DF699-6BEB-4728-B55B-044B493FF6B5}"/>
+          </ac:spMkLst>
+        </pc:spChg>
+        <pc:spChg chg="add mod">
+          <ac:chgData name="Nicholas Forte" userId="831f5f1da6d5c7f7" providerId="LiveId" clId="{6D595190-088A-4964-8626-DDED55805BB4}" dt="2020-10-21T18:06:27.316" v="29" actId="1076"/>
+          <ac:spMkLst>
+            <pc:docMk/>
+            <pc:sldMk cId="1062914862" sldId="278"/>
+            <ac:spMk id="8" creationId="{CF62A685-2C95-48CA-A378-3981BB030814}"/>
+          </ac:spMkLst>
+        </pc:spChg>
+        <pc:spChg chg="mod">
+          <ac:chgData name="Nicholas Forte" userId="831f5f1da6d5c7f7" providerId="LiveId" clId="{6D595190-088A-4964-8626-DDED55805BB4}" dt="2020-10-21T18:52:59.427" v="316" actId="1076"/>
+          <ac:spMkLst>
+            <pc:docMk/>
+            <pc:sldMk cId="1062914862" sldId="278"/>
+            <ac:spMk id="13" creationId="{A209017A-B5F6-44BF-BB58-7F2BCEEC9153}"/>
+          </ac:spMkLst>
+        </pc:spChg>
+        <pc:spChg chg="add del mod">
+          <ac:chgData name="Nicholas Forte" userId="831f5f1da6d5c7f7" providerId="LiveId" clId="{6D595190-088A-4964-8626-DDED55805BB4}" dt="2020-10-21T18:07:19.941" v="39" actId="478"/>
+          <ac:spMkLst>
+            <pc:docMk/>
+            <pc:sldMk cId="1062914862" sldId="278"/>
+            <ac:spMk id="15" creationId="{28A0DD6A-AFEE-48F8-9C82-DEA23F625AFE}"/>
+          </ac:spMkLst>
+        </pc:spChg>
+        <pc:spChg chg="add mod">
+          <ac:chgData name="Nicholas Forte" userId="831f5f1da6d5c7f7" providerId="LiveId" clId="{6D595190-088A-4964-8626-DDED55805BB4}" dt="2020-10-21T18:09:28.093" v="67" actId="1076"/>
+          <ac:spMkLst>
+            <pc:docMk/>
+            <pc:sldMk cId="1062914862" sldId="278"/>
+            <ac:spMk id="22" creationId="{69EF04A8-547A-4587-AEE5-01B6990B65B6}"/>
+          </ac:spMkLst>
+        </pc:spChg>
+        <pc:spChg chg="mod">
+          <ac:chgData name="Nicholas Forte" userId="831f5f1da6d5c7f7" providerId="LiveId" clId="{6D595190-088A-4964-8626-DDED55805BB4}" dt="2020-10-21T19:04:40.272" v="459" actId="14100"/>
+          <ac:spMkLst>
+            <pc:docMk/>
+            <pc:sldMk cId="1062914862" sldId="278"/>
+            <ac:spMk id="23" creationId="{FB9B7D90-CB5C-427C-A80E-C741D2799165}"/>
+          </ac:spMkLst>
+        </pc:spChg>
+        <pc:spChg chg="mod">
+          <ac:chgData name="Nicholas Forte" userId="831f5f1da6d5c7f7" providerId="LiveId" clId="{6D595190-088A-4964-8626-DDED55805BB4}" dt="2020-10-21T18:08:54.157" v="42" actId="1076"/>
+          <ac:spMkLst>
+            <pc:docMk/>
+            <pc:sldMk cId="1062914862" sldId="278"/>
+            <ac:spMk id="34" creationId="{973687FD-AB30-4EC3-BD09-E5F7CE80F460}"/>
+          </ac:spMkLst>
+        </pc:spChg>
+        <pc:spChg chg="mod">
+          <ac:chgData name="Nicholas Forte" userId="831f5f1da6d5c7f7" providerId="LiveId" clId="{6D595190-088A-4964-8626-DDED55805BB4}" dt="2020-10-21T19:04:37.320" v="458" actId="14100"/>
+          <ac:spMkLst>
+            <pc:docMk/>
+            <pc:sldMk cId="1062914862" sldId="278"/>
+            <ac:spMk id="36" creationId="{C1E587F3-5F46-4207-9937-AADD8F22DC60}"/>
+          </ac:spMkLst>
+        </pc:spChg>
+        <pc:spChg chg="add del mod">
+          <ac:chgData name="Nicholas Forte" userId="831f5f1da6d5c7f7" providerId="LiveId" clId="{6D595190-088A-4964-8626-DDED55805BB4}" dt="2020-10-21T18:35:42.151" v="176" actId="478"/>
+          <ac:spMkLst>
+            <pc:docMk/>
+            <pc:sldMk cId="1062914862" sldId="278"/>
+            <ac:spMk id="39" creationId="{0C17F63F-4207-4D6A-97DD-04DC06DF26D4}"/>
+          </ac:spMkLst>
+        </pc:spChg>
+        <pc:spChg chg="del mod">
+          <ac:chgData name="Nicholas Forte" userId="831f5f1da6d5c7f7" providerId="LiveId" clId="{6D595190-088A-4964-8626-DDED55805BB4}" dt="2020-10-21T19:04:09.496" v="452" actId="478"/>
+          <ac:spMkLst>
+            <pc:docMk/>
+            <pc:sldMk cId="1062914862" sldId="278"/>
+            <ac:spMk id="74" creationId="{A861AF3A-F2C3-4F8A-8FE8-2F92CC920A17}"/>
+          </ac:spMkLst>
+        </pc:spChg>
+        <pc:spChg chg="add mod">
+          <ac:chgData name="Nicholas Forte" userId="831f5f1da6d5c7f7" providerId="LiveId" clId="{6D595190-088A-4964-8626-DDED55805BB4}" dt="2020-10-21T19:02:21.408" v="405" actId="1076"/>
+          <ac:spMkLst>
+            <pc:docMk/>
+            <pc:sldMk cId="1062914862" sldId="278"/>
+            <ac:spMk id="92" creationId="{B941DB2C-D8F4-469E-885E-0FC9112B2C22}"/>
+          </ac:spMkLst>
+        </pc:spChg>
+        <pc:spChg chg="add mod">
+          <ac:chgData name="Nicholas Forte" userId="831f5f1da6d5c7f7" providerId="LiveId" clId="{6D595190-088A-4964-8626-DDED55805BB4}" dt="2020-10-21T19:03:53.073" v="448" actId="1076"/>
+          <ac:spMkLst>
+            <pc:docMk/>
+            <pc:sldMk cId="1062914862" sldId="278"/>
+            <ac:spMk id="94" creationId="{42730D1C-DFE3-4961-9165-D0EC7BA6E0DE}"/>
+          </ac:spMkLst>
+        </pc:spChg>
+        <pc:spChg chg="add mod">
+          <ac:chgData name="Nicholas Forte" userId="831f5f1da6d5c7f7" providerId="LiveId" clId="{6D595190-088A-4964-8626-DDED55805BB4}" dt="2020-10-21T19:00:44.745" v="378" actId="1076"/>
+          <ac:spMkLst>
+            <pc:docMk/>
+            <pc:sldMk cId="1062914862" sldId="278"/>
+            <ac:spMk id="118" creationId="{FE175156-5E59-4CA6-9087-A4BDDB73B3D3}"/>
+          </ac:spMkLst>
+        </pc:spChg>
+        <pc:spChg chg="add mod">
+          <ac:chgData name="Nicholas Forte" userId="831f5f1da6d5c7f7" providerId="LiveId" clId="{6D595190-088A-4964-8626-DDED55805BB4}" dt="2020-10-21T19:03:23.240" v="443" actId="1076"/>
+          <ac:spMkLst>
+            <pc:docMk/>
+            <pc:sldMk cId="1062914862" sldId="278"/>
+            <ac:spMk id="123" creationId="{5C22EC7C-F05A-4B39-8ACA-9F89977D4028}"/>
+          </ac:spMkLst>
+        </pc:spChg>
+        <pc:spChg chg="add mod">
+          <ac:chgData name="Nicholas Forte" userId="831f5f1da6d5c7f7" providerId="LiveId" clId="{6D595190-088A-4964-8626-DDED55805BB4}" dt="2020-10-21T19:03:19.841" v="442" actId="1076"/>
+          <ac:spMkLst>
+            <pc:docMk/>
+            <pc:sldMk cId="1062914862" sldId="278"/>
+            <ac:spMk id="125" creationId="{FAAB1FD8-120F-4A52-80D0-993C32004C62}"/>
+          </ac:spMkLst>
+        </pc:spChg>
+        <pc:spChg chg="add mod">
+          <ac:chgData name="Nicholas Forte" userId="831f5f1da6d5c7f7" providerId="LiveId" clId="{6D595190-088A-4964-8626-DDED55805BB4}" dt="2020-10-21T19:06:35.408" v="497" actId="20577"/>
+          <ac:spMkLst>
+            <pc:docMk/>
+            <pc:sldMk cId="1062914862" sldId="278"/>
+            <ac:spMk id="127" creationId="{08A28F75-A997-4259-AA34-9CFED7713714}"/>
+          </ac:spMkLst>
+        </pc:spChg>
+        <pc:spChg chg="add del">
+          <ac:chgData name="Nicholas Forte" userId="831f5f1da6d5c7f7" providerId="LiveId" clId="{6D595190-088A-4964-8626-DDED55805BB4}" dt="2020-10-21T19:05:17.425" v="462" actId="478"/>
+          <ac:spMkLst>
+            <pc:docMk/>
+            <pc:sldMk cId="1062914862" sldId="278"/>
+            <ac:spMk id="133" creationId="{4EBA512B-62A4-49B9-8326-C2644C693812}"/>
+          </ac:spMkLst>
+        </pc:spChg>
+        <pc:picChg chg="add del mod">
+          <ac:chgData name="Nicholas Forte" userId="831f5f1da6d5c7f7" providerId="LiveId" clId="{6D595190-088A-4964-8626-DDED55805BB4}" dt="2020-10-21T19:04:44.775" v="460" actId="478"/>
+          <ac:picMkLst>
+            <pc:docMk/>
+            <pc:sldMk cId="1062914862" sldId="278"/>
+            <ac:picMk id="7" creationId="{CCFF807F-150D-457E-8C8D-F5BCDD759FAB}"/>
+          </ac:picMkLst>
+        </pc:picChg>
+        <pc:picChg chg="mod">
+          <ac:chgData name="Nicholas Forte" userId="831f5f1da6d5c7f7" providerId="LiveId" clId="{6D595190-088A-4964-8626-DDED55805BB4}" dt="2020-10-21T19:05:55.558" v="471" actId="1076"/>
+          <ac:picMkLst>
+            <pc:docMk/>
+            <pc:sldMk cId="1062914862" sldId="278"/>
+            <ac:picMk id="12" creationId="{F53F3E8B-9E73-4853-A539-5F262846759F}"/>
+          </ac:picMkLst>
+        </pc:picChg>
+        <pc:picChg chg="add del mod">
+          <ac:chgData name="Nicholas Forte" userId="831f5f1da6d5c7f7" providerId="LiveId" clId="{6D595190-088A-4964-8626-DDED55805BB4}" dt="2020-10-21T18:14:02.518" v="78" actId="22"/>
+          <ac:picMkLst>
+            <pc:docMk/>
+            <pc:sldMk cId="1062914862" sldId="278"/>
+            <ac:picMk id="24" creationId="{DCE99BED-DFE4-47F9-A971-EAD980CBD0A1}"/>
+          </ac:picMkLst>
+        </pc:picChg>
+        <pc:picChg chg="add del mod">
+          <ac:chgData name="Nicholas Forte" userId="831f5f1da6d5c7f7" providerId="LiveId" clId="{6D595190-088A-4964-8626-DDED55805BB4}" dt="2020-10-21T18:19:04.537" v="101" actId="478"/>
+          <ac:picMkLst>
+            <pc:docMk/>
+            <pc:sldMk cId="1062914862" sldId="278"/>
+            <ac:picMk id="25" creationId="{68FA26E7-1379-4A60-8AC6-3D8AB339F3A1}"/>
+          </ac:picMkLst>
+        </pc:picChg>
+        <pc:picChg chg="add mod">
+          <ac:chgData name="Nicholas Forte" userId="831f5f1da6d5c7f7" providerId="LiveId" clId="{6D595190-088A-4964-8626-DDED55805BB4}" dt="2020-10-21T19:02:16.215" v="404" actId="1076"/>
+          <ac:picMkLst>
+            <pc:docMk/>
+            <pc:sldMk cId="1062914862" sldId="278"/>
+            <ac:picMk id="27" creationId="{F65172A2-5BEE-4656-AC9A-EBC8AFBEED3E}"/>
+          </ac:picMkLst>
+        </pc:picChg>
+        <pc:picChg chg="add mod">
+          <ac:chgData name="Nicholas Forte" userId="831f5f1da6d5c7f7" providerId="LiveId" clId="{6D595190-088A-4964-8626-DDED55805BB4}" dt="2020-10-21T19:03:38.640" v="444" actId="1076"/>
+          <ac:picMkLst>
+            <pc:docMk/>
+            <pc:sldMk cId="1062914862" sldId="278"/>
+            <ac:picMk id="30" creationId="{8EC21F62-053D-4F9C-AC20-FC7DD653E3AB}"/>
+          </ac:picMkLst>
+        </pc:picChg>
+        <pc:picChg chg="add mod">
+          <ac:chgData name="Nicholas Forte" userId="831f5f1da6d5c7f7" providerId="LiveId" clId="{6D595190-088A-4964-8626-DDED55805BB4}" dt="2020-10-21T19:03:57.182" v="449" actId="1076"/>
+          <ac:picMkLst>
+            <pc:docMk/>
+            <pc:sldMk cId="1062914862" sldId="278"/>
+            <ac:picMk id="32" creationId="{A352115E-78A9-4D5F-8100-E63DBBB3F24C}"/>
+          </ac:picMkLst>
+        </pc:picChg>
+        <pc:picChg chg="add del mod">
+          <ac:chgData name="Nicholas Forte" userId="831f5f1da6d5c7f7" providerId="LiveId" clId="{6D595190-088A-4964-8626-DDED55805BB4}" dt="2020-10-21T18:33:44.070" v="158" actId="478"/>
+          <ac:picMkLst>
+            <pc:docMk/>
+            <pc:sldMk cId="1062914862" sldId="278"/>
+            <ac:picMk id="35" creationId="{20290757-9D3C-40FB-86F4-B772D4598CC5}"/>
+          </ac:picMkLst>
+        </pc:picChg>
+        <pc:picChg chg="add del">
+          <ac:chgData name="Nicholas Forte" userId="831f5f1da6d5c7f7" providerId="LiveId" clId="{6D595190-088A-4964-8626-DDED55805BB4}" dt="2020-10-21T18:21:50.219" v="130" actId="22"/>
+          <ac:picMkLst>
+            <pc:docMk/>
+            <pc:sldMk cId="1062914862" sldId="278"/>
+            <ac:picMk id="38" creationId="{99793BA1-22BD-4EF2-BEA2-B62C64CB7DB4}"/>
+          </ac:picMkLst>
+        </pc:picChg>
+        <pc:picChg chg="add del mod">
+          <ac:chgData name="Nicholas Forte" userId="831f5f1da6d5c7f7" providerId="LiveId" clId="{6D595190-088A-4964-8626-DDED55805BB4}" dt="2020-10-21T18:44:26.164" v="227" actId="478"/>
+          <ac:picMkLst>
+            <pc:docMk/>
+            <pc:sldMk cId="1062914862" sldId="278"/>
+            <ac:picMk id="41" creationId="{40475663-BE97-4EB1-9684-D2A68F77FD8D}"/>
+          </ac:picMkLst>
+        </pc:picChg>
+        <pc:picChg chg="add mod">
+          <ac:chgData name="Nicholas Forte" userId="831f5f1da6d5c7f7" providerId="LiveId" clId="{6D595190-088A-4964-8626-DDED55805BB4}" dt="2020-10-21T19:02:25.246" v="406" actId="1076"/>
+          <ac:picMkLst>
+            <pc:docMk/>
+            <pc:sldMk cId="1062914862" sldId="278"/>
+            <ac:picMk id="42" creationId="{89324427-76E9-472B-B0F4-6B60C38016D7}"/>
+          </ac:picMkLst>
+        </pc:picChg>
+        <pc:picChg chg="add mod">
+          <ac:chgData name="Nicholas Forte" userId="831f5f1da6d5c7f7" providerId="LiveId" clId="{6D595190-088A-4964-8626-DDED55805BB4}" dt="2020-10-21T18:46:06.978" v="253" actId="1076"/>
+          <ac:picMkLst>
+            <pc:docMk/>
+            <pc:sldMk cId="1062914862" sldId="278"/>
+            <ac:picMk id="43" creationId="{DA1AC326-F20D-4679-BAE8-76089561CF0E}"/>
+          </ac:picMkLst>
+        </pc:picChg>
+        <pc:picChg chg="add mod">
+          <ac:chgData name="Nicholas Forte" userId="831f5f1da6d5c7f7" providerId="LiveId" clId="{6D595190-088A-4964-8626-DDED55805BB4}" dt="2020-10-21T18:54:09.808" v="334" actId="1076"/>
+          <ac:picMkLst>
+            <pc:docMk/>
+            <pc:sldMk cId="1062914862" sldId="278"/>
+            <ac:picMk id="50" creationId="{BE814B44-8576-4E22-9560-521FB34D45EE}"/>
+          </ac:picMkLst>
+        </pc:picChg>
+        <pc:picChg chg="mod">
+          <ac:chgData name="Nicholas Forte" userId="831f5f1da6d5c7f7" providerId="LiveId" clId="{6D595190-088A-4964-8626-DDED55805BB4}" dt="2020-10-21T19:05:50.871" v="469" actId="14100"/>
+          <ac:picMkLst>
+            <pc:docMk/>
+            <pc:sldMk cId="1062914862" sldId="278"/>
+            <ac:picMk id="51" creationId="{67D1E393-7ACD-4664-A0DF-9D2C668C30BC}"/>
+          </ac:picMkLst>
+        </pc:picChg>
+        <pc:picChg chg="add mod">
+          <ac:chgData name="Nicholas Forte" userId="831f5f1da6d5c7f7" providerId="LiveId" clId="{6D595190-088A-4964-8626-DDED55805BB4}" dt="2020-10-21T18:47:13.829" v="262" actId="1076"/>
+          <ac:picMkLst>
+            <pc:docMk/>
+            <pc:sldMk cId="1062914862" sldId="278"/>
+            <ac:picMk id="52" creationId="{D2AD0E03-891D-425D-9B1E-0E1A0E5BE0D1}"/>
+          </ac:picMkLst>
+        </pc:picChg>
+        <pc:picChg chg="add mod">
+          <ac:chgData name="Nicholas Forte" userId="831f5f1da6d5c7f7" providerId="LiveId" clId="{6D595190-088A-4964-8626-DDED55805BB4}" dt="2020-10-21T18:48:08.482" v="264" actId="1076"/>
+          <ac:picMkLst>
+            <pc:docMk/>
+            <pc:sldMk cId="1062914862" sldId="278"/>
+            <ac:picMk id="53" creationId="{EFA343AF-DC54-4589-ABA2-BBA541E12DA5}"/>
+          </ac:picMkLst>
+        </pc:picChg>
+        <pc:picChg chg="mod">
+          <ac:chgData name="Nicholas Forte" userId="831f5f1da6d5c7f7" providerId="LiveId" clId="{6D595190-088A-4964-8626-DDED55805BB4}" dt="2020-10-21T19:06:46.110" v="498" actId="1076"/>
+          <ac:picMkLst>
+            <pc:docMk/>
+            <pc:sldMk cId="1062914862" sldId="278"/>
+            <ac:picMk id="54" creationId="{B58826A4-1266-4753-90A2-BFE662E95F79}"/>
+          </ac:picMkLst>
+        </pc:picChg>
+        <pc:picChg chg="mod">
+          <ac:chgData name="Nicholas Forte" userId="831f5f1da6d5c7f7" providerId="LiveId" clId="{6D595190-088A-4964-8626-DDED55805BB4}" dt="2020-10-21T19:06:49.638" v="499" actId="1076"/>
+          <ac:picMkLst>
+            <pc:docMk/>
+            <pc:sldMk cId="1062914862" sldId="278"/>
+            <ac:picMk id="67" creationId="{AC716B62-51A7-4569-AA3A-2DEF316945AC}"/>
+          </ac:picMkLst>
+        </pc:picChg>
+        <pc:picChg chg="add del mod">
+          <ac:chgData name="Nicholas Forte" userId="831f5f1da6d5c7f7" providerId="LiveId" clId="{6D595190-088A-4964-8626-DDED55805BB4}" dt="2020-10-21T18:37:13.659" v="192" actId="478"/>
+          <ac:picMkLst>
+            <pc:docMk/>
+            <pc:sldMk cId="1062914862" sldId="278"/>
+            <ac:picMk id="75" creationId="{55CA1089-7222-4C3F-8F10-8245C2925803}"/>
+          </ac:picMkLst>
+        </pc:picChg>
+        <pc:picChg chg="add del mod">
+          <ac:chgData name="Nicholas Forte" userId="831f5f1da6d5c7f7" providerId="LiveId" clId="{6D595190-088A-4964-8626-DDED55805BB4}" dt="2020-10-21T18:37:12.548" v="190" actId="478"/>
+          <ac:picMkLst>
+            <pc:docMk/>
+            <pc:sldMk cId="1062914862" sldId="278"/>
+            <ac:picMk id="76" creationId="{243B5707-2364-497B-882C-E3A7B38ED752}"/>
+          </ac:picMkLst>
+        </pc:picChg>
+        <pc:picChg chg="add del mod">
+          <ac:chgData name="Nicholas Forte" userId="831f5f1da6d5c7f7" providerId="LiveId" clId="{6D595190-088A-4964-8626-DDED55805BB4}" dt="2020-10-21T18:37:13.125" v="191" actId="478"/>
+          <ac:picMkLst>
+            <pc:docMk/>
+            <pc:sldMk cId="1062914862" sldId="278"/>
+            <ac:picMk id="77" creationId="{77F499BC-D52D-4B89-9C60-3AD4B051E435}"/>
+          </ac:picMkLst>
+        </pc:picChg>
+        <pc:picChg chg="add mod">
+          <ac:chgData name="Nicholas Forte" userId="831f5f1da6d5c7f7" providerId="LiveId" clId="{6D595190-088A-4964-8626-DDED55805BB4}" dt="2020-10-21T19:05:46.895" v="468" actId="1076"/>
+          <ac:picMkLst>
+            <pc:docMk/>
+            <pc:sldMk cId="1062914862" sldId="278"/>
+            <ac:picMk id="126" creationId="{BCC59C9D-E053-443B-AD21-3C3F486AA8FD}"/>
+          </ac:picMkLst>
+        </pc:picChg>
+        <pc:picChg chg="del mod">
+          <ac:chgData name="Nicholas Forte" userId="831f5f1da6d5c7f7" providerId="LiveId" clId="{6D595190-088A-4964-8626-DDED55805BB4}" dt="2020-10-21T18:39:36.991" v="203" actId="21"/>
+          <ac:picMkLst>
+            <pc:docMk/>
+            <pc:sldMk cId="1062914862" sldId="278"/>
+            <ac:picMk id="1028" creationId="{AB26BD02-2D83-4DEB-A0D2-96A978FE42D6}"/>
+          </ac:picMkLst>
+        </pc:picChg>
+        <pc:picChg chg="add del mod">
+          <ac:chgData name="Nicholas Forte" userId="831f5f1da6d5c7f7" providerId="LiveId" clId="{6D595190-088A-4964-8626-DDED55805BB4}" dt="2020-10-21T18:52:56.913" v="315" actId="1076"/>
+          <ac:picMkLst>
+            <pc:docMk/>
+            <pc:sldMk cId="1062914862" sldId="278"/>
+            <ac:picMk id="1032" creationId="{D017606B-BBB8-4203-BF36-3E62A8BBD834}"/>
+          </ac:picMkLst>
+        </pc:picChg>
+        <pc:picChg chg="add del">
+          <ac:chgData name="Nicholas Forte" userId="831f5f1da6d5c7f7" providerId="LiveId" clId="{6D595190-088A-4964-8626-DDED55805BB4}" dt="2020-10-21T18:04:37.751" v="6" actId="478"/>
+          <ac:picMkLst>
+            <pc:docMk/>
+            <pc:sldMk cId="1062914862" sldId="278"/>
+            <ac:picMk id="1034" creationId="{19D98CB1-FC62-43F0-92C9-802E1177CDF8}"/>
+          </ac:picMkLst>
+        </pc:picChg>
+        <pc:picChg chg="add del mod">
+          <ac:chgData name="Nicholas Forte" userId="831f5f1da6d5c7f7" providerId="LiveId" clId="{6D595190-088A-4964-8626-DDED55805BB4}" dt="2020-10-21T18:19:15.252" v="105" actId="21"/>
+          <ac:picMkLst>
+            <pc:docMk/>
+            <pc:sldMk cId="1062914862" sldId="278"/>
+            <ac:picMk id="1048" creationId="{00E9B902-01F5-4FE0-A9AC-34063B902155}"/>
+          </ac:picMkLst>
+        </pc:picChg>
+        <pc:picChg chg="del">
+          <ac:chgData name="Nicholas Forte" userId="831f5f1da6d5c7f7" providerId="LiveId" clId="{6D595190-088A-4964-8626-DDED55805BB4}" dt="2020-10-21T19:04:07.567" v="450" actId="478"/>
+          <ac:picMkLst>
+            <pc:docMk/>
+            <pc:sldMk cId="1062914862" sldId="278"/>
+            <ac:picMk id="1054" creationId="{E3FC71E9-DD4C-4A52-A58A-0B1BB6E90F99}"/>
+          </ac:picMkLst>
+        </pc:picChg>
+        <pc:cxnChg chg="mod">
+          <ac:chgData name="Nicholas Forte" userId="831f5f1da6d5c7f7" providerId="LiveId" clId="{6D595190-088A-4964-8626-DDED55805BB4}" dt="2020-10-21T18:54:21.714" v="335" actId="1076"/>
+          <ac:cxnSpMkLst>
+            <pc:docMk/>
+            <pc:sldMk cId="1062914862" sldId="278"/>
+            <ac:cxnSpMk id="6" creationId="{DF56E290-B842-47E4-BD61-E6E5BDA94C1A}"/>
+          </ac:cxnSpMkLst>
+        </pc:cxnChg>
+        <pc:cxnChg chg="add mod">
+          <ac:chgData name="Nicholas Forte" userId="831f5f1da6d5c7f7" providerId="LiveId" clId="{6D595190-088A-4964-8626-DDED55805BB4}" dt="2020-10-21T18:06:20.102" v="28" actId="1076"/>
+          <ac:cxnSpMkLst>
+            <pc:docMk/>
+            <pc:sldMk cId="1062914862" sldId="278"/>
+            <ac:cxnSpMk id="14" creationId="{4EC207A8-66C2-49F8-9A7F-62746C126C94}"/>
+          </ac:cxnSpMkLst>
+        </pc:cxnChg>
+        <pc:cxnChg chg="mod">
+          <ac:chgData name="Nicholas Forte" userId="831f5f1da6d5c7f7" providerId="LiveId" clId="{6D595190-088A-4964-8626-DDED55805BB4}" dt="2020-10-21T18:53:03.131" v="317" actId="1076"/>
+          <ac:cxnSpMkLst>
+            <pc:docMk/>
+            <pc:sldMk cId="1062914862" sldId="278"/>
+            <ac:cxnSpMk id="17" creationId="{065498B4-F18E-47F8-BB12-8B0512380D3F}"/>
+          </ac:cxnSpMkLst>
+        </pc:cxnChg>
+        <pc:cxnChg chg="mod">
+          <ac:chgData name="Nicholas Forte" userId="831f5f1da6d5c7f7" providerId="LiveId" clId="{6D595190-088A-4964-8626-DDED55805BB4}" dt="2020-10-21T19:05:52.208" v="470" actId="1076"/>
+          <ac:cxnSpMkLst>
+            <pc:docMk/>
+            <pc:sldMk cId="1062914862" sldId="278"/>
+            <ac:cxnSpMk id="40" creationId="{64811F3B-6639-44CB-9F04-DDCDE3EA2BE1}"/>
+          </ac:cxnSpMkLst>
+        </pc:cxnChg>
+        <pc:cxnChg chg="add del mod">
+          <ac:chgData name="Nicholas Forte" userId="831f5f1da6d5c7f7" providerId="LiveId" clId="{6D595190-088A-4964-8626-DDED55805BB4}" dt="2020-10-21T18:33:50.079" v="159" actId="478"/>
+          <ac:cxnSpMkLst>
+            <pc:docMk/>
+            <pc:sldMk cId="1062914862" sldId="278"/>
+            <ac:cxnSpMk id="61" creationId="{55ECA5D8-9C3C-4E63-AF49-4C12759A56B5}"/>
+          </ac:cxnSpMkLst>
+        </pc:cxnChg>
+        <pc:cxnChg chg="add del mod">
+          <ac:chgData name="Nicholas Forte" userId="831f5f1da6d5c7f7" providerId="LiveId" clId="{6D595190-088A-4964-8626-DDED55805BB4}" dt="2020-10-21T18:46:02.852" v="252" actId="478"/>
+          <ac:cxnSpMkLst>
+            <pc:docMk/>
+            <pc:sldMk cId="1062914862" sldId="278"/>
+            <ac:cxnSpMk id="86" creationId="{AAE2D040-E402-4895-BE62-0B342B6700C4}"/>
+          </ac:cxnSpMkLst>
+        </pc:cxnChg>
+        <pc:cxnChg chg="add del mod">
+          <ac:chgData name="Nicholas Forte" userId="831f5f1da6d5c7f7" providerId="LiveId" clId="{6D595190-088A-4964-8626-DDED55805BB4}" dt="2020-10-21T18:46:01.836" v="251" actId="478"/>
+          <ac:cxnSpMkLst>
+            <pc:docMk/>
+            <pc:sldMk cId="1062914862" sldId="278"/>
+            <ac:cxnSpMk id="87" creationId="{0256449A-4199-4311-9CE7-9E77A23E657F}"/>
+          </ac:cxnSpMkLst>
+        </pc:cxnChg>
+        <pc:cxnChg chg="add del mod">
+          <ac:chgData name="Nicholas Forte" userId="831f5f1da6d5c7f7" providerId="LiveId" clId="{6D595190-088A-4964-8626-DDED55805BB4}" dt="2020-10-21T18:57:45.298" v="366" actId="478"/>
+          <ac:cxnSpMkLst>
+            <pc:docMk/>
+            <pc:sldMk cId="1062914862" sldId="278"/>
+            <ac:cxnSpMk id="95" creationId="{1157EA63-29E9-4581-B7D3-D8996182906D}"/>
+          </ac:cxnSpMkLst>
+        </pc:cxnChg>
+        <pc:cxnChg chg="add del">
+          <ac:chgData name="Nicholas Forte" userId="831f5f1da6d5c7f7" providerId="LiveId" clId="{6D595190-088A-4964-8626-DDED55805BB4}" dt="2020-10-21T18:57:30.796" v="364" actId="478"/>
+          <ac:cxnSpMkLst>
+            <pc:docMk/>
+            <pc:sldMk cId="1062914862" sldId="278"/>
+            <ac:cxnSpMk id="107" creationId="{790CB1EC-7A72-4939-A127-8A75ABCD065F}"/>
+          </ac:cxnSpMkLst>
+        </pc:cxnChg>
+        <pc:cxnChg chg="add mod">
+          <ac:chgData name="Nicholas Forte" userId="831f5f1da6d5c7f7" providerId="LiveId" clId="{6D595190-088A-4964-8626-DDED55805BB4}" dt="2020-10-21T19:02:37.736" v="408" actId="14100"/>
+          <ac:cxnSpMkLst>
+            <pc:docMk/>
+            <pc:sldMk cId="1062914862" sldId="278"/>
+            <ac:cxnSpMk id="109" creationId="{7EA47EB7-AB21-4156-9D64-4AC6859F5F3B}"/>
+          </ac:cxnSpMkLst>
+        </pc:cxnChg>
+        <pc:cxnChg chg="add mod">
+          <ac:chgData name="Nicholas Forte" userId="831f5f1da6d5c7f7" providerId="LiveId" clId="{6D595190-088A-4964-8626-DDED55805BB4}" dt="2020-10-21T19:02:16.215" v="404" actId="1076"/>
+          <ac:cxnSpMkLst>
+            <pc:docMk/>
+            <pc:sldMk cId="1062914862" sldId="278"/>
+            <ac:cxnSpMk id="111" creationId="{65B0311C-3F10-406C-8BE5-B5A5599A5E8F}"/>
+          </ac:cxnSpMkLst>
+        </pc:cxnChg>
+      </pc:sldChg>
+    </pc:docChg>
+  </pc:docChgLst>
   <pc:docChgLst>
     <pc:chgData name="Bruna Brito" userId="b6e662cc8815d3ee" providerId="LiveId" clId="{C68BBA65-789D-40CD-80F4-FF1C821B8B29}"/>
     <pc:docChg chg="custSel modSld">
@@ -722,7 +1186,7 @@
           <a:p>
             <a:fld id="{EB60841A-4D04-44D0-9551-1643E2F32A38}" type="datetimeFigureOut">
               <a:rPr lang="pt-BR" smtClean="0"/>
-              <a:t>17/10/2020</a:t>
+              <a:t>21/10/2020</a:t>
             </a:fld>
             <a:endParaRPr lang="pt-BR"/>
           </a:p>
@@ -920,7 +1384,7 @@
           <a:p>
             <a:fld id="{EB60841A-4D04-44D0-9551-1643E2F32A38}" type="datetimeFigureOut">
               <a:rPr lang="pt-BR" smtClean="0"/>
-              <a:t>17/10/2020</a:t>
+              <a:t>21/10/2020</a:t>
             </a:fld>
             <a:endParaRPr lang="pt-BR"/>
           </a:p>
@@ -1128,7 +1592,7 @@
           <a:p>
             <a:fld id="{EB60841A-4D04-44D0-9551-1643E2F32A38}" type="datetimeFigureOut">
               <a:rPr lang="pt-BR" smtClean="0"/>
-              <a:t>17/10/2020</a:t>
+              <a:t>21/10/2020</a:t>
             </a:fld>
             <a:endParaRPr lang="pt-BR"/>
           </a:p>
@@ -1348,7 +1812,7 @@
           <a:p>
             <a:fld id="{F7EC64ED-7566-42AD-8F25-50CCDA65E5AC}" type="datetimeFigureOut">
               <a:rPr lang="pt-BR" smtClean="0"/>
-              <a:t>17/10/2020</a:t>
+              <a:t>21/10/2020</a:t>
             </a:fld>
             <a:endParaRPr lang="pt-BR"/>
           </a:p>
@@ -1546,7 +2010,7 @@
           <a:p>
             <a:fld id="{EB60841A-4D04-44D0-9551-1643E2F32A38}" type="datetimeFigureOut">
               <a:rPr lang="pt-BR" smtClean="0"/>
-              <a:t>17/10/2020</a:t>
+              <a:t>21/10/2020</a:t>
             </a:fld>
             <a:endParaRPr lang="pt-BR"/>
           </a:p>
@@ -1821,7 +2285,7 @@
           <a:p>
             <a:fld id="{EB60841A-4D04-44D0-9551-1643E2F32A38}" type="datetimeFigureOut">
               <a:rPr lang="pt-BR" smtClean="0"/>
-              <a:t>17/10/2020</a:t>
+              <a:t>21/10/2020</a:t>
             </a:fld>
             <a:endParaRPr lang="pt-BR"/>
           </a:p>
@@ -2086,7 +2550,7 @@
           <a:p>
             <a:fld id="{EB60841A-4D04-44D0-9551-1643E2F32A38}" type="datetimeFigureOut">
               <a:rPr lang="pt-BR" smtClean="0"/>
-              <a:t>17/10/2020</a:t>
+              <a:t>21/10/2020</a:t>
             </a:fld>
             <a:endParaRPr lang="pt-BR"/>
           </a:p>
@@ -2498,7 +2962,7 @@
           <a:p>
             <a:fld id="{EB60841A-4D04-44D0-9551-1643E2F32A38}" type="datetimeFigureOut">
               <a:rPr lang="pt-BR" smtClean="0"/>
-              <a:t>17/10/2020</a:t>
+              <a:t>21/10/2020</a:t>
             </a:fld>
             <a:endParaRPr lang="pt-BR"/>
           </a:p>
@@ -2639,7 +3103,7 @@
           <a:p>
             <a:fld id="{EB60841A-4D04-44D0-9551-1643E2F32A38}" type="datetimeFigureOut">
               <a:rPr lang="pt-BR" smtClean="0"/>
-              <a:t>17/10/2020</a:t>
+              <a:t>21/10/2020</a:t>
             </a:fld>
             <a:endParaRPr lang="pt-BR"/>
           </a:p>
@@ -2752,7 +3216,7 @@
           <a:p>
             <a:fld id="{EB60841A-4D04-44D0-9551-1643E2F32A38}" type="datetimeFigureOut">
               <a:rPr lang="pt-BR" smtClean="0"/>
-              <a:t>17/10/2020</a:t>
+              <a:t>21/10/2020</a:t>
             </a:fld>
             <a:endParaRPr lang="pt-BR"/>
           </a:p>
@@ -3063,7 +3527,7 @@
           <a:p>
             <a:fld id="{EB60841A-4D04-44D0-9551-1643E2F32A38}" type="datetimeFigureOut">
               <a:rPr lang="pt-BR" smtClean="0"/>
-              <a:t>17/10/2020</a:t>
+              <a:t>21/10/2020</a:t>
             </a:fld>
             <a:endParaRPr lang="pt-BR"/>
           </a:p>
@@ -3351,7 +3815,7 @@
           <a:p>
             <a:fld id="{EB60841A-4D04-44D0-9551-1643E2F32A38}" type="datetimeFigureOut">
               <a:rPr lang="pt-BR" smtClean="0"/>
-              <a:t>17/10/2020</a:t>
+              <a:t>21/10/2020</a:t>
             </a:fld>
             <a:endParaRPr lang="pt-BR"/>
           </a:p>
@@ -3592,7 +4056,7 @@
           <a:p>
             <a:fld id="{EB60841A-4D04-44D0-9551-1643E2F32A38}" type="datetimeFigureOut">
               <a:rPr lang="pt-BR" smtClean="0"/>
-              <a:t>17/10/2020</a:t>
+              <a:t>21/10/2020</a:t>
             </a:fld>
             <a:endParaRPr lang="pt-BR"/>
           </a:p>
@@ -4160,7 +4624,7 @@
           <a:p>
             <a:fld id="{F7EC64ED-7566-42AD-8F25-50CCDA65E5AC}" type="datetimeFigureOut">
               <a:rPr lang="pt-BR" smtClean="0"/>
-              <a:t>17/10/2020</a:t>
+              <a:t>21/10/2020</a:t>
             </a:fld>
             <a:endParaRPr lang="pt-BR"/>
           </a:p>
@@ -5576,7 +6040,7 @@
         </p:nvSpPr>
         <p:spPr>
           <a:xfrm>
-            <a:off x="202409" y="3525079"/>
+            <a:off x="155047" y="3719814"/>
             <a:ext cx="6807991" cy="3022224"/>
           </a:xfrm>
           <a:prstGeom prst="roundRect">
@@ -5604,17 +6068,17 @@
           <a:bodyPr rtlCol="0" anchor="ctr"/>
           <a:lstStyle/>
           <a:p>
-            <a:pPr algn="ctr"/>
+            <a:pPr algn="r"/>
             <a:endParaRPr lang="pt-BR" dirty="0"/>
           </a:p>
         </p:txBody>
       </p:sp>
       <p:pic>
         <p:nvPicPr>
-          <p:cNvPr id="1028" name="Picture 4">
-            <a:extLst>
-              <a:ext uri="{FF2B5EF4-FFF2-40B4-BE49-F238E27FC236}">
-                <a16:creationId xmlns:a16="http://schemas.microsoft.com/office/drawing/2014/main" id="{AB26BD02-2D83-4DEB-A0D2-96A978FE42D6}"/>
+          <p:cNvPr id="1032" name="Picture 8" descr="Sensor de Temperatura LM35 - Primeiros Passos - Blog Usinainfo">
+            <a:extLst>
+              <a:ext uri="{FF2B5EF4-FFF2-40B4-BE49-F238E27FC236}">
+                <a16:creationId xmlns:a16="http://schemas.microsoft.com/office/drawing/2014/main" id="{D017606B-BBB8-4203-BF36-3E62A8BBD834}"/>
               </a:ext>
             </a:extLst>
           </p:cNvPr>
@@ -5638,8 +6102,8 @@
         </p:blipFill>
         <p:spPr bwMode="auto">
           <a:xfrm>
-            <a:off x="-77996" y="4262539"/>
-            <a:ext cx="3114676" cy="1814513"/>
+            <a:off x="2215580" y="3850654"/>
+            <a:ext cx="3069942" cy="1989777"/>
           </a:xfrm>
           <a:prstGeom prst="rect">
             <a:avLst/>
@@ -5656,53 +6120,6 @@
           </a:extLst>
         </p:spPr>
       </p:pic>
-      <p:pic>
-        <p:nvPicPr>
-          <p:cNvPr id="1032" name="Picture 8" descr="Sensor de Temperatura LM35 - Primeiros Passos - Blog Usinainfo">
-            <a:extLst>
-              <a:ext uri="{FF2B5EF4-FFF2-40B4-BE49-F238E27FC236}">
-                <a16:creationId xmlns:a16="http://schemas.microsoft.com/office/drawing/2014/main" id="{D017606B-BBB8-4203-BF36-3E62A8BBD834}"/>
-              </a:ext>
-            </a:extLst>
-          </p:cNvPr>
-          <p:cNvPicPr>
-            <a:picLocks noChangeAspect="1" noChangeArrowheads="1"/>
-          </p:cNvPicPr>
-          <p:nvPr/>
-        </p:nvPicPr>
-        <p:blipFill>
-          <a:blip r:embed="rId3">
-            <a:extLst>
-              <a:ext uri="{28A0092B-C50C-407E-A947-70E740481C1C}">
-                <a14:useLocalDpi xmlns:a14="http://schemas.microsoft.com/office/drawing/2010/main" val="0"/>
-              </a:ext>
-            </a:extLst>
-          </a:blip>
-          <a:srcRect/>
-          <a:stretch>
-            <a:fillRect/>
-          </a:stretch>
-        </p:blipFill>
-        <p:spPr bwMode="auto">
-          <a:xfrm>
-            <a:off x="2440676" y="3619185"/>
-            <a:ext cx="4331184" cy="2807249"/>
-          </a:xfrm>
-          <a:prstGeom prst="rect">
-            <a:avLst/>
-          </a:prstGeom>
-          <a:noFill/>
-          <a:extLst>
-            <a:ext uri="{909E8E84-426E-40DD-AFC4-6F175D3DCCD1}">
-              <a14:hiddenFill xmlns:a14="http://schemas.microsoft.com/office/drawing/2010/main">
-                <a:solidFill>
-                  <a:srgbClr val="FFFFFF"/>
-                </a:solidFill>
-              </a14:hiddenFill>
-            </a:ext>
-          </a:extLst>
-        </p:spPr>
-      </p:pic>
       <p:cxnSp>
         <p:nvCxnSpPr>
           <p:cNvPr id="17" name="Conector: Angulado 16">
@@ -5719,7 +6136,7 @@
         </p:nvCxnSpPr>
         <p:spPr>
           <a:xfrm rot="10800000">
-            <a:off x="2440677" y="4863781"/>
+            <a:off x="1433923" y="4724514"/>
             <a:ext cx="1830193" cy="159028"/>
           </a:xfrm>
           <a:prstGeom prst="bentConnector3">
@@ -5760,8 +6177,8 @@
         </p:nvSpPr>
         <p:spPr>
           <a:xfrm>
-            <a:off x="2664392" y="3686928"/>
-            <a:ext cx="2057953" cy="1200329"/>
+            <a:off x="1058642" y="3779431"/>
+            <a:ext cx="2739922" cy="923330"/>
           </a:xfrm>
           <a:prstGeom prst="rect">
             <a:avLst/>
@@ -5774,7 +6191,7 @@
           </a:bodyPr>
           <a:lstStyle/>
           <a:p>
-            <a:pPr algn="ctr"/>
+            <a:pPr algn="r"/>
             <a:r>
               <a:rPr lang="pt-BR" dirty="0"/>
               <a:t>Placa uno integrada com sensor LM35 instalada no container</a:t>
@@ -5834,8 +6251,8 @@
         </p:nvSpPr>
         <p:spPr>
           <a:xfrm>
-            <a:off x="7587052" y="570124"/>
-            <a:ext cx="4115069" cy="2596601"/>
+            <a:off x="7587053" y="570124"/>
+            <a:ext cx="4022904" cy="2596601"/>
           </a:xfrm>
           <a:prstGeom prst="roundRect">
             <a:avLst/>
@@ -5867,74 +6284,27 @@
           </a:p>
         </p:txBody>
       </p:sp>
-      <p:pic>
-        <p:nvPicPr>
-          <p:cNvPr id="1048" name="Picture 24">
-            <a:extLst>
-              <a:ext uri="{FF2B5EF4-FFF2-40B4-BE49-F238E27FC236}">
-                <a16:creationId xmlns:a16="http://schemas.microsoft.com/office/drawing/2014/main" id="{00E9B902-01F5-4FE0-A9AC-34063B902155}"/>
-              </a:ext>
-            </a:extLst>
-          </p:cNvPr>
-          <p:cNvPicPr>
-            <a:picLocks noChangeAspect="1" noChangeArrowheads="1"/>
-          </p:cNvPicPr>
+      <p:sp>
+        <p:nvSpPr>
+          <p:cNvPr id="26" name="CaixaDeTexto 25">
+            <a:extLst>
+              <a:ext uri="{FF2B5EF4-FFF2-40B4-BE49-F238E27FC236}">
+                <a16:creationId xmlns:a16="http://schemas.microsoft.com/office/drawing/2014/main" id="{A27EF95B-2AEE-4682-B8D0-AF2C76BD6A7C}"/>
+              </a:ext>
+            </a:extLst>
+          </p:cNvPr>
+          <p:cNvSpPr txBox="1"/>
           <p:nvPr/>
-        </p:nvPicPr>
-        <p:blipFill>
-          <a:blip r:embed="rId4">
-            <a:extLst>
-              <a:ext uri="{28A0092B-C50C-407E-A947-70E740481C1C}">
-                <a14:useLocalDpi xmlns:a14="http://schemas.microsoft.com/office/drawing/2010/main" val="0"/>
-              </a:ext>
-            </a:extLst>
-          </a:blip>
-          <a:srcRect/>
-          <a:stretch>
-            <a:fillRect/>
-          </a:stretch>
-        </p:blipFill>
-        <p:spPr bwMode="auto">
-          <a:xfrm>
-            <a:off x="1760478" y="3887119"/>
-            <a:ext cx="729636" cy="496556"/>
+        </p:nvSpPr>
+        <p:spPr>
+          <a:xfrm>
+            <a:off x="2894039" y="769161"/>
+            <a:ext cx="2388588" cy="2431435"/>
           </a:xfrm>
           <a:prstGeom prst="rect">
             <a:avLst/>
           </a:prstGeom>
           <a:noFill/>
-          <a:extLst>
-            <a:ext uri="{909E8E84-426E-40DD-AFC4-6F175D3DCCD1}">
-              <a14:hiddenFill xmlns:a14="http://schemas.microsoft.com/office/drawing/2010/main">
-                <a:solidFill>
-                  <a:srgbClr val="FFFFFF"/>
-                </a:solidFill>
-              </a14:hiddenFill>
-            </a:ext>
-          </a:extLst>
-        </p:spPr>
-      </p:pic>
-      <p:sp>
-        <p:nvSpPr>
-          <p:cNvPr id="26" name="CaixaDeTexto 25">
-            <a:extLst>
-              <a:ext uri="{FF2B5EF4-FFF2-40B4-BE49-F238E27FC236}">
-                <a16:creationId xmlns:a16="http://schemas.microsoft.com/office/drawing/2014/main" id="{A27EF95B-2AEE-4682-B8D0-AF2C76BD6A7C}"/>
-              </a:ext>
-            </a:extLst>
-          </p:cNvPr>
-          <p:cNvSpPr txBox="1"/>
-          <p:nvPr/>
-        </p:nvSpPr>
-        <p:spPr>
-          <a:xfrm>
-            <a:off x="2894039" y="769161"/>
-            <a:ext cx="2388588" cy="2431435"/>
-          </a:xfrm>
-          <a:prstGeom prst="rect">
-            <a:avLst/>
-          </a:prstGeom>
-          <a:noFill/>
         </p:spPr>
         <p:txBody>
           <a:bodyPr wrap="square" lIns="91440" tIns="45720" rIns="91440" bIns="45720" rtlCol="0" anchor="t">
@@ -5979,7 +6349,7 @@
         </p:nvSpPr>
         <p:spPr>
           <a:xfrm>
-            <a:off x="5247763" y="6230988"/>
+            <a:off x="4041392" y="5890005"/>
             <a:ext cx="2743199" cy="369332"/>
           </a:xfrm>
           <a:prstGeom prst="rect">
@@ -6001,7 +6371,7 @@
               <a:rPr lang="en-US" dirty="0">
                 <a:cs typeface="Calibri"/>
               </a:rPr>
-              <a:t>Protobar</a:t>
+              <a:t>Protoboard</a:t>
             </a:r>
           </a:p>
         </p:txBody>
@@ -6020,7 +6390,7 @@
         </p:nvCxnSpPr>
         <p:spPr>
           <a:xfrm flipH="1" flipV="1">
-            <a:off x="5728213" y="6027275"/>
+            <a:off x="4646624" y="5668923"/>
             <a:ext cx="3277" cy="298246"/>
           </a:xfrm>
           <a:prstGeom prst="straightConnector1">
@@ -6118,7 +6488,7 @@
           <p:nvPr/>
         </p:nvPicPr>
         <p:blipFill>
-          <a:blip r:embed="rId5"/>
+          <a:blip r:embed="rId3"/>
           <a:stretch>
             <a:fillRect/>
           </a:stretch>
@@ -6312,7 +6682,7 @@
           <p:nvPr/>
         </p:nvPicPr>
         <p:blipFill>
-          <a:blip r:embed="rId6">
+          <a:blip r:embed="rId4">
             <a:extLst>
               <a:ext uri="{28A0092B-C50C-407E-A947-70E740481C1C}">
                 <a14:useLocalDpi xmlns:a14="http://schemas.microsoft.com/office/drawing/2010/main" val="0"/>
@@ -6393,7 +6763,7 @@
         </p:nvSpPr>
         <p:spPr>
           <a:xfrm>
-            <a:off x="9230904" y="536033"/>
+            <a:off x="9226195" y="746771"/>
             <a:ext cx="1139094" cy="400110"/>
           </a:xfrm>
           <a:prstGeom prst="rect">
@@ -6429,7 +6799,7 @@
           <p:nvPr/>
         </p:nvPicPr>
         <p:blipFill>
-          <a:blip r:embed="rId7">
+          <a:blip r:embed="rId5">
             <a:extLst>
               <a:ext uri="{28A0092B-C50C-407E-A947-70E740481C1C}">
                 <a14:useLocalDpi xmlns:a14="http://schemas.microsoft.com/office/drawing/2010/main" val="0"/>
@@ -6476,7 +6846,7 @@
           <p:nvPr/>
         </p:nvPicPr>
         <p:blipFill>
-          <a:blip r:embed="rId8">
+          <a:blip r:embed="rId6">
             <a:extLst>
               <a:ext uri="{28A0092B-C50C-407E-A947-70E740481C1C}">
                 <a14:useLocalDpi xmlns:a14="http://schemas.microsoft.com/office/drawing/2010/main" val="0"/>
@@ -6523,7 +6893,7 @@
           <p:nvPr/>
         </p:nvPicPr>
         <p:blipFill>
-          <a:blip r:embed="rId9">
+          <a:blip r:embed="rId7">
             <a:extLst>
               <a:ext uri="{28A0092B-C50C-407E-A947-70E740481C1C}">
                 <a14:useLocalDpi xmlns:a14="http://schemas.microsoft.com/office/drawing/2010/main" val="0"/>
@@ -6537,55 +6907,8 @@
         </p:blipFill>
         <p:spPr bwMode="auto">
           <a:xfrm>
-            <a:off x="1617342" y="1765963"/>
+            <a:off x="1729635" y="1792580"/>
             <a:ext cx="474146" cy="465525"/>
-          </a:xfrm>
-          <a:prstGeom prst="rect">
-            <a:avLst/>
-          </a:prstGeom>
-          <a:noFill/>
-          <a:extLst>
-            <a:ext uri="{909E8E84-426E-40DD-AFC4-6F175D3DCCD1}">
-              <a14:hiddenFill xmlns:a14="http://schemas.microsoft.com/office/drawing/2010/main">
-                <a:solidFill>
-                  <a:srgbClr val="FFFFFF"/>
-                </a:solidFill>
-              </a14:hiddenFill>
-            </a:ext>
-          </a:extLst>
-        </p:spPr>
-      </p:pic>
-      <p:pic>
-        <p:nvPicPr>
-          <p:cNvPr id="1034" name="Picture 10">
-            <a:extLst>
-              <a:ext uri="{FF2B5EF4-FFF2-40B4-BE49-F238E27FC236}">
-                <a16:creationId xmlns:a16="http://schemas.microsoft.com/office/drawing/2014/main" id="{19D98CB1-FC62-43F0-92C9-802E1177CDF8}"/>
-              </a:ext>
-            </a:extLst>
-          </p:cNvPr>
-          <p:cNvPicPr>
-            <a:picLocks noChangeAspect="1" noChangeArrowheads="1"/>
-          </p:cNvPicPr>
-          <p:nvPr/>
-        </p:nvPicPr>
-        <p:blipFill>
-          <a:blip r:embed="rId10">
-            <a:extLst>
-              <a:ext uri="{28A0092B-C50C-407E-A947-70E740481C1C}">
-                <a14:useLocalDpi xmlns:a14="http://schemas.microsoft.com/office/drawing/2010/main" val="0"/>
-              </a:ext>
-            </a:extLst>
-          </a:blip>
-          <a:srcRect/>
-          <a:stretch>
-            <a:fillRect/>
-          </a:stretch>
-        </p:blipFill>
-        <p:spPr bwMode="auto">
-          <a:xfrm>
-            <a:off x="669205" y="1154179"/>
-            <a:ext cx="525952" cy="542918"/>
           </a:xfrm>
           <a:prstGeom prst="rect">
             <a:avLst/>
@@ -6699,7 +7022,7 @@
           <p:nvPr/>
         </p:nvPicPr>
         <p:blipFill>
-          <a:blip r:embed="rId11">
+          <a:blip r:embed="rId8">
             <a:extLst>
               <a:ext uri="{28A0092B-C50C-407E-A947-70E740481C1C}">
                 <a14:useLocalDpi xmlns:a14="http://schemas.microsoft.com/office/drawing/2010/main" val="0"/>
@@ -6713,8 +7036,8 @@
         </p:blipFill>
         <p:spPr bwMode="auto">
           <a:xfrm>
-            <a:off x="1575912" y="1072161"/>
-            <a:ext cx="750020" cy="724921"/>
+            <a:off x="1646888" y="1140763"/>
+            <a:ext cx="679043" cy="656319"/>
           </a:xfrm>
           <a:prstGeom prst="rect">
             <a:avLst/>
@@ -6746,7 +7069,7 @@
         <p:spPr>
           <a:xfrm>
             <a:off x="7727191" y="835643"/>
-            <a:ext cx="3882766" cy="2040924"/>
+            <a:ext cx="3705511" cy="2040924"/>
           </a:xfrm>
           <a:prstGeom prst="rect">
             <a:avLst/>
@@ -6836,14 +7159,13 @@
           </p:cNvPr>
           <p:cNvCxnSpPr>
             <a:cxnSpLocks/>
-            <a:endCxn id="18" idx="3"/>
           </p:cNvCxnSpPr>
           <p:nvPr/>
         </p:nvCxnSpPr>
         <p:spPr>
           <a:xfrm flipH="1" flipV="1">
-            <a:off x="1505380" y="792023"/>
-            <a:ext cx="431182" cy="466890"/>
+            <a:off x="1416708" y="966421"/>
+            <a:ext cx="491922" cy="299591"/>
           </a:xfrm>
           <a:prstGeom prst="straightConnector1">
             <a:avLst/>
@@ -6882,7 +7204,7 @@
           <p:nvPr/>
         </p:nvPicPr>
         <p:blipFill>
-          <a:blip r:embed="rId12">
+          <a:blip r:embed="rId9">
             <a:extLst>
               <a:ext uri="{28A0092B-C50C-407E-A947-70E740481C1C}">
                 <a14:useLocalDpi xmlns:a14="http://schemas.microsoft.com/office/drawing/2010/main" val="0"/>
@@ -6896,7 +7218,7 @@
         </p:blipFill>
         <p:spPr bwMode="auto">
           <a:xfrm>
-            <a:off x="9528160" y="1699757"/>
+            <a:off x="10258459" y="1726559"/>
             <a:ext cx="980379" cy="490190"/>
           </a:xfrm>
           <a:prstGeom prst="rect">
@@ -6929,7 +7251,7 @@
           <p:nvPr/>
         </p:nvPicPr>
         <p:blipFill>
-          <a:blip r:embed="rId13">
+          <a:blip r:embed="rId10">
             <a:extLst>
               <a:ext uri="{28A0092B-C50C-407E-A947-70E740481C1C}">
                 <a14:useLocalDpi xmlns:a14="http://schemas.microsoft.com/office/drawing/2010/main" val="0"/>
@@ -6943,7 +7265,7 @@
         </p:blipFill>
         <p:spPr bwMode="auto">
           <a:xfrm>
-            <a:off x="9351754" y="1241925"/>
+            <a:off x="10179102" y="1259857"/>
             <a:ext cx="1139094" cy="581769"/>
           </a:xfrm>
           <a:prstGeom prst="rect">
@@ -7017,7 +7339,7 @@
           <p:nvPr/>
         </p:nvPicPr>
         <p:blipFill>
-          <a:blip r:embed="rId6">
+          <a:blip r:embed="rId4">
             <a:extLst>
               <a:ext uri="{28A0092B-C50C-407E-A947-70E740481C1C}">
                 <a14:useLocalDpi xmlns:a14="http://schemas.microsoft.com/office/drawing/2010/main" val="0"/>
@@ -7102,7 +7424,7 @@
           <p:nvPr/>
         </p:nvPicPr>
         <p:blipFill>
-          <a:blip r:embed="rId14">
+          <a:blip r:embed="rId11">
             <a:extLst>
               <a:ext uri="{28A0092B-C50C-407E-A947-70E740481C1C}">
                 <a14:useLocalDpi xmlns:a14="http://schemas.microsoft.com/office/drawing/2010/main" val="0"/>
@@ -7149,7 +7471,7 @@
           <p:nvPr/>
         </p:nvPicPr>
         <p:blipFill>
-          <a:blip r:embed="rId15">
+          <a:blip r:embed="rId12">
             <a:extLst>
               <a:ext uri="{28A0092B-C50C-407E-A947-70E740481C1C}">
                 <a14:useLocalDpi xmlns:a14="http://schemas.microsoft.com/office/drawing/2010/main" val="0"/>
@@ -7196,7 +7518,7 @@
           <p:nvPr/>
         </p:nvPicPr>
         <p:blipFill>
-          <a:blip r:embed="rId16">
+          <a:blip r:embed="rId13">
             <a:extLst>
               <a:ext uri="{28A0092B-C50C-407E-A947-70E740481C1C}">
                 <a14:useLocalDpi xmlns:a14="http://schemas.microsoft.com/office/drawing/2010/main" val="0"/>
@@ -7243,7 +7565,7 @@
           <p:nvPr/>
         </p:nvPicPr>
         <p:blipFill>
-          <a:blip r:embed="rId17">
+          <a:blip r:embed="rId14">
             <a:extLst>
               <a:ext uri="{28A0092B-C50C-407E-A947-70E740481C1C}">
                 <a14:useLocalDpi xmlns:a14="http://schemas.microsoft.com/office/drawing/2010/main" val="0"/>
@@ -7275,88 +7597,6 @@
           </a:extLst>
         </p:spPr>
       </p:pic>
-      <p:pic>
-        <p:nvPicPr>
-          <p:cNvPr id="1054" name="Picture 30" descr="Servidor De Banco De Dados Desenho Para Colorir - Ultra Coloring Pages">
-            <a:extLst>
-              <a:ext uri="{FF2B5EF4-FFF2-40B4-BE49-F238E27FC236}">
-                <a16:creationId xmlns:a16="http://schemas.microsoft.com/office/drawing/2014/main" id="{E3FC71E9-DD4C-4A52-A58A-0B1BB6E90F99}"/>
-              </a:ext>
-            </a:extLst>
-          </p:cNvPr>
-          <p:cNvPicPr>
-            <a:picLocks noChangeAspect="1" noChangeArrowheads="1"/>
-          </p:cNvPicPr>
-          <p:nvPr/>
-        </p:nvPicPr>
-        <p:blipFill>
-          <a:blip r:embed="rId18">
-            <a:extLst>
-              <a:ext uri="{28A0092B-C50C-407E-A947-70E740481C1C}">
-                <a14:useLocalDpi xmlns:a14="http://schemas.microsoft.com/office/drawing/2010/main" val="0"/>
-              </a:ext>
-            </a:extLst>
-          </a:blip>
-          <a:srcRect/>
-          <a:stretch>
-            <a:fillRect/>
-          </a:stretch>
-        </p:blipFill>
-        <p:spPr bwMode="auto">
-          <a:xfrm>
-            <a:off x="10648678" y="1066350"/>
-            <a:ext cx="932917" cy="932917"/>
-          </a:xfrm>
-          <a:prstGeom prst="rect">
-            <a:avLst/>
-          </a:prstGeom>
-          <a:noFill/>
-          <a:extLst>
-            <a:ext uri="{909E8E84-426E-40DD-AFC4-6F175D3DCCD1}">
-              <a14:hiddenFill xmlns:a14="http://schemas.microsoft.com/office/drawing/2010/main">
-                <a:solidFill>
-                  <a:srgbClr val="FFFFFF"/>
-                </a:solidFill>
-              </a14:hiddenFill>
-            </a:ext>
-          </a:extLst>
-        </p:spPr>
-      </p:pic>
-      <p:sp>
-        <p:nvSpPr>
-          <p:cNvPr id="74" name="CaixaDeTexto 73">
-            <a:extLst>
-              <a:ext uri="{FF2B5EF4-FFF2-40B4-BE49-F238E27FC236}">
-                <a16:creationId xmlns:a16="http://schemas.microsoft.com/office/drawing/2014/main" id="{A861AF3A-F2C3-4F8A-8FE8-2F92CC920A17}"/>
-              </a:ext>
-            </a:extLst>
-          </p:cNvPr>
-          <p:cNvSpPr txBox="1"/>
-          <p:nvPr/>
-        </p:nvSpPr>
-        <p:spPr>
-          <a:xfrm>
-            <a:off x="10580477" y="2011131"/>
-            <a:ext cx="1385929" cy="646331"/>
-          </a:xfrm>
-          <a:prstGeom prst="rect">
-            <a:avLst/>
-          </a:prstGeom>
-          <a:noFill/>
-        </p:spPr>
-        <p:txBody>
-          <a:bodyPr wrap="square" rtlCol="0">
-            <a:spAutoFit/>
-          </a:bodyPr>
-          <a:lstStyle/>
-          <a:p>
-            <a:r>
-              <a:rPr lang="pt-BR" dirty="0"/>
-              <a:t>Servidor Aplicação</a:t>
-            </a:r>
-          </a:p>
-        </p:txBody>
-      </p:sp>
       <p:sp>
         <p:nvSpPr>
           <p:cNvPr id="80" name="CaixaDeTexto 79">
@@ -7538,6 +7778,855 @@
               <a:t>LLD</a:t>
             </a:r>
             <a:endParaRPr lang="pt-BR" dirty="0"/>
+          </a:p>
+        </p:txBody>
+      </p:sp>
+      <p:sp>
+        <p:nvSpPr>
+          <p:cNvPr id="8" name="CaixaDeTexto 7">
+            <a:extLst>
+              <a:ext uri="{FF2B5EF4-FFF2-40B4-BE49-F238E27FC236}">
+                <a16:creationId xmlns:a16="http://schemas.microsoft.com/office/drawing/2014/main" id="{CF62A685-2C95-48CA-A378-3981BB030814}"/>
+              </a:ext>
+            </a:extLst>
+          </p:cNvPr>
+          <p:cNvSpPr txBox="1"/>
+          <p:nvPr/>
+        </p:nvSpPr>
+        <p:spPr>
+          <a:xfrm>
+            <a:off x="7938399" y="2319033"/>
+            <a:ext cx="1197636" cy="369332"/>
+          </a:xfrm>
+          <a:prstGeom prst="rect">
+            <a:avLst/>
+          </a:prstGeom>
+          <a:noFill/>
+        </p:spPr>
+        <p:txBody>
+          <a:bodyPr wrap="none" rtlCol="0">
+            <a:spAutoFit/>
+          </a:bodyPr>
+          <a:lstStyle/>
+          <a:p>
+            <a:r>
+              <a:rPr lang="pt-BR" dirty="0"/>
+              <a:t>SQL Server</a:t>
+            </a:r>
+          </a:p>
+        </p:txBody>
+      </p:sp>
+      <p:cxnSp>
+        <p:nvCxnSpPr>
+          <p:cNvPr id="14" name="Conector de Seta Reta 13">
+            <a:extLst>
+              <a:ext uri="{FF2B5EF4-FFF2-40B4-BE49-F238E27FC236}">
+                <a16:creationId xmlns:a16="http://schemas.microsoft.com/office/drawing/2014/main" id="{4EC207A8-66C2-49F8-9A7F-62746C126C94}"/>
+              </a:ext>
+            </a:extLst>
+          </p:cNvPr>
+          <p:cNvCxnSpPr/>
+          <p:nvPr/>
+        </p:nvCxnSpPr>
+        <p:spPr>
+          <a:xfrm flipH="1">
+            <a:off x="8657259" y="2189947"/>
+            <a:ext cx="352645" cy="159363"/>
+          </a:xfrm>
+          <a:prstGeom prst="straightConnector1">
+            <a:avLst/>
+          </a:prstGeom>
+          <a:ln>
+            <a:tailEnd type="triangle"/>
+          </a:ln>
+        </p:spPr>
+        <p:style>
+          <a:lnRef idx="1">
+            <a:schemeClr val="accent1"/>
+          </a:lnRef>
+          <a:fillRef idx="0">
+            <a:schemeClr val="accent1"/>
+          </a:fillRef>
+          <a:effectRef idx="0">
+            <a:schemeClr val="accent1"/>
+          </a:effectRef>
+          <a:fontRef idx="minor">
+            <a:schemeClr val="tx1"/>
+          </a:fontRef>
+        </p:style>
+      </p:cxnSp>
+      <p:sp>
+        <p:nvSpPr>
+          <p:cNvPr id="22" name="CaixaDeTexto 21">
+            <a:extLst>
+              <a:ext uri="{FF2B5EF4-FFF2-40B4-BE49-F238E27FC236}">
+                <a16:creationId xmlns:a16="http://schemas.microsoft.com/office/drawing/2014/main" id="{69EF04A8-547A-4587-AEE5-01B6990B65B6}"/>
+              </a:ext>
+            </a:extLst>
+          </p:cNvPr>
+          <p:cNvSpPr txBox="1"/>
+          <p:nvPr/>
+        </p:nvSpPr>
+        <p:spPr>
+          <a:xfrm>
+            <a:off x="6796483" y="2132731"/>
+            <a:ext cx="1155978" cy="461665"/>
+          </a:xfrm>
+          <a:prstGeom prst="rect">
+            <a:avLst/>
+          </a:prstGeom>
+          <a:noFill/>
+        </p:spPr>
+        <p:txBody>
+          <a:bodyPr wrap="square" rtlCol="0">
+            <a:spAutoFit/>
+          </a:bodyPr>
+          <a:lstStyle/>
+          <a:p>
+            <a:r>
+              <a:rPr lang="pt-BR" sz="1200" dirty="0"/>
+              <a:t>Acesso a Internet</a:t>
+            </a:r>
+          </a:p>
+        </p:txBody>
+      </p:sp>
+      <p:pic>
+        <p:nvPicPr>
+          <p:cNvPr id="27" name="Picture 2">
+            <a:extLst>
+              <a:ext uri="{FF2B5EF4-FFF2-40B4-BE49-F238E27FC236}">
+                <a16:creationId xmlns:a16="http://schemas.microsoft.com/office/drawing/2014/main" id="{F65172A2-5BEE-4656-AC9A-EBC8AFBEED3E}"/>
+              </a:ext>
+            </a:extLst>
+          </p:cNvPr>
+          <p:cNvPicPr>
+            <a:picLocks noChangeAspect="1" noChangeArrowheads="1"/>
+          </p:cNvPicPr>
+          <p:nvPr/>
+        </p:nvPicPr>
+        <p:blipFill>
+          <a:blip r:embed="rId5">
+            <a:extLst>
+              <a:ext uri="{28A0092B-C50C-407E-A947-70E740481C1C}">
+                <a14:useLocalDpi xmlns:a14="http://schemas.microsoft.com/office/drawing/2010/main" val="0"/>
+              </a:ext>
+            </a:extLst>
+          </a:blip>
+          <a:srcRect/>
+          <a:stretch>
+            <a:fillRect/>
+          </a:stretch>
+        </p:blipFill>
+        <p:spPr bwMode="auto">
+          <a:xfrm>
+            <a:off x="176490" y="5349496"/>
+            <a:ext cx="1419283" cy="638201"/>
+          </a:xfrm>
+          <a:prstGeom prst="rect">
+            <a:avLst/>
+          </a:prstGeom>
+          <a:noFill/>
+          <a:extLst>
+            <a:ext uri="{909E8E84-426E-40DD-AFC4-6F175D3DCCD1}">
+              <a14:hiddenFill xmlns:a14="http://schemas.microsoft.com/office/drawing/2010/main">
+                <a:solidFill>
+                  <a:srgbClr val="FFFFFF"/>
+                </a:solidFill>
+              </a14:hiddenFill>
+            </a:ext>
+          </a:extLst>
+        </p:spPr>
+      </p:pic>
+      <p:pic>
+        <p:nvPicPr>
+          <p:cNvPr id="30" name="Picture 22" descr="Por que aprender Node.js? 8 Casos reais! – LuizTools">
+            <a:extLst>
+              <a:ext uri="{FF2B5EF4-FFF2-40B4-BE49-F238E27FC236}">
+                <a16:creationId xmlns:a16="http://schemas.microsoft.com/office/drawing/2014/main" id="{8EC21F62-053D-4F9C-AC20-FC7DD653E3AB}"/>
+              </a:ext>
+            </a:extLst>
+          </p:cNvPr>
+          <p:cNvPicPr>
+            <a:picLocks noChangeAspect="1" noChangeArrowheads="1"/>
+          </p:cNvPicPr>
+          <p:nvPr/>
+        </p:nvPicPr>
+        <p:blipFill>
+          <a:blip r:embed="rId9">
+            <a:extLst>
+              <a:ext uri="{28A0092B-C50C-407E-A947-70E740481C1C}">
+                <a14:useLocalDpi xmlns:a14="http://schemas.microsoft.com/office/drawing/2010/main" val="0"/>
+              </a:ext>
+            </a:extLst>
+          </a:blip>
+          <a:srcRect/>
+          <a:stretch>
+            <a:fillRect/>
+          </a:stretch>
+        </p:blipFill>
+        <p:spPr bwMode="auto">
+          <a:xfrm>
+            <a:off x="624046" y="5328672"/>
+            <a:ext cx="567573" cy="283787"/>
+          </a:xfrm>
+          <a:prstGeom prst="rect">
+            <a:avLst/>
+          </a:prstGeom>
+          <a:noFill/>
+          <a:extLst>
+            <a:ext uri="{909E8E84-426E-40DD-AFC4-6F175D3DCCD1}">
+              <a14:hiddenFill xmlns:a14="http://schemas.microsoft.com/office/drawing/2010/main">
+                <a:solidFill>
+                  <a:srgbClr val="FFFFFF"/>
+                </a:solidFill>
+              </a14:hiddenFill>
+            </a:ext>
+          </a:extLst>
+        </p:spPr>
+      </p:pic>
+      <p:pic>
+        <p:nvPicPr>
+          <p:cNvPr id="32" name="Picture 24">
+            <a:extLst>
+              <a:ext uri="{FF2B5EF4-FFF2-40B4-BE49-F238E27FC236}">
+                <a16:creationId xmlns:a16="http://schemas.microsoft.com/office/drawing/2014/main" id="{A352115E-78A9-4D5F-8100-E63DBBB3F24C}"/>
+              </a:ext>
+            </a:extLst>
+          </p:cNvPr>
+          <p:cNvPicPr>
+            <a:picLocks noChangeAspect="1" noChangeArrowheads="1"/>
+          </p:cNvPicPr>
+          <p:nvPr/>
+        </p:nvPicPr>
+        <p:blipFill>
+          <a:blip r:embed="rId15">
+            <a:extLst>
+              <a:ext uri="{28A0092B-C50C-407E-A947-70E740481C1C}">
+                <a14:useLocalDpi xmlns:a14="http://schemas.microsoft.com/office/drawing/2010/main" val="0"/>
+              </a:ext>
+            </a:extLst>
+          </a:blip>
+          <a:srcRect/>
+          <a:stretch>
+            <a:fillRect/>
+          </a:stretch>
+        </p:blipFill>
+        <p:spPr bwMode="auto">
+          <a:xfrm>
+            <a:off x="698804" y="5552482"/>
+            <a:ext cx="363091" cy="247103"/>
+          </a:xfrm>
+          <a:prstGeom prst="rect">
+            <a:avLst/>
+          </a:prstGeom>
+          <a:noFill/>
+          <a:extLst>
+            <a:ext uri="{909E8E84-426E-40DD-AFC4-6F175D3DCCD1}">
+              <a14:hiddenFill xmlns:a14="http://schemas.microsoft.com/office/drawing/2010/main">
+                <a:solidFill>
+                  <a:srgbClr val="FFFFFF"/>
+                </a:solidFill>
+              </a14:hiddenFill>
+            </a:ext>
+          </a:extLst>
+        </p:spPr>
+      </p:pic>
+      <p:pic>
+        <p:nvPicPr>
+          <p:cNvPr id="42" name="Picture 4">
+            <a:extLst>
+              <a:ext uri="{FF2B5EF4-FFF2-40B4-BE49-F238E27FC236}">
+                <a16:creationId xmlns:a16="http://schemas.microsoft.com/office/drawing/2014/main" id="{89324427-76E9-472B-B0F4-6B60C38016D7}"/>
+              </a:ext>
+            </a:extLst>
+          </p:cNvPr>
+          <p:cNvPicPr>
+            <a:picLocks noChangeAspect="1" noChangeArrowheads="1"/>
+          </p:cNvPicPr>
+          <p:nvPr/>
+        </p:nvPicPr>
+        <p:blipFill>
+          <a:blip r:embed="rId16">
+            <a:extLst>
+              <a:ext uri="{28A0092B-C50C-407E-A947-70E740481C1C}">
+                <a14:useLocalDpi xmlns:a14="http://schemas.microsoft.com/office/drawing/2010/main" val="0"/>
+              </a:ext>
+            </a:extLst>
+          </a:blip>
+          <a:srcRect/>
+          <a:stretch>
+            <a:fillRect/>
+          </a:stretch>
+        </p:blipFill>
+        <p:spPr bwMode="auto">
+          <a:xfrm>
+            <a:off x="366460" y="4404153"/>
+            <a:ext cx="1228420" cy="715639"/>
+          </a:xfrm>
+          <a:prstGeom prst="rect">
+            <a:avLst/>
+          </a:prstGeom>
+          <a:noFill/>
+          <a:extLst>
+            <a:ext uri="{909E8E84-426E-40DD-AFC4-6F175D3DCCD1}">
+              <a14:hiddenFill xmlns:a14="http://schemas.microsoft.com/office/drawing/2010/main">
+                <a:solidFill>
+                  <a:srgbClr val="FFFFFF"/>
+                </a:solidFill>
+              </a14:hiddenFill>
+            </a:ext>
+          </a:extLst>
+        </p:spPr>
+      </p:pic>
+      <p:pic>
+        <p:nvPicPr>
+          <p:cNvPr id="43" name="Picture 24">
+            <a:extLst>
+              <a:ext uri="{FF2B5EF4-FFF2-40B4-BE49-F238E27FC236}">
+                <a16:creationId xmlns:a16="http://schemas.microsoft.com/office/drawing/2014/main" id="{DA1AC326-F20D-4679-BAE8-76089561CF0E}"/>
+              </a:ext>
+            </a:extLst>
+          </p:cNvPr>
+          <p:cNvPicPr>
+            <a:picLocks noChangeAspect="1" noChangeArrowheads="1"/>
+          </p:cNvPicPr>
+          <p:nvPr/>
+        </p:nvPicPr>
+        <p:blipFill>
+          <a:blip r:embed="rId11">
+            <a:extLst>
+              <a:ext uri="{28A0092B-C50C-407E-A947-70E740481C1C}">
+                <a14:useLocalDpi xmlns:a14="http://schemas.microsoft.com/office/drawing/2010/main" val="0"/>
+              </a:ext>
+            </a:extLst>
+          </a:blip>
+          <a:srcRect/>
+          <a:stretch>
+            <a:fillRect/>
+          </a:stretch>
+        </p:blipFill>
+        <p:spPr bwMode="auto">
+          <a:xfrm>
+            <a:off x="1539045" y="5554196"/>
+            <a:ext cx="800997" cy="463286"/>
+          </a:xfrm>
+          <a:prstGeom prst="rect">
+            <a:avLst/>
+          </a:prstGeom>
+          <a:noFill/>
+          <a:extLst>
+            <a:ext uri="{909E8E84-426E-40DD-AFC4-6F175D3DCCD1}">
+              <a14:hiddenFill xmlns:a14="http://schemas.microsoft.com/office/drawing/2010/main">
+                <a:solidFill>
+                  <a:srgbClr val="FFFFFF"/>
+                </a:solidFill>
+              </a14:hiddenFill>
+            </a:ext>
+          </a:extLst>
+        </p:spPr>
+      </p:pic>
+      <p:pic>
+        <p:nvPicPr>
+          <p:cNvPr id="50" name="Picture 6" descr="Ver a imagem de origem">
+            <a:extLst>
+              <a:ext uri="{FF2B5EF4-FFF2-40B4-BE49-F238E27FC236}">
+                <a16:creationId xmlns:a16="http://schemas.microsoft.com/office/drawing/2014/main" id="{BE814B44-8576-4E22-9560-521FB34D45EE}"/>
+              </a:ext>
+            </a:extLst>
+          </p:cNvPr>
+          <p:cNvPicPr>
+            <a:picLocks noChangeAspect="1" noChangeArrowheads="1"/>
+          </p:cNvPicPr>
+          <p:nvPr/>
+        </p:nvPicPr>
+        <p:blipFill>
+          <a:blip r:embed="rId17">
+            <a:extLst>
+              <a:ext uri="{28A0092B-C50C-407E-A947-70E740481C1C}">
+                <a14:useLocalDpi xmlns:a14="http://schemas.microsoft.com/office/drawing/2010/main" val="0"/>
+              </a:ext>
+            </a:extLst>
+          </a:blip>
+          <a:srcRect/>
+          <a:stretch>
+            <a:fillRect/>
+          </a:stretch>
+        </p:blipFill>
+        <p:spPr bwMode="auto">
+          <a:xfrm>
+            <a:off x="1341975" y="5701112"/>
+            <a:ext cx="288953" cy="288953"/>
+          </a:xfrm>
+          <a:prstGeom prst="rect">
+            <a:avLst/>
+          </a:prstGeom>
+          <a:noFill/>
+          <a:extLst>
+            <a:ext uri="{909E8E84-426E-40DD-AFC4-6F175D3DCCD1}">
+              <a14:hiddenFill xmlns:a14="http://schemas.microsoft.com/office/drawing/2010/main">
+                <a:solidFill>
+                  <a:srgbClr val="FFFFFF"/>
+                </a:solidFill>
+              </a14:hiddenFill>
+            </a:ext>
+          </a:extLst>
+        </p:spPr>
+      </p:pic>
+      <p:pic>
+        <p:nvPicPr>
+          <p:cNvPr id="52" name="Picture 6" descr="Ver a imagem de origem">
+            <a:extLst>
+              <a:ext uri="{FF2B5EF4-FFF2-40B4-BE49-F238E27FC236}">
+                <a16:creationId xmlns:a16="http://schemas.microsoft.com/office/drawing/2014/main" id="{D2AD0E03-891D-425D-9B1E-0E1A0E5BE0D1}"/>
+              </a:ext>
+            </a:extLst>
+          </p:cNvPr>
+          <p:cNvPicPr>
+            <a:picLocks noChangeAspect="1" noChangeArrowheads="1"/>
+          </p:cNvPicPr>
+          <p:nvPr/>
+        </p:nvPicPr>
+        <p:blipFill>
+          <a:blip r:embed="rId17">
+            <a:extLst>
+              <a:ext uri="{28A0092B-C50C-407E-A947-70E740481C1C}">
+                <a14:useLocalDpi xmlns:a14="http://schemas.microsoft.com/office/drawing/2010/main" val="0"/>
+              </a:ext>
+            </a:extLst>
+          </a:blip>
+          <a:srcRect/>
+          <a:stretch>
+            <a:fillRect/>
+          </a:stretch>
+        </p:blipFill>
+        <p:spPr bwMode="auto">
+          <a:xfrm>
+            <a:off x="2245373" y="5356278"/>
+            <a:ext cx="288953" cy="288953"/>
+          </a:xfrm>
+          <a:prstGeom prst="rect">
+            <a:avLst/>
+          </a:prstGeom>
+          <a:noFill/>
+          <a:extLst>
+            <a:ext uri="{909E8E84-426E-40DD-AFC4-6F175D3DCCD1}">
+              <a14:hiddenFill xmlns:a14="http://schemas.microsoft.com/office/drawing/2010/main">
+                <a:solidFill>
+                  <a:srgbClr val="FFFFFF"/>
+                </a:solidFill>
+              </a14:hiddenFill>
+            </a:ext>
+          </a:extLst>
+        </p:spPr>
+      </p:pic>
+      <p:pic>
+        <p:nvPicPr>
+          <p:cNvPr id="53" name="Picture 24">
+            <a:extLst>
+              <a:ext uri="{FF2B5EF4-FFF2-40B4-BE49-F238E27FC236}">
+                <a16:creationId xmlns:a16="http://schemas.microsoft.com/office/drawing/2014/main" id="{EFA343AF-DC54-4589-ABA2-BBA541E12DA5}"/>
+              </a:ext>
+            </a:extLst>
+          </p:cNvPr>
+          <p:cNvPicPr>
+            <a:picLocks noChangeAspect="1" noChangeArrowheads="1"/>
+          </p:cNvPicPr>
+          <p:nvPr/>
+        </p:nvPicPr>
+        <p:blipFill>
+          <a:blip r:embed="rId11">
+            <a:extLst>
+              <a:ext uri="{28A0092B-C50C-407E-A947-70E740481C1C}">
+                <a14:useLocalDpi xmlns:a14="http://schemas.microsoft.com/office/drawing/2010/main" val="0"/>
+              </a:ext>
+            </a:extLst>
+          </a:blip>
+          <a:srcRect/>
+          <a:stretch>
+            <a:fillRect/>
+          </a:stretch>
+        </p:blipFill>
+        <p:spPr bwMode="auto">
+          <a:xfrm>
+            <a:off x="7170078" y="5238239"/>
+            <a:ext cx="800997" cy="463286"/>
+          </a:xfrm>
+          <a:prstGeom prst="rect">
+            <a:avLst/>
+          </a:prstGeom>
+          <a:noFill/>
+          <a:extLst>
+            <a:ext uri="{909E8E84-426E-40DD-AFC4-6F175D3DCCD1}">
+              <a14:hiddenFill xmlns:a14="http://schemas.microsoft.com/office/drawing/2010/main">
+                <a:solidFill>
+                  <a:srgbClr val="FFFFFF"/>
+                </a:solidFill>
+              </a14:hiddenFill>
+            </a:ext>
+          </a:extLst>
+        </p:spPr>
+      </p:pic>
+      <p:sp>
+        <p:nvSpPr>
+          <p:cNvPr id="92" name="CaixaDeTexto 91">
+            <a:extLst>
+              <a:ext uri="{FF2B5EF4-FFF2-40B4-BE49-F238E27FC236}">
+                <a16:creationId xmlns:a16="http://schemas.microsoft.com/office/drawing/2014/main" id="{B941DB2C-D8F4-469E-885E-0FC9112B2C22}"/>
+              </a:ext>
+            </a:extLst>
+          </p:cNvPr>
+          <p:cNvSpPr txBox="1"/>
+          <p:nvPr/>
+        </p:nvSpPr>
+        <p:spPr>
+          <a:xfrm>
+            <a:off x="946679" y="6195657"/>
+            <a:ext cx="2597388" cy="307777"/>
+          </a:xfrm>
+          <a:prstGeom prst="rect">
+            <a:avLst/>
+          </a:prstGeom>
+          <a:noFill/>
+        </p:spPr>
+        <p:txBody>
+          <a:bodyPr wrap="square">
+            <a:spAutoFit/>
+          </a:bodyPr>
+          <a:lstStyle/>
+          <a:p>
+            <a:r>
+              <a:rPr lang="pt-BR" sz="1400" b="0" i="0" dirty="0">
+                <a:effectLst/>
+                <a:latin typeface="Whitney"/>
+              </a:rPr>
+              <a:t>API gerando os dados</a:t>
+            </a:r>
+            <a:endParaRPr lang="pt-BR" sz="1400" dirty="0"/>
+          </a:p>
+        </p:txBody>
+      </p:sp>
+      <p:sp>
+        <p:nvSpPr>
+          <p:cNvPr id="94" name="CaixaDeTexto 93">
+            <a:extLst>
+              <a:ext uri="{FF2B5EF4-FFF2-40B4-BE49-F238E27FC236}">
+                <a16:creationId xmlns:a16="http://schemas.microsoft.com/office/drawing/2014/main" id="{42730D1C-DFE3-4961-9165-D0EC7BA6E0DE}"/>
+              </a:ext>
+            </a:extLst>
+          </p:cNvPr>
+          <p:cNvSpPr txBox="1"/>
+          <p:nvPr/>
+        </p:nvSpPr>
+        <p:spPr>
+          <a:xfrm>
+            <a:off x="268645" y="5012787"/>
+            <a:ext cx="6315342" cy="369332"/>
+          </a:xfrm>
+          <a:prstGeom prst="rect">
+            <a:avLst/>
+          </a:prstGeom>
+          <a:noFill/>
+        </p:spPr>
+        <p:txBody>
+          <a:bodyPr wrap="square">
+            <a:spAutoFit/>
+          </a:bodyPr>
+          <a:lstStyle/>
+          <a:p>
+            <a:r>
+              <a:rPr lang="pt-BR" b="0" i="0" dirty="0">
+                <a:effectLst/>
+                <a:latin typeface="Whitney"/>
+              </a:rPr>
+              <a:t>Servidor Local</a:t>
+            </a:r>
+            <a:endParaRPr lang="pt-BR" dirty="0"/>
+          </a:p>
+        </p:txBody>
+      </p:sp>
+      <p:cxnSp>
+        <p:nvCxnSpPr>
+          <p:cNvPr id="109" name="Conector de Seta Reta 108">
+            <a:extLst>
+              <a:ext uri="{FF2B5EF4-FFF2-40B4-BE49-F238E27FC236}">
+                <a16:creationId xmlns:a16="http://schemas.microsoft.com/office/drawing/2014/main" id="{7EA47EB7-AB21-4156-9D64-4AC6859F5F3B}"/>
+              </a:ext>
+            </a:extLst>
+          </p:cNvPr>
+          <p:cNvCxnSpPr>
+            <a:cxnSpLocks/>
+          </p:cNvCxnSpPr>
+          <p:nvPr/>
+        </p:nvCxnSpPr>
+        <p:spPr>
+          <a:xfrm flipH="1" flipV="1">
+            <a:off x="5918235" y="5469882"/>
+            <a:ext cx="16912" cy="961956"/>
+          </a:xfrm>
+          <a:prstGeom prst="straightConnector1">
+            <a:avLst/>
+          </a:prstGeom>
+          <a:ln>
+            <a:tailEnd type="triangle"/>
+          </a:ln>
+        </p:spPr>
+        <p:style>
+          <a:lnRef idx="1">
+            <a:schemeClr val="accent1"/>
+          </a:lnRef>
+          <a:fillRef idx="0">
+            <a:schemeClr val="accent1"/>
+          </a:fillRef>
+          <a:effectRef idx="0">
+            <a:schemeClr val="accent1"/>
+          </a:effectRef>
+          <a:fontRef idx="minor">
+            <a:schemeClr val="tx1"/>
+          </a:fontRef>
+        </p:style>
+      </p:cxnSp>
+      <p:cxnSp>
+        <p:nvCxnSpPr>
+          <p:cNvPr id="111" name="Conector: Angulado 110">
+            <a:extLst>
+              <a:ext uri="{FF2B5EF4-FFF2-40B4-BE49-F238E27FC236}">
+                <a16:creationId xmlns:a16="http://schemas.microsoft.com/office/drawing/2014/main" id="{65B0311C-3F10-406C-8BE5-B5A5599A5E8F}"/>
+              </a:ext>
+            </a:extLst>
+          </p:cNvPr>
+          <p:cNvCxnSpPr>
+            <a:cxnSpLocks/>
+            <a:stCxn id="27" idx="2"/>
+          </p:cNvCxnSpPr>
+          <p:nvPr/>
+        </p:nvCxnSpPr>
+        <p:spPr>
+          <a:xfrm rot="16200000" flipH="1">
+            <a:off x="3193516" y="3680312"/>
+            <a:ext cx="444140" cy="5058909"/>
+          </a:xfrm>
+          <a:prstGeom prst="bentConnector2">
+            <a:avLst/>
+          </a:prstGeom>
+        </p:spPr>
+        <p:style>
+          <a:lnRef idx="1">
+            <a:schemeClr val="accent1"/>
+          </a:lnRef>
+          <a:fillRef idx="0">
+            <a:schemeClr val="accent1"/>
+          </a:fillRef>
+          <a:effectRef idx="0">
+            <a:schemeClr val="accent1"/>
+          </a:effectRef>
+          <a:fontRef idx="minor">
+            <a:schemeClr val="tx1"/>
+          </a:fontRef>
+        </p:style>
+      </p:cxnSp>
+      <p:sp>
+        <p:nvSpPr>
+          <p:cNvPr id="125" name="CaixaDeTexto 124">
+            <a:extLst>
+              <a:ext uri="{FF2B5EF4-FFF2-40B4-BE49-F238E27FC236}">
+                <a16:creationId xmlns:a16="http://schemas.microsoft.com/office/drawing/2014/main" id="{FAAB1FD8-120F-4A52-80D0-993C32004C62}"/>
+              </a:ext>
+            </a:extLst>
+          </p:cNvPr>
+          <p:cNvSpPr txBox="1"/>
+          <p:nvPr/>
+        </p:nvSpPr>
+        <p:spPr>
+          <a:xfrm>
+            <a:off x="5202465" y="4570678"/>
+            <a:ext cx="1490639" cy="738664"/>
+          </a:xfrm>
+          <a:prstGeom prst="rect">
+            <a:avLst/>
+          </a:prstGeom>
+          <a:noFill/>
+        </p:spPr>
+        <p:txBody>
+          <a:bodyPr wrap="square">
+            <a:spAutoFit/>
+          </a:bodyPr>
+          <a:lstStyle/>
+          <a:p>
+            <a:r>
+              <a:rPr lang="pt-BR" sz="1400" b="0" i="0" dirty="0">
+                <a:solidFill>
+                  <a:srgbClr val="333333"/>
+                </a:solidFill>
+                <a:effectLst/>
+                <a:latin typeface="Nunito"/>
+              </a:rPr>
+              <a:t>Notebook Dell Core i5-8265U 8GB 1TB</a:t>
+            </a:r>
+            <a:endParaRPr lang="pt-BR" sz="1400" dirty="0"/>
+          </a:p>
+        </p:txBody>
+      </p:sp>
+      <p:sp>
+        <p:nvSpPr>
+          <p:cNvPr id="118" name="Retângulo: Cantos Arredondados 117">
+            <a:extLst>
+              <a:ext uri="{FF2B5EF4-FFF2-40B4-BE49-F238E27FC236}">
+                <a16:creationId xmlns:a16="http://schemas.microsoft.com/office/drawing/2014/main" id="{FE175156-5E59-4CA6-9087-A4BDDB73B3D3}"/>
+              </a:ext>
+            </a:extLst>
+          </p:cNvPr>
+          <p:cNvSpPr/>
+          <p:nvPr/>
+        </p:nvSpPr>
+        <p:spPr>
+          <a:xfrm>
+            <a:off x="5037103" y="4008171"/>
+            <a:ext cx="1839543" cy="1387142"/>
+          </a:xfrm>
+          <a:prstGeom prst="roundRect">
+            <a:avLst/>
+          </a:prstGeom>
+          <a:noFill/>
+        </p:spPr>
+        <p:style>
+          <a:lnRef idx="2">
+            <a:schemeClr val="accent1">
+              <a:shade val="50000"/>
+            </a:schemeClr>
+          </a:lnRef>
+          <a:fillRef idx="1">
+            <a:schemeClr val="accent1"/>
+          </a:fillRef>
+          <a:effectRef idx="0">
+            <a:schemeClr val="accent1"/>
+          </a:effectRef>
+          <a:fontRef idx="minor">
+            <a:schemeClr val="lt1"/>
+          </a:fontRef>
+        </p:style>
+        <p:txBody>
+          <a:bodyPr rtlCol="0" anchor="ctr"/>
+          <a:lstStyle/>
+          <a:p>
+            <a:pPr algn="ctr"/>
+            <a:endParaRPr lang="pt-BR"/>
+          </a:p>
+        </p:txBody>
+      </p:sp>
+      <p:sp>
+        <p:nvSpPr>
+          <p:cNvPr id="123" name="CaixaDeTexto 122">
+            <a:extLst>
+              <a:ext uri="{FF2B5EF4-FFF2-40B4-BE49-F238E27FC236}">
+                <a16:creationId xmlns:a16="http://schemas.microsoft.com/office/drawing/2014/main" id="{5C22EC7C-F05A-4B39-8ACA-9F89977D4028}"/>
+              </a:ext>
+            </a:extLst>
+          </p:cNvPr>
+          <p:cNvSpPr txBox="1"/>
+          <p:nvPr/>
+        </p:nvSpPr>
+        <p:spPr>
+          <a:xfrm>
+            <a:off x="5221375" y="4015425"/>
+            <a:ext cx="1548057" cy="646331"/>
+          </a:xfrm>
+          <a:prstGeom prst="rect">
+            <a:avLst/>
+          </a:prstGeom>
+          <a:noFill/>
+        </p:spPr>
+        <p:txBody>
+          <a:bodyPr wrap="square" rtlCol="0">
+            <a:spAutoFit/>
+          </a:bodyPr>
+          <a:lstStyle/>
+          <a:p>
+            <a:r>
+              <a:rPr lang="pt-BR" dirty="0"/>
+              <a:t>Especificações do aparelho</a:t>
+            </a:r>
+          </a:p>
+        </p:txBody>
+      </p:sp>
+      <p:pic>
+        <p:nvPicPr>
+          <p:cNvPr id="126" name="Picture 8" descr="Ver a imagem de origem">
+            <a:extLst>
+              <a:ext uri="{FF2B5EF4-FFF2-40B4-BE49-F238E27FC236}">
+                <a16:creationId xmlns:a16="http://schemas.microsoft.com/office/drawing/2014/main" id="{BCC59C9D-E053-443B-AD21-3C3F486AA8FD}"/>
+              </a:ext>
+            </a:extLst>
+          </p:cNvPr>
+          <p:cNvPicPr>
+            <a:picLocks noChangeAspect="1" noChangeArrowheads="1"/>
+          </p:cNvPicPr>
+          <p:nvPr/>
+        </p:nvPicPr>
+        <p:blipFill>
+          <a:blip r:embed="rId18">
+            <a:extLst>
+              <a:ext uri="{28A0092B-C50C-407E-A947-70E740481C1C}">
+                <a14:useLocalDpi xmlns:a14="http://schemas.microsoft.com/office/drawing/2010/main" val="0"/>
+              </a:ext>
+            </a:extLst>
+          </a:blip>
+          <a:srcRect/>
+          <a:stretch>
+            <a:fillRect/>
+          </a:stretch>
+        </p:blipFill>
+        <p:spPr bwMode="auto">
+          <a:xfrm>
+            <a:off x="673913" y="1199885"/>
+            <a:ext cx="533398" cy="533398"/>
+          </a:xfrm>
+          <a:prstGeom prst="rect">
+            <a:avLst/>
+          </a:prstGeom>
+          <a:noFill/>
+          <a:extLst>
+            <a:ext uri="{909E8E84-426E-40DD-AFC4-6F175D3DCCD1}">
+              <a14:hiddenFill xmlns:a14="http://schemas.microsoft.com/office/drawing/2010/main">
+                <a:solidFill>
+                  <a:srgbClr val="FFFFFF"/>
+                </a:solidFill>
+              </a14:hiddenFill>
+            </a:ext>
+          </a:extLst>
+        </p:spPr>
+      </p:pic>
+      <p:sp>
+        <p:nvSpPr>
+          <p:cNvPr id="127" name="CaixaDeTexto 126">
+            <a:extLst>
+              <a:ext uri="{FF2B5EF4-FFF2-40B4-BE49-F238E27FC236}">
+                <a16:creationId xmlns:a16="http://schemas.microsoft.com/office/drawing/2014/main" id="{08A28F75-A997-4259-AA34-9CFED7713714}"/>
+              </a:ext>
+            </a:extLst>
+          </p:cNvPr>
+          <p:cNvSpPr txBox="1"/>
+          <p:nvPr/>
+        </p:nvSpPr>
+        <p:spPr>
+          <a:xfrm>
+            <a:off x="10121456" y="2312833"/>
+            <a:ext cx="1522454" cy="369332"/>
+          </a:xfrm>
+          <a:prstGeom prst="rect">
+            <a:avLst/>
+          </a:prstGeom>
+          <a:noFill/>
+        </p:spPr>
+        <p:txBody>
+          <a:bodyPr wrap="square" rtlCol="0">
+            <a:spAutoFit/>
+          </a:bodyPr>
+          <a:lstStyle/>
+          <a:p>
+            <a:r>
+              <a:rPr lang="pt-BR" dirty="0"/>
+              <a:t>API - SELECT</a:t>
+            </a:r>
           </a:p>
         </p:txBody>
       </p:sp>
@@ -8145,18 +9234,18 @@
 </file>
 
 <file path=customXml/item1.xml><?xml version="1.0" encoding="utf-8"?>
-<p:properties xmlns:p="http://schemas.microsoft.com/office/2006/metadata/properties" xmlns:xsi="http://www.w3.org/2001/XMLSchema-instance" xmlns:pc="http://schemas.microsoft.com/office/infopath/2007/PartnerControls">
-  <documentManagement/>
-</p:properties>
-</file>
-
-<file path=customXml/item2.xml><?xml version="1.0" encoding="utf-8"?>
 <?mso-contentType ?>
 <FormTemplates xmlns="http://schemas.microsoft.com/sharepoint/v3/contenttype/forms">
   <Display>DocumentLibraryForm</Display>
   <Edit>DocumentLibraryForm</Edit>
   <New>DocumentLibraryForm</New>
 </FormTemplates>
+</file>
+
+<file path=customXml/item2.xml><?xml version="1.0" encoding="utf-8"?>
+<p:properties xmlns:p="http://schemas.microsoft.com/office/2006/metadata/properties" xmlns:xsi="http://www.w3.org/2001/XMLSchema-instance" xmlns:pc="http://schemas.microsoft.com/office/infopath/2007/PartnerControls">
+  <documentManagement/>
+</p:properties>
 </file>
 
 <file path=customXml/item3.xml><?xml version="1.0" encoding="utf-8"?>
@@ -8306,6 +9395,14 @@
 </file>
 
 <file path=customXml/itemProps1.xml><?xml version="1.0" encoding="utf-8"?>
+<ds:datastoreItem xmlns:ds="http://schemas.openxmlformats.org/officeDocument/2006/customXml" ds:itemID="{C8904B04-CE3B-480B-B581-8F4B320FC628}">
+  <ds:schemaRefs>
+    <ds:schemaRef ds:uri="http://schemas.microsoft.com/sharepoint/v3/contenttype/forms"/>
+  </ds:schemaRefs>
+</ds:datastoreItem>
+</file>
+
+<file path=customXml/itemProps2.xml><?xml version="1.0" encoding="utf-8"?>
 <ds:datastoreItem xmlns:ds="http://schemas.openxmlformats.org/officeDocument/2006/customXml" ds:itemID="{D97326FD-46D3-494E-BEE2-FFEB626F114D}">
   <ds:schemaRefs>
     <ds:schemaRef ds:uri="http://schemas.microsoft.com/office/2006/documentManagement/types"/>
@@ -8317,14 +9414,6 @@
     <ds:schemaRef ds:uri="http://schemas.microsoft.com/office/2006/metadata/properties"/>
     <ds:schemaRef ds:uri="http://www.w3.org/XML/1998/namespace"/>
     <ds:schemaRef ds:uri="http://purl.org/dc/terms/"/>
-  </ds:schemaRefs>
-</ds:datastoreItem>
-</file>
-
-<file path=customXml/itemProps2.xml><?xml version="1.0" encoding="utf-8"?>
-<ds:datastoreItem xmlns:ds="http://schemas.openxmlformats.org/officeDocument/2006/customXml" ds:itemID="{C8904B04-CE3B-480B-B581-8F4B320FC628}">
-  <ds:schemaRefs>
-    <ds:schemaRef ds:uri="http://schemas.microsoft.com/sharepoint/v3/contenttype/forms"/>
   </ds:schemaRefs>
 </ds:datastoreItem>
 </file>

--- a/Documentação/HLD -LLD (1).pptx
+++ b/Documentação/HLD -LLD (1).pptx
@@ -1186,7 +1186,7 @@
           <a:p>
             <a:fld id="{EB60841A-4D04-44D0-9551-1643E2F32A38}" type="datetimeFigureOut">
               <a:rPr lang="pt-BR" smtClean="0"/>
-              <a:t>21/10/2020</a:t>
+              <a:t>26/10/2020</a:t>
             </a:fld>
             <a:endParaRPr lang="pt-BR"/>
           </a:p>
@@ -1384,7 +1384,7 @@
           <a:p>
             <a:fld id="{EB60841A-4D04-44D0-9551-1643E2F32A38}" type="datetimeFigureOut">
               <a:rPr lang="pt-BR" smtClean="0"/>
-              <a:t>21/10/2020</a:t>
+              <a:t>26/10/2020</a:t>
             </a:fld>
             <a:endParaRPr lang="pt-BR"/>
           </a:p>
@@ -1592,7 +1592,7 @@
           <a:p>
             <a:fld id="{EB60841A-4D04-44D0-9551-1643E2F32A38}" type="datetimeFigureOut">
               <a:rPr lang="pt-BR" smtClean="0"/>
-              <a:t>21/10/2020</a:t>
+              <a:t>26/10/2020</a:t>
             </a:fld>
             <a:endParaRPr lang="pt-BR"/>
           </a:p>
@@ -1812,7 +1812,7 @@
           <a:p>
             <a:fld id="{F7EC64ED-7566-42AD-8F25-50CCDA65E5AC}" type="datetimeFigureOut">
               <a:rPr lang="pt-BR" smtClean="0"/>
-              <a:t>21/10/2020</a:t>
+              <a:t>26/10/2020</a:t>
             </a:fld>
             <a:endParaRPr lang="pt-BR"/>
           </a:p>
@@ -2010,7 +2010,7 @@
           <a:p>
             <a:fld id="{EB60841A-4D04-44D0-9551-1643E2F32A38}" type="datetimeFigureOut">
               <a:rPr lang="pt-BR" smtClean="0"/>
-              <a:t>21/10/2020</a:t>
+              <a:t>26/10/2020</a:t>
             </a:fld>
             <a:endParaRPr lang="pt-BR"/>
           </a:p>
@@ -2285,7 +2285,7 @@
           <a:p>
             <a:fld id="{EB60841A-4D04-44D0-9551-1643E2F32A38}" type="datetimeFigureOut">
               <a:rPr lang="pt-BR" smtClean="0"/>
-              <a:t>21/10/2020</a:t>
+              <a:t>26/10/2020</a:t>
             </a:fld>
             <a:endParaRPr lang="pt-BR"/>
           </a:p>
@@ -2550,7 +2550,7 @@
           <a:p>
             <a:fld id="{EB60841A-4D04-44D0-9551-1643E2F32A38}" type="datetimeFigureOut">
               <a:rPr lang="pt-BR" smtClean="0"/>
-              <a:t>21/10/2020</a:t>
+              <a:t>26/10/2020</a:t>
             </a:fld>
             <a:endParaRPr lang="pt-BR"/>
           </a:p>
@@ -2962,7 +2962,7 @@
           <a:p>
             <a:fld id="{EB60841A-4D04-44D0-9551-1643E2F32A38}" type="datetimeFigureOut">
               <a:rPr lang="pt-BR" smtClean="0"/>
-              <a:t>21/10/2020</a:t>
+              <a:t>26/10/2020</a:t>
             </a:fld>
             <a:endParaRPr lang="pt-BR"/>
           </a:p>
@@ -3103,7 +3103,7 @@
           <a:p>
             <a:fld id="{EB60841A-4D04-44D0-9551-1643E2F32A38}" type="datetimeFigureOut">
               <a:rPr lang="pt-BR" smtClean="0"/>
-              <a:t>21/10/2020</a:t>
+              <a:t>26/10/2020</a:t>
             </a:fld>
             <a:endParaRPr lang="pt-BR"/>
           </a:p>
@@ -3216,7 +3216,7 @@
           <a:p>
             <a:fld id="{EB60841A-4D04-44D0-9551-1643E2F32A38}" type="datetimeFigureOut">
               <a:rPr lang="pt-BR" smtClean="0"/>
-              <a:t>21/10/2020</a:t>
+              <a:t>26/10/2020</a:t>
             </a:fld>
             <a:endParaRPr lang="pt-BR"/>
           </a:p>
@@ -3527,7 +3527,7 @@
           <a:p>
             <a:fld id="{EB60841A-4D04-44D0-9551-1643E2F32A38}" type="datetimeFigureOut">
               <a:rPr lang="pt-BR" smtClean="0"/>
-              <a:t>21/10/2020</a:t>
+              <a:t>26/10/2020</a:t>
             </a:fld>
             <a:endParaRPr lang="pt-BR"/>
           </a:p>
@@ -3815,7 +3815,7 @@
           <a:p>
             <a:fld id="{EB60841A-4D04-44D0-9551-1643E2F32A38}" type="datetimeFigureOut">
               <a:rPr lang="pt-BR" smtClean="0"/>
-              <a:t>21/10/2020</a:t>
+              <a:t>26/10/2020</a:t>
             </a:fld>
             <a:endParaRPr lang="pt-BR"/>
           </a:p>
@@ -4056,7 +4056,7 @@
           <a:p>
             <a:fld id="{EB60841A-4D04-44D0-9551-1643E2F32A38}" type="datetimeFigureOut">
               <a:rPr lang="pt-BR" smtClean="0"/>
-              <a:t>21/10/2020</a:t>
+              <a:t>26/10/2020</a:t>
             </a:fld>
             <a:endParaRPr lang="pt-BR"/>
           </a:p>
@@ -4624,7 +4624,7 @@
           <a:p>
             <a:fld id="{F7EC64ED-7566-42AD-8F25-50CCDA65E5AC}" type="datetimeFigureOut">
               <a:rPr lang="pt-BR" smtClean="0"/>
-              <a:t>21/10/2020</a:t>
+              <a:t>26/10/2020</a:t>
             </a:fld>
             <a:endParaRPr lang="pt-BR"/>
           </a:p>
@@ -9234,21 +9234,6 @@
 </file>
 
 <file path=customXml/item1.xml><?xml version="1.0" encoding="utf-8"?>
-<?mso-contentType ?>
-<FormTemplates xmlns="http://schemas.microsoft.com/sharepoint/v3/contenttype/forms">
-  <Display>DocumentLibraryForm</Display>
-  <Edit>DocumentLibraryForm</Edit>
-  <New>DocumentLibraryForm</New>
-</FormTemplates>
-</file>
-
-<file path=customXml/item2.xml><?xml version="1.0" encoding="utf-8"?>
-<p:properties xmlns:p="http://schemas.microsoft.com/office/2006/metadata/properties" xmlns:xsi="http://www.w3.org/2001/XMLSchema-instance" xmlns:pc="http://schemas.microsoft.com/office/infopath/2007/PartnerControls">
-  <documentManagement/>
-</p:properties>
-</file>
-
-<file path=customXml/item3.xml><?xml version="1.0" encoding="utf-8"?>
 <ct:contentTypeSchema xmlns:ct="http://schemas.microsoft.com/office/2006/metadata/contentType" xmlns:ma="http://schemas.microsoft.com/office/2006/metadata/properties/metaAttributes" ct:_="" ma:_="" ma:contentTypeName="Document" ma:contentTypeID="0x0101009A5FC0246A07B443A05063C8EB2AC7D8" ma:contentTypeVersion="4" ma:contentTypeDescription="Create a new document." ma:contentTypeScope="" ma:versionID="420c53bd1eddcc29702e3bd566eef293">
   <xsd:schema xmlns:xsd="http://www.w3.org/2001/XMLSchema" xmlns:xs="http://www.w3.org/2001/XMLSchema" xmlns:p="http://schemas.microsoft.com/office/2006/metadata/properties" xmlns:ns3="8061e086-846d-4709-83ef-f95cce98977c" targetNamespace="http://schemas.microsoft.com/office/2006/metadata/properties" ma:root="true" ma:fieldsID="c54485a539c6ae15085b338092698602" ns3:_="">
     <xsd:import namespace="8061e086-846d-4709-83ef-f95cce98977c"/>
@@ -9394,10 +9379,35 @@
 </ct:contentTypeSchema>
 </file>
 
+<file path=customXml/item2.xml><?xml version="1.0" encoding="utf-8"?>
+<p:properties xmlns:p="http://schemas.microsoft.com/office/2006/metadata/properties" xmlns:xsi="http://www.w3.org/2001/XMLSchema-instance" xmlns:pc="http://schemas.microsoft.com/office/infopath/2007/PartnerControls">
+  <documentManagement/>
+</p:properties>
+</file>
+
+<file path=customXml/item3.xml><?xml version="1.0" encoding="utf-8"?>
+<?mso-contentType ?>
+<FormTemplates xmlns="http://schemas.microsoft.com/sharepoint/v3/contenttype/forms">
+  <Display>DocumentLibraryForm</Display>
+  <Edit>DocumentLibraryForm</Edit>
+  <New>DocumentLibraryForm</New>
+</FormTemplates>
+</file>
+
 <file path=customXml/itemProps1.xml><?xml version="1.0" encoding="utf-8"?>
-<ds:datastoreItem xmlns:ds="http://schemas.openxmlformats.org/officeDocument/2006/customXml" ds:itemID="{C8904B04-CE3B-480B-B581-8F4B320FC628}">
+<ds:datastoreItem xmlns:ds="http://schemas.openxmlformats.org/officeDocument/2006/customXml" ds:itemID="{4391E346-D1DC-4EE5-A343-4BFCAD5F0129}">
   <ds:schemaRefs>
-    <ds:schemaRef ds:uri="http://schemas.microsoft.com/sharepoint/v3/contenttype/forms"/>
+    <ds:schemaRef ds:uri="http://schemas.microsoft.com/office/2006/metadata/contentType"/>
+    <ds:schemaRef ds:uri="http://schemas.microsoft.com/office/2006/metadata/properties/metaAttributes"/>
+    <ds:schemaRef ds:uri="http://www.w3.org/2001/XMLSchema"/>
+    <ds:schemaRef ds:uri="http://schemas.microsoft.com/office/2006/metadata/properties"/>
+    <ds:schemaRef ds:uri="8061e086-846d-4709-83ef-f95cce98977c"/>
+    <ds:schemaRef ds:uri="http://schemas.microsoft.com/office/2006/documentManagement/types"/>
+    <ds:schemaRef ds:uri="http://schemas.microsoft.com/office/infopath/2007/PartnerControls"/>
+    <ds:schemaRef ds:uri="http://schemas.openxmlformats.org/package/2006/metadata/core-properties"/>
+    <ds:schemaRef ds:uri="http://purl.org/dc/elements/1.1/"/>
+    <ds:schemaRef ds:uri="http://purl.org/dc/terms/"/>
+    <ds:schemaRef ds:uri="http://schemas.microsoft.com/internal/obd"/>
   </ds:schemaRefs>
 </ds:datastoreItem>
 </file>
@@ -9419,19 +9429,9 @@
 </file>
 
 <file path=customXml/itemProps3.xml><?xml version="1.0" encoding="utf-8"?>
-<ds:datastoreItem xmlns:ds="http://schemas.openxmlformats.org/officeDocument/2006/customXml" ds:itemID="{4391E346-D1DC-4EE5-A343-4BFCAD5F0129}">
+<ds:datastoreItem xmlns:ds="http://schemas.openxmlformats.org/officeDocument/2006/customXml" ds:itemID="{C8904B04-CE3B-480B-B581-8F4B320FC628}">
   <ds:schemaRefs>
-    <ds:schemaRef ds:uri="http://schemas.microsoft.com/office/2006/metadata/contentType"/>
-    <ds:schemaRef ds:uri="http://schemas.microsoft.com/office/2006/metadata/properties/metaAttributes"/>
-    <ds:schemaRef ds:uri="http://www.w3.org/2001/XMLSchema"/>
-    <ds:schemaRef ds:uri="http://schemas.microsoft.com/office/2006/metadata/properties"/>
-    <ds:schemaRef ds:uri="8061e086-846d-4709-83ef-f95cce98977c"/>
-    <ds:schemaRef ds:uri="http://schemas.microsoft.com/office/2006/documentManagement/types"/>
-    <ds:schemaRef ds:uri="http://schemas.microsoft.com/office/infopath/2007/PartnerControls"/>
-    <ds:schemaRef ds:uri="http://schemas.openxmlformats.org/package/2006/metadata/core-properties"/>
-    <ds:schemaRef ds:uri="http://purl.org/dc/elements/1.1/"/>
-    <ds:schemaRef ds:uri="http://purl.org/dc/terms/"/>
-    <ds:schemaRef ds:uri="http://schemas.microsoft.com/internal/obd"/>
+    <ds:schemaRef ds:uri="http://schemas.microsoft.com/sharepoint/v3/contenttype/forms"/>
   </ds:schemaRefs>
 </ds:datastoreItem>
 </file>
--- a/Documentação/HLD -LLD (1).pptx
+++ b/Documentação/HLD -LLD (1).pptx
@@ -1186,7 +1186,7 @@
           <a:p>
             <a:fld id="{EB60841A-4D04-44D0-9551-1643E2F32A38}" type="datetimeFigureOut">
               <a:rPr lang="pt-BR" smtClean="0"/>
-              <a:t>26/10/2020</a:t>
+              <a:t>27/10/2020</a:t>
             </a:fld>
             <a:endParaRPr lang="pt-BR"/>
           </a:p>
@@ -1384,7 +1384,7 @@
           <a:p>
             <a:fld id="{EB60841A-4D04-44D0-9551-1643E2F32A38}" type="datetimeFigureOut">
               <a:rPr lang="pt-BR" smtClean="0"/>
-              <a:t>26/10/2020</a:t>
+              <a:t>27/10/2020</a:t>
             </a:fld>
             <a:endParaRPr lang="pt-BR"/>
           </a:p>
@@ -1592,7 +1592,7 @@
           <a:p>
             <a:fld id="{EB60841A-4D04-44D0-9551-1643E2F32A38}" type="datetimeFigureOut">
               <a:rPr lang="pt-BR" smtClean="0"/>
-              <a:t>26/10/2020</a:t>
+              <a:t>27/10/2020</a:t>
             </a:fld>
             <a:endParaRPr lang="pt-BR"/>
           </a:p>
@@ -1812,7 +1812,7 @@
           <a:p>
             <a:fld id="{F7EC64ED-7566-42AD-8F25-50CCDA65E5AC}" type="datetimeFigureOut">
               <a:rPr lang="pt-BR" smtClean="0"/>
-              <a:t>26/10/2020</a:t>
+              <a:t>27/10/2020</a:t>
             </a:fld>
             <a:endParaRPr lang="pt-BR"/>
           </a:p>
@@ -2010,7 +2010,7 @@
           <a:p>
             <a:fld id="{EB60841A-4D04-44D0-9551-1643E2F32A38}" type="datetimeFigureOut">
               <a:rPr lang="pt-BR" smtClean="0"/>
-              <a:t>26/10/2020</a:t>
+              <a:t>27/10/2020</a:t>
             </a:fld>
             <a:endParaRPr lang="pt-BR"/>
           </a:p>
@@ -2285,7 +2285,7 @@
           <a:p>
             <a:fld id="{EB60841A-4D04-44D0-9551-1643E2F32A38}" type="datetimeFigureOut">
               <a:rPr lang="pt-BR" smtClean="0"/>
-              <a:t>26/10/2020</a:t>
+              <a:t>27/10/2020</a:t>
             </a:fld>
             <a:endParaRPr lang="pt-BR"/>
           </a:p>
@@ -2550,7 +2550,7 @@
           <a:p>
             <a:fld id="{EB60841A-4D04-44D0-9551-1643E2F32A38}" type="datetimeFigureOut">
               <a:rPr lang="pt-BR" smtClean="0"/>
-              <a:t>26/10/2020</a:t>
+              <a:t>27/10/2020</a:t>
             </a:fld>
             <a:endParaRPr lang="pt-BR"/>
           </a:p>
@@ -2962,7 +2962,7 @@
           <a:p>
             <a:fld id="{EB60841A-4D04-44D0-9551-1643E2F32A38}" type="datetimeFigureOut">
               <a:rPr lang="pt-BR" smtClean="0"/>
-              <a:t>26/10/2020</a:t>
+              <a:t>27/10/2020</a:t>
             </a:fld>
             <a:endParaRPr lang="pt-BR"/>
           </a:p>
@@ -3103,7 +3103,7 @@
           <a:p>
             <a:fld id="{EB60841A-4D04-44D0-9551-1643E2F32A38}" type="datetimeFigureOut">
               <a:rPr lang="pt-BR" smtClean="0"/>
-              <a:t>26/10/2020</a:t>
+              <a:t>27/10/2020</a:t>
             </a:fld>
             <a:endParaRPr lang="pt-BR"/>
           </a:p>
@@ -3216,7 +3216,7 @@
           <a:p>
             <a:fld id="{EB60841A-4D04-44D0-9551-1643E2F32A38}" type="datetimeFigureOut">
               <a:rPr lang="pt-BR" smtClean="0"/>
-              <a:t>26/10/2020</a:t>
+              <a:t>27/10/2020</a:t>
             </a:fld>
             <a:endParaRPr lang="pt-BR"/>
           </a:p>
@@ -3527,7 +3527,7 @@
           <a:p>
             <a:fld id="{EB60841A-4D04-44D0-9551-1643E2F32A38}" type="datetimeFigureOut">
               <a:rPr lang="pt-BR" smtClean="0"/>
-              <a:t>26/10/2020</a:t>
+              <a:t>27/10/2020</a:t>
             </a:fld>
             <a:endParaRPr lang="pt-BR"/>
           </a:p>
@@ -3815,7 +3815,7 @@
           <a:p>
             <a:fld id="{EB60841A-4D04-44D0-9551-1643E2F32A38}" type="datetimeFigureOut">
               <a:rPr lang="pt-BR" smtClean="0"/>
-              <a:t>26/10/2020</a:t>
+              <a:t>27/10/2020</a:t>
             </a:fld>
             <a:endParaRPr lang="pt-BR"/>
           </a:p>
@@ -4056,7 +4056,7 @@
           <a:p>
             <a:fld id="{EB60841A-4D04-44D0-9551-1643E2F32A38}" type="datetimeFigureOut">
               <a:rPr lang="pt-BR" smtClean="0"/>
-              <a:t>26/10/2020</a:t>
+              <a:t>27/10/2020</a:t>
             </a:fld>
             <a:endParaRPr lang="pt-BR"/>
           </a:p>
@@ -4624,7 +4624,7 @@
           <a:p>
             <a:fld id="{F7EC64ED-7566-42AD-8F25-50CCDA65E5AC}" type="datetimeFigureOut">
               <a:rPr lang="pt-BR" smtClean="0"/>
-              <a:t>26/10/2020</a:t>
+              <a:t>27/10/2020</a:t>
             </a:fld>
             <a:endParaRPr lang="pt-BR"/>
           </a:p>
@@ -5275,7 +5275,7 @@
         </p:blipFill>
         <p:spPr bwMode="auto">
           <a:xfrm>
-            <a:off x="10066484" y="890578"/>
+            <a:off x="10543088" y="2256922"/>
             <a:ext cx="1497550" cy="1466831"/>
           </a:xfrm>
           <a:prstGeom prst="rect">
@@ -5557,7 +5557,7 @@
         </p:blipFill>
         <p:spPr bwMode="auto">
           <a:xfrm>
-            <a:off x="9959826" y="4892342"/>
+            <a:off x="10303478" y="3736174"/>
             <a:ext cx="1972986" cy="1424496"/>
           </a:xfrm>
           <a:prstGeom prst="rect">
@@ -5904,10 +5904,10 @@
       </p:sp>
       <p:pic>
         <p:nvPicPr>
-          <p:cNvPr id="71" name="Picture 16">
-            <a:extLst>
-              <a:ext uri="{FF2B5EF4-FFF2-40B4-BE49-F238E27FC236}">
-                <a16:creationId xmlns:a16="http://schemas.microsoft.com/office/drawing/2014/main" id="{C5F1F4C9-F7E6-4348-83AA-C0948A6544DF}"/>
+          <p:cNvPr id="24" name="Picture 16">
+            <a:extLst>
+              <a:ext uri="{FF2B5EF4-FFF2-40B4-BE49-F238E27FC236}">
+                <a16:creationId xmlns:a16="http://schemas.microsoft.com/office/drawing/2014/main" id="{1890E948-7D03-428D-9D12-D9CF6DA46221}"/>
               </a:ext>
             </a:extLst>
           </p:cNvPr>
@@ -5930,8 +5930,8 @@
           </a:stretch>
         </p:blipFill>
         <p:spPr bwMode="auto">
-          <a:xfrm rot="17810903">
-            <a:off x="9281477" y="2595027"/>
+          <a:xfrm>
+            <a:off x="9701142" y="3281541"/>
             <a:ext cx="809210" cy="204016"/>
           </a:xfrm>
           <a:prstGeom prst="rect">
@@ -5949,53 +5949,41 @@
           </a:extLst>
         </p:spPr>
       </p:pic>
-      <p:pic>
-        <p:nvPicPr>
-          <p:cNvPr id="72" name="Picture 16">
-            <a:extLst>
-              <a:ext uri="{FF2B5EF4-FFF2-40B4-BE49-F238E27FC236}">
-                <a16:creationId xmlns:a16="http://schemas.microsoft.com/office/drawing/2014/main" id="{8965B761-E376-486D-A280-3D6DF1912228}"/>
-              </a:ext>
-            </a:extLst>
-          </p:cNvPr>
-          <p:cNvPicPr>
-            <a:picLocks noChangeAspect="1" noChangeArrowheads="1"/>
-          </p:cNvPicPr>
+      <p:sp>
+        <p:nvSpPr>
+          <p:cNvPr id="2" name="CaixaDeTexto 1">
+            <a:extLst>
+              <a:ext uri="{FF2B5EF4-FFF2-40B4-BE49-F238E27FC236}">
+                <a16:creationId xmlns:a16="http://schemas.microsoft.com/office/drawing/2014/main" id="{06C99EEF-FC8A-458D-9248-EDAC81BFE1DB}"/>
+              </a:ext>
+            </a:extLst>
+          </p:cNvPr>
+          <p:cNvSpPr txBox="1"/>
           <p:nvPr/>
-        </p:nvPicPr>
-        <p:blipFill>
-          <a:blip r:embed="rId10">
-            <a:extLst>
-              <a:ext uri="{28A0092B-C50C-407E-A947-70E740481C1C}">
-                <a14:useLocalDpi xmlns:a14="http://schemas.microsoft.com/office/drawing/2010/main" val="0"/>
-              </a:ext>
-            </a:extLst>
-          </a:blip>
-          <a:srcRect/>
-          <a:stretch>
-            <a:fillRect/>
-          </a:stretch>
-        </p:blipFill>
-        <p:spPr bwMode="auto">
-          <a:xfrm rot="2562939">
-            <a:off x="9555221" y="4440918"/>
-            <a:ext cx="809210" cy="204016"/>
+        </p:nvSpPr>
+        <p:spPr>
+          <a:xfrm>
+            <a:off x="10737657" y="5118899"/>
+            <a:ext cx="1454343" cy="584775"/>
           </a:xfrm>
           <a:prstGeom prst="rect">
             <a:avLst/>
           </a:prstGeom>
           <a:noFill/>
-          <a:extLst>
-            <a:ext uri="{909E8E84-426E-40DD-AFC4-6F175D3DCCD1}">
-              <a14:hiddenFill xmlns:a14="http://schemas.microsoft.com/office/drawing/2010/main">
-                <a:solidFill>
-                  <a:srgbClr val="FFFFFF"/>
-                </a:solidFill>
-              </a14:hiddenFill>
-            </a:ext>
-          </a:extLst>
-        </p:spPr>
-      </p:pic>
+        </p:spPr>
+        <p:txBody>
+          <a:bodyPr wrap="square" rtlCol="0">
+            <a:spAutoFit/>
+          </a:bodyPr>
+          <a:lstStyle/>
+          <a:p>
+            <a:r>
+              <a:rPr lang="pt-BR" sz="1600" dirty="0"/>
+              <a:t>Acesso ao dashboard</a:t>
+            </a:r>
+          </a:p>
+        </p:txBody>
+      </p:sp>
     </p:spTree>
     <p:extLst>
       <p:ext uri="{BB962C8B-B14F-4D97-AF65-F5344CB8AC3E}">
@@ -9234,6 +9222,21 @@
 </file>
 
 <file path=customXml/item1.xml><?xml version="1.0" encoding="utf-8"?>
+<?mso-contentType ?>
+<FormTemplates xmlns="http://schemas.microsoft.com/sharepoint/v3/contenttype/forms">
+  <Display>DocumentLibraryForm</Display>
+  <Edit>DocumentLibraryForm</Edit>
+  <New>DocumentLibraryForm</New>
+</FormTemplates>
+</file>
+
+<file path=customXml/item2.xml><?xml version="1.0" encoding="utf-8"?>
+<p:properties xmlns:p="http://schemas.microsoft.com/office/2006/metadata/properties" xmlns:xsi="http://www.w3.org/2001/XMLSchema-instance" xmlns:pc="http://schemas.microsoft.com/office/infopath/2007/PartnerControls">
+  <documentManagement/>
+</p:properties>
+</file>
+
+<file path=customXml/item3.xml><?xml version="1.0" encoding="utf-8"?>
 <ct:contentTypeSchema xmlns:ct="http://schemas.microsoft.com/office/2006/metadata/contentType" xmlns:ma="http://schemas.microsoft.com/office/2006/metadata/properties/metaAttributes" ct:_="" ma:_="" ma:contentTypeName="Document" ma:contentTypeID="0x0101009A5FC0246A07B443A05063C8EB2AC7D8" ma:contentTypeVersion="4" ma:contentTypeDescription="Create a new document." ma:contentTypeScope="" ma:versionID="420c53bd1eddcc29702e3bd566eef293">
   <xsd:schema xmlns:xsd="http://www.w3.org/2001/XMLSchema" xmlns:xs="http://www.w3.org/2001/XMLSchema" xmlns:p="http://schemas.microsoft.com/office/2006/metadata/properties" xmlns:ns3="8061e086-846d-4709-83ef-f95cce98977c" targetNamespace="http://schemas.microsoft.com/office/2006/metadata/properties" ma:root="true" ma:fieldsID="c54485a539c6ae15085b338092698602" ns3:_="">
     <xsd:import namespace="8061e086-846d-4709-83ef-f95cce98977c"/>
@@ -9379,35 +9382,10 @@
 </ct:contentTypeSchema>
 </file>
 
-<file path=customXml/item2.xml><?xml version="1.0" encoding="utf-8"?>
-<p:properties xmlns:p="http://schemas.microsoft.com/office/2006/metadata/properties" xmlns:xsi="http://www.w3.org/2001/XMLSchema-instance" xmlns:pc="http://schemas.microsoft.com/office/infopath/2007/PartnerControls">
-  <documentManagement/>
-</p:properties>
-</file>
-
-<file path=customXml/item3.xml><?xml version="1.0" encoding="utf-8"?>
-<?mso-contentType ?>
-<FormTemplates xmlns="http://schemas.microsoft.com/sharepoint/v3/contenttype/forms">
-  <Display>DocumentLibraryForm</Display>
-  <Edit>DocumentLibraryForm</Edit>
-  <New>DocumentLibraryForm</New>
-</FormTemplates>
-</file>
-
 <file path=customXml/itemProps1.xml><?xml version="1.0" encoding="utf-8"?>
-<ds:datastoreItem xmlns:ds="http://schemas.openxmlformats.org/officeDocument/2006/customXml" ds:itemID="{4391E346-D1DC-4EE5-A343-4BFCAD5F0129}">
+<ds:datastoreItem xmlns:ds="http://schemas.openxmlformats.org/officeDocument/2006/customXml" ds:itemID="{C8904B04-CE3B-480B-B581-8F4B320FC628}">
   <ds:schemaRefs>
-    <ds:schemaRef ds:uri="http://schemas.microsoft.com/office/2006/metadata/contentType"/>
-    <ds:schemaRef ds:uri="http://schemas.microsoft.com/office/2006/metadata/properties/metaAttributes"/>
-    <ds:schemaRef ds:uri="http://www.w3.org/2001/XMLSchema"/>
-    <ds:schemaRef ds:uri="http://schemas.microsoft.com/office/2006/metadata/properties"/>
-    <ds:schemaRef ds:uri="8061e086-846d-4709-83ef-f95cce98977c"/>
-    <ds:schemaRef ds:uri="http://schemas.microsoft.com/office/2006/documentManagement/types"/>
-    <ds:schemaRef ds:uri="http://schemas.microsoft.com/office/infopath/2007/PartnerControls"/>
-    <ds:schemaRef ds:uri="http://schemas.openxmlformats.org/package/2006/metadata/core-properties"/>
-    <ds:schemaRef ds:uri="http://purl.org/dc/elements/1.1/"/>
-    <ds:schemaRef ds:uri="http://purl.org/dc/terms/"/>
-    <ds:schemaRef ds:uri="http://schemas.microsoft.com/internal/obd"/>
+    <ds:schemaRef ds:uri="http://schemas.microsoft.com/sharepoint/v3/contenttype/forms"/>
   </ds:schemaRefs>
 </ds:datastoreItem>
 </file>
@@ -9429,9 +9407,19 @@
 </file>
 
 <file path=customXml/itemProps3.xml><?xml version="1.0" encoding="utf-8"?>
-<ds:datastoreItem xmlns:ds="http://schemas.openxmlformats.org/officeDocument/2006/customXml" ds:itemID="{C8904B04-CE3B-480B-B581-8F4B320FC628}">
+<ds:datastoreItem xmlns:ds="http://schemas.openxmlformats.org/officeDocument/2006/customXml" ds:itemID="{4391E346-D1DC-4EE5-A343-4BFCAD5F0129}">
   <ds:schemaRefs>
-    <ds:schemaRef ds:uri="http://schemas.microsoft.com/sharepoint/v3/contenttype/forms"/>
+    <ds:schemaRef ds:uri="http://schemas.microsoft.com/office/2006/metadata/contentType"/>
+    <ds:schemaRef ds:uri="http://schemas.microsoft.com/office/2006/metadata/properties/metaAttributes"/>
+    <ds:schemaRef ds:uri="http://www.w3.org/2001/XMLSchema"/>
+    <ds:schemaRef ds:uri="http://schemas.microsoft.com/office/2006/metadata/properties"/>
+    <ds:schemaRef ds:uri="8061e086-846d-4709-83ef-f95cce98977c"/>
+    <ds:schemaRef ds:uri="http://schemas.microsoft.com/office/2006/documentManagement/types"/>
+    <ds:schemaRef ds:uri="http://schemas.microsoft.com/office/infopath/2007/PartnerControls"/>
+    <ds:schemaRef ds:uri="http://schemas.openxmlformats.org/package/2006/metadata/core-properties"/>
+    <ds:schemaRef ds:uri="http://purl.org/dc/elements/1.1/"/>
+    <ds:schemaRef ds:uri="http://purl.org/dc/terms/"/>
+    <ds:schemaRef ds:uri="http://schemas.microsoft.com/internal/obd"/>
   </ds:schemaRefs>
 </ds:datastoreItem>
 </file>
--- a/Documentação/HLD -LLD (1).pptx
+++ b/Documentação/HLD -LLD (1).pptx
@@ -117,13 +117,69 @@
 <file path=ppt/revisionInfo.xml><?xml version="1.0" encoding="utf-8"?>
 <p1510:revInfo xmlns:a="http://schemas.openxmlformats.org/drawingml/2006/main" xmlns:r="http://schemas.openxmlformats.org/officeDocument/2006/relationships" xmlns:p1510="http://schemas.microsoft.com/office/powerpoint/2015/10/main">
   <p1510:revLst>
-    <p1510:client id="{6D595190-088A-4964-8626-DDED55805BB4}" v="191" dt="2020-10-21T19:06:49.639"/>
+    <p1510:client id="{BA97E44A-FF69-4D6A-A749-156F32389321}" v="7" dt="2020-10-28T00:25:57.716"/>
   </p1510:revLst>
 </p1510:revInfo>
 </file>
 
 <file path=ppt/changesInfos/changesInfo1.xml><?xml version="1.0" encoding="utf-8"?>
 <pc:chgInfo xmlns:a="http://schemas.openxmlformats.org/drawingml/2006/main" xmlns:r="http://schemas.openxmlformats.org/officeDocument/2006/relationships" xmlns:ac="http://schemas.microsoft.com/office/drawing/2013/main/command" xmlns:pc="http://schemas.microsoft.com/office/powerpoint/2013/main/command">
+  <pc:docChgLst>
+    <pc:chgData name="Nicholas Forte" userId="831f5f1da6d5c7f7" providerId="LiveId" clId="{BA97E44A-FF69-4D6A-A749-156F32389321}"/>
+    <pc:docChg chg="undo custSel modSld">
+      <pc:chgData name="Nicholas Forte" userId="831f5f1da6d5c7f7" providerId="LiveId" clId="{BA97E44A-FF69-4D6A-A749-156F32389321}" dt="2020-10-28T00:26:18.666" v="112" actId="1076"/>
+      <pc:docMkLst>
+        <pc:docMk/>
+      </pc:docMkLst>
+      <pc:sldChg chg="modSp mod">
+        <pc:chgData name="Nicholas Forte" userId="831f5f1da6d5c7f7" providerId="LiveId" clId="{BA97E44A-FF69-4D6A-A749-156F32389321}" dt="2020-10-28T00:26:18.666" v="112" actId="1076"/>
+        <pc:sldMkLst>
+          <pc:docMk/>
+          <pc:sldMk cId="1062914862" sldId="278"/>
+        </pc:sldMkLst>
+        <pc:spChg chg="mod">
+          <ac:chgData name="Nicholas Forte" userId="831f5f1da6d5c7f7" providerId="LiveId" clId="{BA97E44A-FF69-4D6A-A749-156F32389321}" dt="2020-10-28T00:26:01.069" v="107" actId="1076"/>
+          <ac:spMkLst>
+            <pc:docMk/>
+            <pc:sldMk cId="1062914862" sldId="278"/>
+            <ac:spMk id="10" creationId="{98D4B05B-915C-4CB0-BE9B-F5C642107921}"/>
+          </ac:spMkLst>
+        </pc:spChg>
+        <pc:spChg chg="mod">
+          <ac:chgData name="Nicholas Forte" userId="831f5f1da6d5c7f7" providerId="LiveId" clId="{BA97E44A-FF69-4D6A-A749-156F32389321}" dt="2020-10-28T00:26:18.666" v="112" actId="1076"/>
+          <ac:spMkLst>
+            <pc:docMk/>
+            <pc:sldMk cId="1062914862" sldId="278"/>
+            <ac:spMk id="26" creationId="{A27EF95B-2AEE-4682-B8D0-AF2C76BD6A7C}"/>
+          </ac:spMkLst>
+        </pc:spChg>
+        <pc:picChg chg="mod">
+          <ac:chgData name="Nicholas Forte" userId="831f5f1da6d5c7f7" providerId="LiveId" clId="{BA97E44A-FF69-4D6A-A749-156F32389321}" dt="2020-10-28T00:20:21.125" v="5" actId="1076"/>
+          <ac:picMkLst>
+            <pc:docMk/>
+            <pc:sldMk cId="1062914862" sldId="278"/>
+            <ac:picMk id="3" creationId="{4E8F4C95-2A4B-4E98-8E60-E76AEBFDF98B}"/>
+          </ac:picMkLst>
+        </pc:picChg>
+        <pc:picChg chg="mod">
+          <ac:chgData name="Nicholas Forte" userId="831f5f1da6d5c7f7" providerId="LiveId" clId="{BA97E44A-FF69-4D6A-A749-156F32389321}" dt="2020-10-28T00:25:57.716" v="105" actId="1076"/>
+          <ac:picMkLst>
+            <pc:docMk/>
+            <pc:sldMk cId="1062914862" sldId="278"/>
+            <ac:picMk id="51" creationId="{67D1E393-7ACD-4664-A0DF-9D2C668C30BC}"/>
+          </ac:picMkLst>
+        </pc:picChg>
+        <pc:picChg chg="mod">
+          <ac:chgData name="Nicholas Forte" userId="831f5f1da6d5c7f7" providerId="LiveId" clId="{BA97E44A-FF69-4D6A-A749-156F32389321}" dt="2020-10-28T00:25:24.606" v="98" actId="1076"/>
+          <ac:picMkLst>
+            <pc:docMk/>
+            <pc:sldMk cId="1062914862" sldId="278"/>
+            <ac:picMk id="70" creationId="{3CF31B95-F108-4349-BA98-BD0A234DC320}"/>
+          </ac:picMkLst>
+        </pc:picChg>
+      </pc:sldChg>
+    </pc:docChg>
+  </pc:docChgLst>
   <pc:docChgLst>
     <pc:chgData name="Nicholas Forte" userId="831f5f1da6d5c7f7" providerId="LiveId" clId="{6D595190-088A-4964-8626-DDED55805BB4}"/>
     <pc:docChg chg="undo redo custSel modSld">
@@ -6286,8 +6342,8 @@
         </p:nvSpPr>
         <p:spPr>
           <a:xfrm>
-            <a:off x="2894039" y="769161"/>
-            <a:ext cx="2388588" cy="2431435"/>
+            <a:off x="2928835" y="849165"/>
+            <a:ext cx="2388588" cy="2185214"/>
           </a:xfrm>
           <a:prstGeom prst="rect">
             <a:avLst/>
@@ -6301,25 +6357,35 @@
           <a:lstStyle/>
           <a:p>
             <a:r>
+              <a:rPr lang="pt-BR" sz="2000" dirty="0"/>
+              <a:t>Aparelho do usuário/Fiscal</a:t>
+            </a:r>
+            <a:r>
               <a:rPr lang="pt-BR" dirty="0"/>
-              <a:t>Aparelho do usuário/Fiscal. </a:t>
-            </a:r>
-          </a:p>
-          <a:p>
-            <a:r>
-              <a:rPr lang="pt-BR" sz="1400" dirty="0"/>
-              <a:t>Intel Core i5-8265U (1.6 GHz até 3.9 GHz, cache de 6MB, quad-core, 8ª geração)</a:t>
-            </a:r>
-          </a:p>
-          <a:p>
-            <a:r>
-              <a:rPr lang="pt-BR" sz="1400" dirty="0"/>
-              <a:t>Placa de vídeo integrada Intel UHD Graphics 620 com memória gráfica compartilhada.</a:t>
-            </a:r>
-            <a:endParaRPr lang="pt-BR" sz="1100" dirty="0"/>
-          </a:p>
-          <a:p>
-            <a:endParaRPr lang="pt-BR" dirty="0"/>
+              <a:t>.</a:t>
+            </a:r>
+          </a:p>
+          <a:p>
+            <a:r>
+              <a:rPr lang="pt-BR" dirty="0"/>
+              <a:t> </a:t>
+            </a:r>
+          </a:p>
+          <a:p>
+            <a:pPr algn="l"/>
+            <a:r>
+              <a:rPr lang="pt-BR" sz="1600" i="0" dirty="0">
+                <a:effectLst/>
+              </a:rPr>
+              <a:t>Chromebook Plus Samsung Touchscreen, Intel Celeron 3965Y, 4GB, 32GB, Chrome OS, 12.2´.</a:t>
+            </a:r>
+          </a:p>
+          <a:p>
+            <a:endParaRPr lang="pt-BR" sz="1400" dirty="0">
+              <a:solidFill>
+                <a:srgbClr val="333333"/>
+              </a:solidFill>
+            </a:endParaRPr>
           </a:p>
         </p:txBody>
       </p:sp>
@@ -6801,7 +6867,7 @@
         </p:blipFill>
         <p:spPr bwMode="auto">
           <a:xfrm>
-            <a:off x="-436438" y="1022716"/>
+            <a:off x="-436650" y="1049779"/>
             <a:ext cx="3706716" cy="1666778"/>
           </a:xfrm>
           <a:prstGeom prst="rect">
@@ -9222,21 +9288,6 @@
 </file>
 
 <file path=customXml/item1.xml><?xml version="1.0" encoding="utf-8"?>
-<?mso-contentType ?>
-<FormTemplates xmlns="http://schemas.microsoft.com/sharepoint/v3/contenttype/forms">
-  <Display>DocumentLibraryForm</Display>
-  <Edit>DocumentLibraryForm</Edit>
-  <New>DocumentLibraryForm</New>
-</FormTemplates>
-</file>
-
-<file path=customXml/item2.xml><?xml version="1.0" encoding="utf-8"?>
-<p:properties xmlns:p="http://schemas.microsoft.com/office/2006/metadata/properties" xmlns:xsi="http://www.w3.org/2001/XMLSchema-instance" xmlns:pc="http://schemas.microsoft.com/office/infopath/2007/PartnerControls">
-  <documentManagement/>
-</p:properties>
-</file>
-
-<file path=customXml/item3.xml><?xml version="1.0" encoding="utf-8"?>
 <ct:contentTypeSchema xmlns:ct="http://schemas.microsoft.com/office/2006/metadata/contentType" xmlns:ma="http://schemas.microsoft.com/office/2006/metadata/properties/metaAttributes" ct:_="" ma:_="" ma:contentTypeName="Document" ma:contentTypeID="0x0101009A5FC0246A07B443A05063C8EB2AC7D8" ma:contentTypeVersion="4" ma:contentTypeDescription="Create a new document." ma:contentTypeScope="" ma:versionID="420c53bd1eddcc29702e3bd566eef293">
   <xsd:schema xmlns:xsd="http://www.w3.org/2001/XMLSchema" xmlns:xs="http://www.w3.org/2001/XMLSchema" xmlns:p="http://schemas.microsoft.com/office/2006/metadata/properties" xmlns:ns3="8061e086-846d-4709-83ef-f95cce98977c" targetNamespace="http://schemas.microsoft.com/office/2006/metadata/properties" ma:root="true" ma:fieldsID="c54485a539c6ae15085b338092698602" ns3:_="">
     <xsd:import namespace="8061e086-846d-4709-83ef-f95cce98977c"/>
@@ -9382,10 +9433,35 @@
 </ct:contentTypeSchema>
 </file>
 
+<file path=customXml/item2.xml><?xml version="1.0" encoding="utf-8"?>
+<p:properties xmlns:p="http://schemas.microsoft.com/office/2006/metadata/properties" xmlns:xsi="http://www.w3.org/2001/XMLSchema-instance" xmlns:pc="http://schemas.microsoft.com/office/infopath/2007/PartnerControls">
+  <documentManagement/>
+</p:properties>
+</file>
+
+<file path=customXml/item3.xml><?xml version="1.0" encoding="utf-8"?>
+<?mso-contentType ?>
+<FormTemplates xmlns="http://schemas.microsoft.com/sharepoint/v3/contenttype/forms">
+  <Display>DocumentLibraryForm</Display>
+  <Edit>DocumentLibraryForm</Edit>
+  <New>DocumentLibraryForm</New>
+</FormTemplates>
+</file>
+
 <file path=customXml/itemProps1.xml><?xml version="1.0" encoding="utf-8"?>
-<ds:datastoreItem xmlns:ds="http://schemas.openxmlformats.org/officeDocument/2006/customXml" ds:itemID="{C8904B04-CE3B-480B-B581-8F4B320FC628}">
+<ds:datastoreItem xmlns:ds="http://schemas.openxmlformats.org/officeDocument/2006/customXml" ds:itemID="{4391E346-D1DC-4EE5-A343-4BFCAD5F0129}">
   <ds:schemaRefs>
-    <ds:schemaRef ds:uri="http://schemas.microsoft.com/sharepoint/v3/contenttype/forms"/>
+    <ds:schemaRef ds:uri="http://schemas.microsoft.com/office/2006/metadata/contentType"/>
+    <ds:schemaRef ds:uri="http://schemas.microsoft.com/office/2006/metadata/properties/metaAttributes"/>
+    <ds:schemaRef ds:uri="http://www.w3.org/2001/XMLSchema"/>
+    <ds:schemaRef ds:uri="http://schemas.microsoft.com/office/2006/metadata/properties"/>
+    <ds:schemaRef ds:uri="8061e086-846d-4709-83ef-f95cce98977c"/>
+    <ds:schemaRef ds:uri="http://schemas.microsoft.com/office/2006/documentManagement/types"/>
+    <ds:schemaRef ds:uri="http://schemas.microsoft.com/office/infopath/2007/PartnerControls"/>
+    <ds:schemaRef ds:uri="http://schemas.openxmlformats.org/package/2006/metadata/core-properties"/>
+    <ds:schemaRef ds:uri="http://purl.org/dc/elements/1.1/"/>
+    <ds:schemaRef ds:uri="http://purl.org/dc/terms/"/>
+    <ds:schemaRef ds:uri="http://schemas.microsoft.com/internal/obd"/>
   </ds:schemaRefs>
 </ds:datastoreItem>
 </file>
@@ -9407,19 +9483,9 @@
 </file>
 
 <file path=customXml/itemProps3.xml><?xml version="1.0" encoding="utf-8"?>
-<ds:datastoreItem xmlns:ds="http://schemas.openxmlformats.org/officeDocument/2006/customXml" ds:itemID="{4391E346-D1DC-4EE5-A343-4BFCAD5F0129}">
+<ds:datastoreItem xmlns:ds="http://schemas.openxmlformats.org/officeDocument/2006/customXml" ds:itemID="{C8904B04-CE3B-480B-B581-8F4B320FC628}">
   <ds:schemaRefs>
-    <ds:schemaRef ds:uri="http://schemas.microsoft.com/office/2006/metadata/contentType"/>
-    <ds:schemaRef ds:uri="http://schemas.microsoft.com/office/2006/metadata/properties/metaAttributes"/>
-    <ds:schemaRef ds:uri="http://www.w3.org/2001/XMLSchema"/>
-    <ds:schemaRef ds:uri="http://schemas.microsoft.com/office/2006/metadata/properties"/>
-    <ds:schemaRef ds:uri="8061e086-846d-4709-83ef-f95cce98977c"/>
-    <ds:schemaRef ds:uri="http://schemas.microsoft.com/office/2006/documentManagement/types"/>
-    <ds:schemaRef ds:uri="http://schemas.microsoft.com/office/infopath/2007/PartnerControls"/>
-    <ds:schemaRef ds:uri="http://schemas.openxmlformats.org/package/2006/metadata/core-properties"/>
-    <ds:schemaRef ds:uri="http://purl.org/dc/elements/1.1/"/>
-    <ds:schemaRef ds:uri="http://purl.org/dc/terms/"/>
-    <ds:schemaRef ds:uri="http://schemas.microsoft.com/internal/obd"/>
+    <ds:schemaRef ds:uri="http://schemas.microsoft.com/sharepoint/v3/contenttype/forms"/>
   </ds:schemaRefs>
 </ds:datastoreItem>
 </file>